--- a/Project Presentation.pptx
+++ b/Project Presentation.pptx
@@ -10,6 +10,16 @@
     <p:sldId id="274" r:id="rId4"/>
     <p:sldId id="257" r:id="rId5"/>
     <p:sldId id="269" r:id="rId6"/>
+    <p:sldId id="275" r:id="rId7"/>
+    <p:sldId id="284" r:id="rId8"/>
+    <p:sldId id="276" r:id="rId9"/>
+    <p:sldId id="277" r:id="rId10"/>
+    <p:sldId id="272" r:id="rId11"/>
+    <p:sldId id="278" r:id="rId12"/>
+    <p:sldId id="281" r:id="rId13"/>
+    <p:sldId id="282" r:id="rId14"/>
+    <p:sldId id="283" r:id="rId15"/>
+    <p:sldId id="280" r:id="rId16"/>
   </p:sldIdLst>
   <p:sldSz cx="12192000" cy="6858000"/>
   <p:notesSz cx="6858000" cy="9144000"/>
@@ -302,7 +312,7 @@
           <a:p>
             <a:fld id="{4AAD347D-5ACD-4C99-B74B-A9C85AD731AF}" type="datetimeFigureOut">
               <a:rPr lang="en-US" dirty="0"/>
-              <a:t>9/21/21</a:t>
+              <a:t>9/22/21</a:t>
             </a:fld>
             <a:endParaRPr lang="en-US" dirty="0"/>
           </a:p>
@@ -572,7 +582,7 @@
           <a:p>
             <a:fld id="{4509A250-FF31-4206-8172-F9D3106AACB1}" type="datetimeFigureOut">
               <a:rPr lang="en-US" dirty="0"/>
-              <a:t>9/21/21</a:t>
+              <a:t>9/22/21</a:t>
             </a:fld>
             <a:endParaRPr lang="en-US" dirty="0"/>
           </a:p>
@@ -761,7 +771,7 @@
           <a:p>
             <a:fld id="{4509A250-FF31-4206-8172-F9D3106AACB1}" type="datetimeFigureOut">
               <a:rPr lang="en-US" dirty="0"/>
-              <a:t>9/21/21</a:t>
+              <a:t>9/22/21</a:t>
             </a:fld>
             <a:endParaRPr lang="en-US" dirty="0"/>
           </a:p>
@@ -1029,7 +1039,7 @@
           <a:p>
             <a:fld id="{4509A250-FF31-4206-8172-F9D3106AACB1}" type="datetimeFigureOut">
               <a:rPr lang="en-US" dirty="0"/>
-              <a:t>9/21/21</a:t>
+              <a:t>9/22/21</a:t>
             </a:fld>
             <a:endParaRPr lang="en-US" dirty="0"/>
           </a:p>
@@ -1365,7 +1375,7 @@
           <a:p>
             <a:fld id="{4509A250-FF31-4206-8172-F9D3106AACB1}" type="datetimeFigureOut">
               <a:rPr lang="en-US" dirty="0"/>
-              <a:t>9/21/21</a:t>
+              <a:t>9/22/21</a:t>
             </a:fld>
             <a:endParaRPr lang="en-US" dirty="0"/>
           </a:p>
@@ -1983,7 +1993,7 @@
           <a:p>
             <a:fld id="{4509A250-FF31-4206-8172-F9D3106AACB1}" type="datetimeFigureOut">
               <a:rPr lang="en-US" dirty="0"/>
-              <a:t>9/21/21</a:t>
+              <a:t>9/22/21</a:t>
             </a:fld>
             <a:endParaRPr lang="en-US" dirty="0"/>
           </a:p>
@@ -2838,7 +2848,7 @@
           <a:p>
             <a:fld id="{4509A250-FF31-4206-8172-F9D3106AACB1}" type="datetimeFigureOut">
               <a:rPr lang="en-US" dirty="0"/>
-              <a:t>9/21/21</a:t>
+              <a:t>9/22/21</a:t>
             </a:fld>
             <a:endParaRPr lang="en-US" dirty="0"/>
           </a:p>
@@ -3003,7 +3013,7 @@
           <a:p>
             <a:fld id="{4509A250-FF31-4206-8172-F9D3106AACB1}" type="datetimeFigureOut">
               <a:rPr lang="en-US" dirty="0"/>
-              <a:t>9/21/21</a:t>
+              <a:t>9/22/21</a:t>
             </a:fld>
             <a:endParaRPr lang="en-US" dirty="0"/>
           </a:p>
@@ -3178,7 +3188,7 @@
           <a:p>
             <a:fld id="{4509A250-FF31-4206-8172-F9D3106AACB1}" type="datetimeFigureOut">
               <a:rPr lang="en-US" dirty="0"/>
-              <a:t>9/21/21</a:t>
+              <a:t>9/22/21</a:t>
             </a:fld>
             <a:endParaRPr lang="en-US" dirty="0"/>
           </a:p>
@@ -3343,7 +3353,7 @@
           <a:p>
             <a:fld id="{4509A250-FF31-4206-8172-F9D3106AACB1}" type="datetimeFigureOut">
               <a:rPr lang="en-US" dirty="0"/>
-              <a:t>9/21/21</a:t>
+              <a:t>9/22/21</a:t>
             </a:fld>
             <a:endParaRPr lang="en-US" dirty="0"/>
           </a:p>
@@ -3585,7 +3595,7 @@
           <a:p>
             <a:fld id="{9796027F-7875-4030-9381-8BD8C4F21935}" type="datetimeFigureOut">
               <a:rPr lang="en-US" dirty="0"/>
-              <a:t>9/21/21</a:t>
+              <a:t>9/22/21</a:t>
             </a:fld>
             <a:endParaRPr lang="en-US" dirty="0"/>
           </a:p>
@@ -3872,7 +3882,7 @@
           <a:p>
             <a:fld id="{9796027F-7875-4030-9381-8BD8C4F21935}" type="datetimeFigureOut">
               <a:rPr lang="en-US" dirty="0"/>
-              <a:t>9/21/21</a:t>
+              <a:t>9/22/21</a:t>
             </a:fld>
             <a:endParaRPr lang="en-US" dirty="0"/>
           </a:p>
@@ -4311,7 +4321,7 @@
           <a:p>
             <a:fld id="{9796027F-7875-4030-9381-8BD8C4F21935}" type="datetimeFigureOut">
               <a:rPr lang="en-US" dirty="0"/>
-              <a:t>9/21/21</a:t>
+              <a:t>9/22/21</a:t>
             </a:fld>
             <a:endParaRPr lang="en-US" dirty="0"/>
           </a:p>
@@ -4424,7 +4434,7 @@
           <a:p>
             <a:fld id="{4509A250-FF31-4206-8172-F9D3106AACB1}" type="datetimeFigureOut">
               <a:rPr lang="en-US" dirty="0"/>
-              <a:t>9/21/21</a:t>
+              <a:t>9/22/21</a:t>
             </a:fld>
             <a:endParaRPr lang="en-US" dirty="0"/>
           </a:p>
@@ -4514,7 +4524,7 @@
           <a:p>
             <a:fld id="{4509A250-FF31-4206-8172-F9D3106AACB1}" type="datetimeFigureOut">
               <a:rPr lang="en-US" dirty="0"/>
-              <a:t>9/21/21</a:t>
+              <a:t>9/22/21</a:t>
             </a:fld>
             <a:endParaRPr lang="en-US" dirty="0"/>
           </a:p>
@@ -4788,7 +4798,7 @@
           <a:p>
             <a:fld id="{4509A250-FF31-4206-8172-F9D3106AACB1}" type="datetimeFigureOut">
               <a:rPr lang="en-US" dirty="0"/>
-              <a:t>9/21/21</a:t>
+              <a:t>9/22/21</a:t>
             </a:fld>
             <a:endParaRPr lang="en-US" dirty="0"/>
           </a:p>
@@ -5058,7 +5068,7 @@
           <a:p>
             <a:fld id="{4509A250-FF31-4206-8172-F9D3106AACB1}" type="datetimeFigureOut">
               <a:rPr lang="en-US" dirty="0"/>
-              <a:t>9/21/21</a:t>
+              <a:t>9/22/21</a:t>
             </a:fld>
             <a:endParaRPr lang="en-US" dirty="0"/>
           </a:p>
@@ -5482,7 +5492,7 @@
           <a:p>
             <a:fld id="{4AAD347D-5ACD-4C99-B74B-A9C85AD731AF}" type="datetimeFigureOut">
               <a:rPr lang="en-US" dirty="0"/>
-              <a:t>9/21/21</a:t>
+              <a:t>9/22/21</a:t>
             </a:fld>
             <a:endParaRPr lang="en-US" dirty="0"/>
           </a:p>
@@ -6088,10 +6098,11 @@
                   <a:srgbClr val="FF0000"/>
                 </a:solidFill>
               </a:rPr>
-              <a:t>Exploring the impacts of COVID-19 in Australia</a:t>
-            </a:r>
-          </a:p>
-          <a:p>
+              <a:t>Exploring the impacts in Australia</a:t>
+            </a:r>
+          </a:p>
+          <a:p>
+            <a:pPr algn="r"/>
             <a:r>
               <a:rPr lang="en-AU" sz="2400" b="1" i="1" dirty="0">
                 <a:ln>
@@ -6103,10 +6114,23 @@
                   <a:srgbClr val="FF0000"/>
                 </a:solidFill>
               </a:rPr>
-              <a:t>By GROUP 2 – </a:t>
-            </a:r>
-            <a:r>
-              <a:rPr lang="en-AU" sz="2400" i="1" dirty="0">
+              <a:t>By GROUP 2 –</a:t>
+            </a:r>
+            <a:r>
+              <a:rPr lang="en-AU" b="1" i="1" dirty="0">
+                <a:ln>
+                  <a:solidFill>
+                    <a:schemeClr val="accent1"/>
+                  </a:solidFill>
+                </a:ln>
+                <a:solidFill>
+                  <a:srgbClr val="FF0000"/>
+                </a:solidFill>
+              </a:rPr>
+              <a:t> </a:t>
+            </a:r>
+            <a:r>
+              <a:rPr lang="en-AU" i="1" dirty="0">
                 <a:ln>
                   <a:solidFill>
                     <a:schemeClr val="accent1"/>
@@ -6119,7 +6143,7 @@
               <a:t>ISHAAN NIGAM, Namita </a:t>
             </a:r>
             <a:r>
-              <a:rPr lang="en-AU" sz="2400" i="1" dirty="0" err="1">
+              <a:rPr lang="en-AU" i="1" dirty="0" err="1">
                 <a:ln>
                   <a:solidFill>
                     <a:schemeClr val="accent1"/>
@@ -6132,7 +6156,7 @@
               <a:t>sahoo</a:t>
             </a:r>
             <a:r>
-              <a:rPr lang="en-AU" sz="2400" i="1" dirty="0">
+              <a:rPr lang="en-AU" i="1" dirty="0">
                 <a:ln>
                   <a:solidFill>
                     <a:schemeClr val="accent1"/>
@@ -6145,7 +6169,7 @@
               <a:t>, Pooja </a:t>
             </a:r>
             <a:r>
-              <a:rPr lang="en-AU" sz="2400" i="1" dirty="0" err="1">
+              <a:rPr lang="en-AU" i="1" dirty="0" err="1">
                 <a:ln>
                   <a:solidFill>
                     <a:schemeClr val="accent1"/>
@@ -6158,7 +6182,7 @@
               <a:t>gupta</a:t>
             </a:r>
             <a:r>
-              <a:rPr lang="en-AU" sz="2400" i="1" dirty="0">
+              <a:rPr lang="en-AU" i="1" dirty="0">
                 <a:ln>
                   <a:solidFill>
                     <a:schemeClr val="accent1"/>
@@ -6171,7 +6195,7 @@
               <a:t> and Sam </a:t>
             </a:r>
             <a:r>
-              <a:rPr lang="en-AU" sz="2400" i="1" dirty="0" err="1">
+              <a:rPr lang="en-AU" i="1" dirty="0" err="1">
                 <a:ln>
                   <a:solidFill>
                     <a:schemeClr val="accent1"/>
@@ -6184,7 +6208,7 @@
               <a:t>Portelli</a:t>
             </a:r>
             <a:r>
-              <a:rPr lang="en-AU" sz="2400" i="1" dirty="0">
+              <a:rPr lang="en-AU" i="1" dirty="0">
                 <a:ln>
                   <a:solidFill>
                     <a:schemeClr val="accent1"/>
@@ -6196,7 +6220,7 @@
               </a:rPr>
               <a:t> </a:t>
             </a:r>
-            <a:endParaRPr lang="en-US" sz="2400" i="1" dirty="0">
+            <a:endParaRPr lang="en-US" i="1" dirty="0">
               <a:ln>
                 <a:solidFill>
                   <a:schemeClr val="accent1"/>
@@ -6213,6 +6237,1707 @@
     <p:extLst>
       <p:ext uri="{BB962C8B-B14F-4D97-AF65-F5344CB8AC3E}">
         <p14:creationId xmlns:p14="http://schemas.microsoft.com/office/powerpoint/2010/main" val="2401565648"/>
+      </p:ext>
+    </p:extLst>
+  </p:cSld>
+  <p:clrMapOvr>
+    <a:masterClrMapping/>
+  </p:clrMapOvr>
+</p:sld>
+</file>
+
+<file path=ppt/slides/slide10.xml><?xml version="1.0" encoding="utf-8"?>
+<p:sld xmlns:a="http://schemas.openxmlformats.org/drawingml/2006/main" xmlns:r="http://schemas.openxmlformats.org/officeDocument/2006/relationships" xmlns:p="http://schemas.openxmlformats.org/presentationml/2006/main">
+  <p:cSld>
+    <p:spTree>
+      <p:nvGrpSpPr>
+        <p:cNvPr id="1" name=""/>
+        <p:cNvGrpSpPr/>
+        <p:nvPr/>
+      </p:nvGrpSpPr>
+      <p:grpSpPr>
+        <a:xfrm>
+          <a:off x="0" y="0"/>
+          <a:ext cx="0" cy="0"/>
+          <a:chOff x="0" y="0"/>
+          <a:chExt cx="0" cy="0"/>
+        </a:xfrm>
+      </p:grpSpPr>
+      <p:sp>
+        <p:nvSpPr>
+          <p:cNvPr id="2" name="Title 1">
+            <a:extLst>
+              <a:ext uri="{FF2B5EF4-FFF2-40B4-BE49-F238E27FC236}">
+                <a16:creationId xmlns:a16="http://schemas.microsoft.com/office/drawing/2014/main" id="{FFC7AA74-143E-214E-9F1D-E9F327707C6A}"/>
+              </a:ext>
+            </a:extLst>
+          </p:cNvPr>
+          <p:cNvSpPr>
+            <a:spLocks noGrp="1"/>
+          </p:cNvSpPr>
+          <p:nvPr>
+            <p:ph type="title"/>
+          </p:nvPr>
+        </p:nvSpPr>
+        <p:spPr>
+          <a:xfrm>
+            <a:off x="643855" y="1447799"/>
+            <a:ext cx="3108626" cy="1444752"/>
+          </a:xfrm>
+        </p:spPr>
+        <p:txBody>
+          <a:bodyPr vert="horz" lIns="91440" tIns="45720" rIns="91440" bIns="45720" rtlCol="0" anchor="b">
+            <a:normAutofit/>
+          </a:bodyPr>
+          <a:lstStyle/>
+          <a:p>
+            <a:pPr>
+              <a:lnSpc>
+                <a:spcPct val="90000"/>
+              </a:lnSpc>
+            </a:pPr>
+            <a:r>
+              <a:rPr lang="en-US" sz="2200" b="0" i="0" kern="1200">
+                <a:solidFill>
+                  <a:srgbClr val="EBEBEB"/>
+                </a:solidFill>
+                <a:latin typeface="+mj-lt"/>
+                <a:ea typeface="+mj-ea"/>
+                <a:cs typeface="+mj-cs"/>
+              </a:rPr>
+              <a:t>Impacts of COVID-19 on Australian Unemployment</a:t>
+            </a:r>
+            <a:br>
+              <a:rPr lang="en-US" sz="2200" b="0" i="0" kern="1200">
+                <a:solidFill>
+                  <a:srgbClr val="EBEBEB"/>
+                </a:solidFill>
+                <a:latin typeface="+mj-lt"/>
+                <a:ea typeface="+mj-ea"/>
+                <a:cs typeface="+mj-cs"/>
+              </a:rPr>
+            </a:br>
+            <a:endParaRPr lang="en-US" sz="2200" b="0" i="0" kern="1200">
+              <a:solidFill>
+                <a:srgbClr val="EBEBEB"/>
+              </a:solidFill>
+              <a:latin typeface="+mj-lt"/>
+              <a:ea typeface="+mj-ea"/>
+              <a:cs typeface="+mj-cs"/>
+            </a:endParaRPr>
+          </a:p>
+        </p:txBody>
+      </p:sp>
+      <p:sp>
+        <p:nvSpPr>
+          <p:cNvPr id="14" name="TextBox 13">
+            <a:extLst>
+              <a:ext uri="{FF2B5EF4-FFF2-40B4-BE49-F238E27FC236}">
+                <a16:creationId xmlns:a16="http://schemas.microsoft.com/office/drawing/2014/main" id="{5FA1F7AF-4B4B-8F4A-A33B-B98568B76A62}"/>
+              </a:ext>
+            </a:extLst>
+          </p:cNvPr>
+          <p:cNvSpPr txBox="1"/>
+          <p:nvPr/>
+        </p:nvSpPr>
+        <p:spPr>
+          <a:xfrm>
+            <a:off x="282338" y="3072385"/>
+            <a:ext cx="3991949" cy="2947415"/>
+          </a:xfrm>
+          <a:prstGeom prst="rect">
+            <a:avLst/>
+          </a:prstGeom>
+        </p:spPr>
+        <p:txBody>
+          <a:bodyPr vert="horz" lIns="91440" tIns="45720" rIns="91440" bIns="45720" rtlCol="0">
+            <a:normAutofit/>
+          </a:bodyPr>
+          <a:lstStyle/>
+          <a:p>
+            <a:pPr>
+              <a:spcBef>
+                <a:spcPts val="1000"/>
+              </a:spcBef>
+              <a:buClr>
+                <a:schemeClr val="bg2">
+                  <a:lumMod val="40000"/>
+                  <a:lumOff val="60000"/>
+                </a:schemeClr>
+              </a:buClr>
+              <a:buSzPct val="80000"/>
+            </a:pPr>
+            <a:r>
+              <a:rPr lang="en-US" sz="1400" dirty="0">
+                <a:solidFill>
+                  <a:srgbClr val="FFFFFF"/>
+                </a:solidFill>
+                <a:latin typeface="+mj-lt"/>
+                <a:ea typeface="+mj-ea"/>
+                <a:cs typeface="+mj-cs"/>
+              </a:rPr>
+              <a:t>Moderate positive correlation between Covid—19 Cases and Unemployment rate </a:t>
+            </a:r>
+            <a:r>
+              <a:rPr lang="en-US" sz="1400" u="sng" dirty="0">
+                <a:solidFill>
+                  <a:srgbClr val="FFFFFF"/>
+                </a:solidFill>
+                <a:latin typeface="+mj-lt"/>
+                <a:ea typeface="+mj-ea"/>
+                <a:cs typeface="+mj-cs"/>
+              </a:rPr>
+              <a:t>(Correlation coefficient of 0.42)</a:t>
+            </a:r>
+          </a:p>
+          <a:p>
+            <a:pPr>
+              <a:spcBef>
+                <a:spcPts val="1000"/>
+              </a:spcBef>
+              <a:buClr>
+                <a:schemeClr val="bg2">
+                  <a:lumMod val="40000"/>
+                  <a:lumOff val="60000"/>
+                </a:schemeClr>
+              </a:buClr>
+              <a:buSzPct val="80000"/>
+            </a:pPr>
+            <a:endParaRPr lang="en-US" sz="1400" u="sng" dirty="0">
+              <a:solidFill>
+                <a:srgbClr val="FFFFFF"/>
+              </a:solidFill>
+              <a:latin typeface="+mj-lt"/>
+              <a:ea typeface="+mj-ea"/>
+              <a:cs typeface="+mj-cs"/>
+            </a:endParaRPr>
+          </a:p>
+          <a:p>
+            <a:pPr>
+              <a:spcBef>
+                <a:spcPts val="1000"/>
+              </a:spcBef>
+              <a:buClr>
+                <a:schemeClr val="bg2">
+                  <a:lumMod val="40000"/>
+                  <a:lumOff val="60000"/>
+                </a:schemeClr>
+              </a:buClr>
+              <a:buSzPct val="80000"/>
+            </a:pPr>
+            <a:r>
+              <a:rPr lang="en-US" sz="1400" u="sng" dirty="0">
+                <a:solidFill>
+                  <a:srgbClr val="FFFFFF"/>
+                </a:solidFill>
+                <a:latin typeface="+mj-lt"/>
+                <a:ea typeface="+mj-ea"/>
+                <a:cs typeface="+mj-cs"/>
+              </a:rPr>
+              <a:t>Summary:</a:t>
+            </a:r>
+          </a:p>
+          <a:p>
+            <a:pPr marL="285750" indent="-285750">
+              <a:spcBef>
+                <a:spcPts val="1000"/>
+              </a:spcBef>
+              <a:buClr>
+                <a:schemeClr val="bg2">
+                  <a:lumMod val="40000"/>
+                  <a:lumOff val="60000"/>
+                </a:schemeClr>
+              </a:buClr>
+              <a:buSzPct val="80000"/>
+              <a:buFont typeface="Arial" panose="020B0604020202020204" pitchFamily="34" charset="0"/>
+              <a:buChar char="•"/>
+            </a:pPr>
+            <a:r>
+              <a:rPr lang="en-US" sz="1400" dirty="0">
+                <a:solidFill>
+                  <a:srgbClr val="FFFFFF"/>
+                </a:solidFill>
+                <a:latin typeface="+mj-lt"/>
+                <a:ea typeface="+mj-ea"/>
+                <a:cs typeface="+mj-cs"/>
+              </a:rPr>
+              <a:t>53% increase in Unemployment rate in the month of highest reported Covid-19 cases </a:t>
+            </a:r>
+            <a:r>
+              <a:rPr lang="en-US" sz="1400" dirty="0">
+                <a:solidFill>
+                  <a:srgbClr val="FFFFFF"/>
+                </a:solidFill>
+              </a:rPr>
+              <a:t>(July 2020)</a:t>
+            </a:r>
+            <a:endParaRPr lang="en-US" sz="1400" dirty="0">
+              <a:solidFill>
+                <a:srgbClr val="FFFFFF"/>
+              </a:solidFill>
+              <a:latin typeface="+mj-lt"/>
+              <a:ea typeface="+mj-ea"/>
+              <a:cs typeface="+mj-cs"/>
+            </a:endParaRPr>
+          </a:p>
+          <a:p>
+            <a:pPr marL="285750" indent="-285750">
+              <a:spcBef>
+                <a:spcPts val="1000"/>
+              </a:spcBef>
+              <a:buClr>
+                <a:schemeClr val="bg2">
+                  <a:lumMod val="40000"/>
+                  <a:lumOff val="60000"/>
+                </a:schemeClr>
+              </a:buClr>
+              <a:buSzPct val="80000"/>
+              <a:buFont typeface="Arial" panose="020B0604020202020204" pitchFamily="34" charset="0"/>
+              <a:buChar char="•"/>
+            </a:pPr>
+            <a:r>
+              <a:rPr lang="en-US" sz="1400" dirty="0">
+                <a:solidFill>
+                  <a:srgbClr val="FFFFFF"/>
+                </a:solidFill>
+                <a:latin typeface="+mj-lt"/>
+                <a:ea typeface="+mj-ea"/>
+                <a:cs typeface="+mj-cs"/>
+              </a:rPr>
+              <a:t>40% increase in Youth unemployment rate in the month of the highest reported Covid-19 cases (July 2020)</a:t>
+            </a:r>
+          </a:p>
+          <a:p>
+            <a:pPr>
+              <a:spcBef>
+                <a:spcPts val="1000"/>
+              </a:spcBef>
+              <a:buClr>
+                <a:schemeClr val="bg2">
+                  <a:lumMod val="40000"/>
+                  <a:lumOff val="60000"/>
+                </a:schemeClr>
+              </a:buClr>
+              <a:buSzPct val="80000"/>
+            </a:pPr>
+            <a:endParaRPr lang="en-US" sz="1400" dirty="0">
+              <a:solidFill>
+                <a:srgbClr val="FFFFFF"/>
+              </a:solidFill>
+              <a:latin typeface="+mj-lt"/>
+              <a:ea typeface="+mj-ea"/>
+              <a:cs typeface="+mj-cs"/>
+            </a:endParaRPr>
+          </a:p>
+        </p:txBody>
+      </p:sp>
+      <p:pic>
+        <p:nvPicPr>
+          <p:cNvPr id="12" name="Picture 11" descr="Chart, scatter chart&#10;&#10;Description automatically generated">
+            <a:extLst>
+              <a:ext uri="{FF2B5EF4-FFF2-40B4-BE49-F238E27FC236}">
+                <a16:creationId xmlns:a16="http://schemas.microsoft.com/office/drawing/2014/main" id="{968063CA-8ED1-2148-B697-22D2C27866D7}"/>
+              </a:ext>
+            </a:extLst>
+          </p:cNvPr>
+          <p:cNvPicPr>
+            <a:picLocks noChangeAspect="1"/>
+          </p:cNvPicPr>
+          <p:nvPr/>
+        </p:nvPicPr>
+        <p:blipFill>
+          <a:blip r:embed="rId2"/>
+          <a:stretch>
+            <a:fillRect/>
+          </a:stretch>
+        </p:blipFill>
+        <p:spPr>
+          <a:xfrm>
+            <a:off x="5048451" y="1568517"/>
+            <a:ext cx="6495847" cy="4330565"/>
+          </a:xfrm>
+          <a:prstGeom prst="rect">
+            <a:avLst/>
+          </a:prstGeom>
+          <a:solidFill>
+            <a:srgbClr val="FFFFFF">
+              <a:shade val="85000"/>
+            </a:srgbClr>
+          </a:solidFill>
+          <a:effectLst/>
+          <a:scene3d>
+            <a:camera prst="orthographicFront"/>
+            <a:lightRig rig="twoPt" dir="t">
+              <a:rot lat="0" lon="0" rev="7200000"/>
+            </a:lightRig>
+          </a:scene3d>
+          <a:sp3d>
+            <a:bevelT w="25400" h="19050"/>
+            <a:contourClr>
+              <a:srgbClr val="FFFFFF"/>
+            </a:contourClr>
+          </a:sp3d>
+        </p:spPr>
+      </p:pic>
+    </p:spTree>
+    <p:extLst>
+      <p:ext uri="{BB962C8B-B14F-4D97-AF65-F5344CB8AC3E}">
+        <p14:creationId xmlns:p14="http://schemas.microsoft.com/office/powerpoint/2010/main" val="900762389"/>
+      </p:ext>
+    </p:extLst>
+  </p:cSld>
+  <p:clrMapOvr>
+    <a:masterClrMapping/>
+  </p:clrMapOvr>
+</p:sld>
+</file>
+
+<file path=ppt/slides/slide11.xml><?xml version="1.0" encoding="utf-8"?>
+<p:sld xmlns:a="http://schemas.openxmlformats.org/drawingml/2006/main" xmlns:r="http://schemas.openxmlformats.org/officeDocument/2006/relationships" xmlns:p="http://schemas.openxmlformats.org/presentationml/2006/main">
+  <p:cSld>
+    <p:spTree>
+      <p:nvGrpSpPr>
+        <p:cNvPr id="1" name=""/>
+        <p:cNvGrpSpPr/>
+        <p:nvPr/>
+      </p:nvGrpSpPr>
+      <p:grpSpPr>
+        <a:xfrm>
+          <a:off x="0" y="0"/>
+          <a:ext cx="0" cy="0"/>
+          <a:chOff x="0" y="0"/>
+          <a:chExt cx="0" cy="0"/>
+        </a:xfrm>
+      </p:grpSpPr>
+      <p:sp>
+        <p:nvSpPr>
+          <p:cNvPr id="2" name="Title 1">
+            <a:extLst>
+              <a:ext uri="{FF2B5EF4-FFF2-40B4-BE49-F238E27FC236}">
+                <a16:creationId xmlns:a16="http://schemas.microsoft.com/office/drawing/2014/main" id="{FFC7AA74-143E-214E-9F1D-E9F327707C6A}"/>
+              </a:ext>
+            </a:extLst>
+          </p:cNvPr>
+          <p:cNvSpPr>
+            <a:spLocks noGrp="1"/>
+          </p:cNvSpPr>
+          <p:nvPr>
+            <p:ph type="title"/>
+          </p:nvPr>
+        </p:nvSpPr>
+        <p:spPr>
+          <a:xfrm>
+            <a:off x="648930" y="629267"/>
+            <a:ext cx="9252154" cy="1016654"/>
+          </a:xfrm>
+        </p:spPr>
+        <p:txBody>
+          <a:bodyPr vert="horz" lIns="91440" tIns="45720" rIns="91440" bIns="45720" rtlCol="0" anchor="ctr">
+            <a:normAutofit fontScale="90000"/>
+          </a:bodyPr>
+          <a:lstStyle/>
+          <a:p>
+            <a:r>
+              <a:rPr lang="en-AU" sz="3200" b="1" i="1" dirty="0">
+                <a:ln>
+                  <a:solidFill>
+                    <a:schemeClr val="accent1"/>
+                  </a:solidFill>
+                </a:ln>
+                <a:solidFill>
+                  <a:schemeClr val="bg2"/>
+                </a:solidFill>
+              </a:rPr>
+              <a:t>Impacts of COVID-19 on Australian </a:t>
+            </a:r>
+            <a:br>
+              <a:rPr lang="en-AU" sz="3200" b="1" i="1" dirty="0">
+                <a:ln>
+                  <a:solidFill>
+                    <a:schemeClr val="accent1"/>
+                  </a:solidFill>
+                </a:ln>
+                <a:solidFill>
+                  <a:schemeClr val="bg2"/>
+                </a:solidFill>
+              </a:rPr>
+            </a:br>
+            <a:r>
+              <a:rPr lang="en-AU" sz="3200" b="1" i="1" dirty="0">
+                <a:ln>
+                  <a:solidFill>
+                    <a:schemeClr val="accent1"/>
+                  </a:solidFill>
+                </a:ln>
+                <a:solidFill>
+                  <a:schemeClr val="bg2"/>
+                </a:solidFill>
+              </a:rPr>
+              <a:t>- </a:t>
+            </a:r>
+            <a:r>
+              <a:rPr lang="en-AU" sz="3200" b="1" i="1" dirty="0">
+                <a:ln>
+                  <a:solidFill>
+                    <a:schemeClr val="accent1"/>
+                  </a:solidFill>
+                </a:ln>
+                <a:solidFill>
+                  <a:srgbClr val="FF0000"/>
+                </a:solidFill>
+              </a:rPr>
+              <a:t>Health and People</a:t>
+            </a:r>
+            <a:endParaRPr lang="en-US" sz="3200" b="1" i="1" dirty="0">
+              <a:ln>
+                <a:solidFill>
+                  <a:schemeClr val="accent1"/>
+                </a:solidFill>
+              </a:ln>
+              <a:solidFill>
+                <a:srgbClr val="FF0000"/>
+              </a:solidFill>
+            </a:endParaRPr>
+          </a:p>
+        </p:txBody>
+      </p:sp>
+      <p:sp>
+        <p:nvSpPr>
+          <p:cNvPr id="24" name="Content Placeholder 8">
+            <a:extLst>
+              <a:ext uri="{FF2B5EF4-FFF2-40B4-BE49-F238E27FC236}">
+                <a16:creationId xmlns:a16="http://schemas.microsoft.com/office/drawing/2014/main" id="{E30FBBD1-046A-456D-AF68-5ACD7EE31A51}"/>
+              </a:ext>
+            </a:extLst>
+          </p:cNvPr>
+          <p:cNvSpPr>
+            <a:spLocks noGrp="1"/>
+          </p:cNvSpPr>
+          <p:nvPr>
+            <p:ph idx="1"/>
+          </p:nvPr>
+        </p:nvSpPr>
+        <p:spPr>
+          <a:xfrm>
+            <a:off x="372885" y="1699926"/>
+            <a:ext cx="5123080" cy="4361072"/>
+          </a:xfrm>
+        </p:spPr>
+        <p:txBody>
+          <a:bodyPr>
+            <a:normAutofit/>
+          </a:bodyPr>
+          <a:lstStyle/>
+          <a:p>
+            <a:pPr marL="457200">
+              <a:lnSpc>
+                <a:spcPct val="90000"/>
+              </a:lnSpc>
+              <a:buClr>
+                <a:schemeClr val="tx1"/>
+              </a:buClr>
+              <a:buFont typeface="Wingdings" pitchFamily="2" charset="2"/>
+              <a:buChar char="Ø"/>
+            </a:pPr>
+            <a:endParaRPr lang="en-US" sz="1600" dirty="0"/>
+          </a:p>
+          <a:p>
+            <a:pPr marL="457200">
+              <a:lnSpc>
+                <a:spcPct val="90000"/>
+              </a:lnSpc>
+              <a:buClr>
+                <a:schemeClr val="tx1"/>
+              </a:buClr>
+              <a:buFont typeface="Wingdings" pitchFamily="2" charset="2"/>
+              <a:buChar char="Ø"/>
+            </a:pPr>
+            <a:r>
+              <a:rPr lang="en-US" sz="1600" dirty="0"/>
+              <a:t>There were a number of interesting observations when comparing deaths by week in 2020-21 with a baseline of 2015-2019 average figures. This showed that during the peak of infections in March/April 2020 and increasing death rates in 2021.</a:t>
+            </a:r>
+          </a:p>
+        </p:txBody>
+      </p:sp>
+      <p:pic>
+        <p:nvPicPr>
+          <p:cNvPr id="9" name="Picture 7">
+            <a:extLst>
+              <a:ext uri="{FF2B5EF4-FFF2-40B4-BE49-F238E27FC236}">
+                <a16:creationId xmlns:a16="http://schemas.microsoft.com/office/drawing/2014/main" id="{58957CAC-7AE2-4495-9299-165549A954DA}"/>
+              </a:ext>
+            </a:extLst>
+          </p:cNvPr>
+          <p:cNvPicPr>
+            <a:picLocks noChangeAspect="1" noChangeArrowheads="1"/>
+          </p:cNvPicPr>
+          <p:nvPr/>
+        </p:nvPicPr>
+        <p:blipFill>
+          <a:blip r:embed="rId2">
+            <a:extLst>
+              <a:ext uri="{28A0092B-C50C-407E-A947-70E740481C1C}">
+                <a14:useLocalDpi xmlns:a14="http://schemas.microsoft.com/office/drawing/2010/main" val="0"/>
+              </a:ext>
+            </a:extLst>
+          </a:blip>
+          <a:srcRect/>
+          <a:stretch>
+            <a:fillRect/>
+          </a:stretch>
+        </p:blipFill>
+        <p:spPr bwMode="auto">
+          <a:xfrm>
+            <a:off x="5725038" y="2402308"/>
+            <a:ext cx="5619486" cy="4179974"/>
+          </a:xfrm>
+          <a:prstGeom prst="rect">
+            <a:avLst/>
+          </a:prstGeom>
+          <a:noFill/>
+          <a:extLst>
+            <a:ext uri="{909E8E84-426E-40DD-AFC4-6F175D3DCCD1}">
+              <a14:hiddenFill xmlns:a14="http://schemas.microsoft.com/office/drawing/2010/main">
+                <a:solidFill>
+                  <a:srgbClr val="FFFFFF"/>
+                </a:solidFill>
+              </a14:hiddenFill>
+            </a:ext>
+          </a:extLst>
+        </p:spPr>
+      </p:pic>
+      <p:pic>
+        <p:nvPicPr>
+          <p:cNvPr id="10" name="Picture 9">
+            <a:extLst>
+              <a:ext uri="{FF2B5EF4-FFF2-40B4-BE49-F238E27FC236}">
+                <a16:creationId xmlns:a16="http://schemas.microsoft.com/office/drawing/2014/main" id="{D7DCA689-B1CE-4362-90BA-B4928429A5C4}"/>
+              </a:ext>
+            </a:extLst>
+          </p:cNvPr>
+          <p:cNvPicPr>
+            <a:picLocks noChangeAspect="1" noChangeArrowheads="1"/>
+          </p:cNvPicPr>
+          <p:nvPr/>
+        </p:nvPicPr>
+        <p:blipFill>
+          <a:blip r:embed="rId3">
+            <a:extLst>
+              <a:ext uri="{28A0092B-C50C-407E-A947-70E740481C1C}">
+                <a14:useLocalDpi xmlns:a14="http://schemas.microsoft.com/office/drawing/2010/main" val="0"/>
+              </a:ext>
+            </a:extLst>
+          </a:blip>
+          <a:srcRect/>
+          <a:stretch>
+            <a:fillRect/>
+          </a:stretch>
+        </p:blipFill>
+        <p:spPr bwMode="auto">
+          <a:xfrm>
+            <a:off x="1246339" y="3707783"/>
+            <a:ext cx="3780494" cy="2655051"/>
+          </a:xfrm>
+          <a:prstGeom prst="rect">
+            <a:avLst/>
+          </a:prstGeom>
+          <a:noFill/>
+          <a:extLst>
+            <a:ext uri="{909E8E84-426E-40DD-AFC4-6F175D3DCCD1}">
+              <a14:hiddenFill xmlns:a14="http://schemas.microsoft.com/office/drawing/2010/main">
+                <a:solidFill>
+                  <a:srgbClr val="FFFFFF"/>
+                </a:solidFill>
+              </a14:hiddenFill>
+            </a:ext>
+          </a:extLst>
+        </p:spPr>
+      </p:pic>
+    </p:spTree>
+    <p:extLst>
+      <p:ext uri="{BB962C8B-B14F-4D97-AF65-F5344CB8AC3E}">
+        <p14:creationId xmlns:p14="http://schemas.microsoft.com/office/powerpoint/2010/main" val="621119989"/>
+      </p:ext>
+    </p:extLst>
+  </p:cSld>
+  <p:clrMapOvr>
+    <a:masterClrMapping/>
+  </p:clrMapOvr>
+</p:sld>
+</file>
+
+<file path=ppt/slides/slide12.xml><?xml version="1.0" encoding="utf-8"?>
+<p:sld xmlns:a="http://schemas.openxmlformats.org/drawingml/2006/main" xmlns:r="http://schemas.openxmlformats.org/officeDocument/2006/relationships" xmlns:p="http://schemas.openxmlformats.org/presentationml/2006/main">
+  <p:cSld>
+    <p:spTree>
+      <p:nvGrpSpPr>
+        <p:cNvPr id="1" name=""/>
+        <p:cNvGrpSpPr/>
+        <p:nvPr/>
+      </p:nvGrpSpPr>
+      <p:grpSpPr>
+        <a:xfrm>
+          <a:off x="0" y="0"/>
+          <a:ext cx="0" cy="0"/>
+          <a:chOff x="0" y="0"/>
+          <a:chExt cx="0" cy="0"/>
+        </a:xfrm>
+      </p:grpSpPr>
+      <p:sp>
+        <p:nvSpPr>
+          <p:cNvPr id="2" name="Title 1">
+            <a:extLst>
+              <a:ext uri="{FF2B5EF4-FFF2-40B4-BE49-F238E27FC236}">
+                <a16:creationId xmlns:a16="http://schemas.microsoft.com/office/drawing/2014/main" id="{FFC7AA74-143E-214E-9F1D-E9F327707C6A}"/>
+              </a:ext>
+            </a:extLst>
+          </p:cNvPr>
+          <p:cNvSpPr>
+            <a:spLocks noGrp="1"/>
+          </p:cNvSpPr>
+          <p:nvPr>
+            <p:ph type="title"/>
+          </p:nvPr>
+        </p:nvSpPr>
+        <p:spPr>
+          <a:xfrm>
+            <a:off x="648930" y="629267"/>
+            <a:ext cx="9252154" cy="1016654"/>
+          </a:xfrm>
+        </p:spPr>
+        <p:txBody>
+          <a:bodyPr vert="horz" lIns="91440" tIns="45720" rIns="91440" bIns="45720" rtlCol="0" anchor="ctr">
+            <a:normAutofit fontScale="90000"/>
+          </a:bodyPr>
+          <a:lstStyle/>
+          <a:p>
+            <a:r>
+              <a:rPr lang="en-AU" sz="3200" b="1" i="1" dirty="0">
+                <a:ln>
+                  <a:solidFill>
+                    <a:schemeClr val="accent1"/>
+                  </a:solidFill>
+                </a:ln>
+                <a:solidFill>
+                  <a:schemeClr val="bg2"/>
+                </a:solidFill>
+              </a:rPr>
+              <a:t>Impacts of COVID-19 on Australian </a:t>
+            </a:r>
+            <a:br>
+              <a:rPr lang="en-AU" sz="3200" b="1" i="1" dirty="0">
+                <a:ln>
+                  <a:solidFill>
+                    <a:schemeClr val="accent1"/>
+                  </a:solidFill>
+                </a:ln>
+                <a:solidFill>
+                  <a:schemeClr val="bg2"/>
+                </a:solidFill>
+              </a:rPr>
+            </a:br>
+            <a:r>
+              <a:rPr lang="en-AU" sz="3200" b="1" i="1" dirty="0">
+                <a:ln>
+                  <a:solidFill>
+                    <a:schemeClr val="accent1"/>
+                  </a:solidFill>
+                </a:ln>
+                <a:solidFill>
+                  <a:schemeClr val="bg2"/>
+                </a:solidFill>
+              </a:rPr>
+              <a:t>- </a:t>
+            </a:r>
+            <a:r>
+              <a:rPr lang="en-AU" sz="3200" b="1" i="1" dirty="0">
+                <a:ln>
+                  <a:solidFill>
+                    <a:schemeClr val="accent1"/>
+                  </a:solidFill>
+                </a:ln>
+                <a:solidFill>
+                  <a:srgbClr val="FF0000"/>
+                </a:solidFill>
+              </a:rPr>
+              <a:t>Health and People</a:t>
+            </a:r>
+            <a:endParaRPr lang="en-US" sz="3200" b="1" i="1" dirty="0">
+              <a:ln>
+                <a:solidFill>
+                  <a:schemeClr val="accent1"/>
+                </a:solidFill>
+              </a:ln>
+              <a:solidFill>
+                <a:srgbClr val="FF0000"/>
+              </a:solidFill>
+            </a:endParaRPr>
+          </a:p>
+        </p:txBody>
+      </p:sp>
+      <p:sp>
+        <p:nvSpPr>
+          <p:cNvPr id="24" name="Content Placeholder 8">
+            <a:extLst>
+              <a:ext uri="{FF2B5EF4-FFF2-40B4-BE49-F238E27FC236}">
+                <a16:creationId xmlns:a16="http://schemas.microsoft.com/office/drawing/2014/main" id="{E30FBBD1-046A-456D-AF68-5ACD7EE31A51}"/>
+              </a:ext>
+            </a:extLst>
+          </p:cNvPr>
+          <p:cNvSpPr>
+            <a:spLocks noGrp="1"/>
+          </p:cNvSpPr>
+          <p:nvPr>
+            <p:ph idx="1"/>
+          </p:nvPr>
+        </p:nvSpPr>
+        <p:spPr>
+          <a:xfrm>
+            <a:off x="454304" y="2227699"/>
+            <a:ext cx="4092644" cy="3756465"/>
+          </a:xfrm>
+        </p:spPr>
+        <p:txBody>
+          <a:bodyPr>
+            <a:normAutofit/>
+          </a:bodyPr>
+          <a:lstStyle/>
+          <a:p>
+            <a:pPr marL="457200">
+              <a:lnSpc>
+                <a:spcPct val="90000"/>
+              </a:lnSpc>
+              <a:buClr>
+                <a:schemeClr val="tx1"/>
+              </a:buClr>
+              <a:buFont typeface="Wingdings" pitchFamily="2" charset="2"/>
+              <a:buChar char="Ø"/>
+            </a:pPr>
+            <a:r>
+              <a:rPr lang="en-US" sz="1600" dirty="0"/>
+              <a:t>There were a higher deaths, respiratory related deaths i.e. Pneumonia, Dementia/</a:t>
+            </a:r>
+            <a:r>
+              <a:rPr lang="en-US" sz="1600" dirty="0" err="1"/>
+              <a:t>Alsheimers</a:t>
+            </a:r>
+            <a:r>
+              <a:rPr lang="en-US" sz="1600" dirty="0"/>
+              <a:t>, Diabetes than the 2015-2019 average, but there was a higher than average number of deaths in 2021.</a:t>
+            </a:r>
+          </a:p>
+          <a:p>
+            <a:pPr marL="457200">
+              <a:lnSpc>
+                <a:spcPct val="90000"/>
+              </a:lnSpc>
+              <a:buClr>
+                <a:schemeClr val="tx1"/>
+              </a:buClr>
+              <a:buFont typeface="Wingdings" pitchFamily="2" charset="2"/>
+              <a:buChar char="Ø"/>
+            </a:pPr>
+            <a:r>
+              <a:rPr lang="en-US" sz="1600" dirty="0"/>
+              <a:t>Suicide numbers were at a higher level in NSW than in Victoria. More time, we would investigate this further.</a:t>
+            </a:r>
+            <a:br>
+              <a:rPr lang="en-US" sz="1600" dirty="0"/>
+            </a:br>
+            <a:br>
+              <a:rPr lang="en-US" sz="1600" dirty="0"/>
+            </a:br>
+            <a:endParaRPr lang="en-AU" sz="1600" b="1" dirty="0"/>
+          </a:p>
+        </p:txBody>
+      </p:sp>
+      <p:pic>
+        <p:nvPicPr>
+          <p:cNvPr id="10" name="Picture 4">
+            <a:extLst>
+              <a:ext uri="{FF2B5EF4-FFF2-40B4-BE49-F238E27FC236}">
+                <a16:creationId xmlns:a16="http://schemas.microsoft.com/office/drawing/2014/main" id="{BEA6725A-ADC5-467B-89B0-9C78A1147BB2}"/>
+              </a:ext>
+            </a:extLst>
+          </p:cNvPr>
+          <p:cNvPicPr>
+            <a:picLocks noChangeAspect="1" noChangeArrowheads="1"/>
+          </p:cNvPicPr>
+          <p:nvPr/>
+        </p:nvPicPr>
+        <p:blipFill>
+          <a:blip r:embed="rId2">
+            <a:extLst>
+              <a:ext uri="{28A0092B-C50C-407E-A947-70E740481C1C}">
+                <a14:useLocalDpi xmlns:a14="http://schemas.microsoft.com/office/drawing/2010/main" val="0"/>
+              </a:ext>
+            </a:extLst>
+          </a:blip>
+          <a:srcRect/>
+          <a:stretch>
+            <a:fillRect/>
+          </a:stretch>
+        </p:blipFill>
+        <p:spPr bwMode="auto">
+          <a:xfrm>
+            <a:off x="4890246" y="2603392"/>
+            <a:ext cx="6238002" cy="3957260"/>
+          </a:xfrm>
+          <a:prstGeom prst="rect">
+            <a:avLst/>
+          </a:prstGeom>
+          <a:noFill/>
+          <a:extLst>
+            <a:ext uri="{909E8E84-426E-40DD-AFC4-6F175D3DCCD1}">
+              <a14:hiddenFill xmlns:a14="http://schemas.microsoft.com/office/drawing/2010/main">
+                <a:solidFill>
+                  <a:srgbClr val="FFFFFF"/>
+                </a:solidFill>
+              </a14:hiddenFill>
+            </a:ext>
+          </a:extLst>
+        </p:spPr>
+      </p:pic>
+    </p:spTree>
+    <p:extLst>
+      <p:ext uri="{BB962C8B-B14F-4D97-AF65-F5344CB8AC3E}">
+        <p14:creationId xmlns:p14="http://schemas.microsoft.com/office/powerpoint/2010/main" val="3886943982"/>
+      </p:ext>
+    </p:extLst>
+  </p:cSld>
+  <p:clrMapOvr>
+    <a:masterClrMapping/>
+  </p:clrMapOvr>
+</p:sld>
+</file>
+
+<file path=ppt/slides/slide13.xml><?xml version="1.0" encoding="utf-8"?>
+<p:sld xmlns:a="http://schemas.openxmlformats.org/drawingml/2006/main" xmlns:r="http://schemas.openxmlformats.org/officeDocument/2006/relationships" xmlns:p="http://schemas.openxmlformats.org/presentationml/2006/main">
+  <p:cSld>
+    <p:spTree>
+      <p:nvGrpSpPr>
+        <p:cNvPr id="1" name=""/>
+        <p:cNvGrpSpPr/>
+        <p:nvPr/>
+      </p:nvGrpSpPr>
+      <p:grpSpPr>
+        <a:xfrm>
+          <a:off x="0" y="0"/>
+          <a:ext cx="0" cy="0"/>
+          <a:chOff x="0" y="0"/>
+          <a:chExt cx="0" cy="0"/>
+        </a:xfrm>
+      </p:grpSpPr>
+      <p:sp>
+        <p:nvSpPr>
+          <p:cNvPr id="2" name="Title 1">
+            <a:extLst>
+              <a:ext uri="{FF2B5EF4-FFF2-40B4-BE49-F238E27FC236}">
+                <a16:creationId xmlns:a16="http://schemas.microsoft.com/office/drawing/2014/main" id="{FFC7AA74-143E-214E-9F1D-E9F327707C6A}"/>
+              </a:ext>
+            </a:extLst>
+          </p:cNvPr>
+          <p:cNvSpPr>
+            <a:spLocks noGrp="1"/>
+          </p:cNvSpPr>
+          <p:nvPr>
+            <p:ph type="title"/>
+          </p:nvPr>
+        </p:nvSpPr>
+        <p:spPr>
+          <a:xfrm>
+            <a:off x="648930" y="629267"/>
+            <a:ext cx="9252154" cy="1016654"/>
+          </a:xfrm>
+        </p:spPr>
+        <p:txBody>
+          <a:bodyPr vert="horz" lIns="91440" tIns="45720" rIns="91440" bIns="45720" rtlCol="0" anchor="ctr">
+            <a:normAutofit fontScale="90000"/>
+          </a:bodyPr>
+          <a:lstStyle/>
+          <a:p>
+            <a:r>
+              <a:rPr lang="en-AU" sz="3200" b="1" i="1" dirty="0">
+                <a:ln>
+                  <a:solidFill>
+                    <a:schemeClr val="accent1"/>
+                  </a:solidFill>
+                </a:ln>
+                <a:solidFill>
+                  <a:schemeClr val="bg2"/>
+                </a:solidFill>
+              </a:rPr>
+              <a:t>Impacts of COVID-19 on Australian </a:t>
+            </a:r>
+            <a:br>
+              <a:rPr lang="en-AU" sz="3200" b="1" i="1" dirty="0">
+                <a:ln>
+                  <a:solidFill>
+                    <a:schemeClr val="accent1"/>
+                  </a:solidFill>
+                </a:ln>
+                <a:solidFill>
+                  <a:schemeClr val="bg2"/>
+                </a:solidFill>
+              </a:rPr>
+            </a:br>
+            <a:r>
+              <a:rPr lang="en-AU" sz="3200" b="1" i="1" dirty="0">
+                <a:ln>
+                  <a:solidFill>
+                    <a:schemeClr val="accent1"/>
+                  </a:solidFill>
+                </a:ln>
+                <a:solidFill>
+                  <a:schemeClr val="bg2"/>
+                </a:solidFill>
+              </a:rPr>
+              <a:t>- </a:t>
+            </a:r>
+            <a:r>
+              <a:rPr lang="en-AU" sz="3200" b="1" i="1" dirty="0">
+                <a:ln>
+                  <a:solidFill>
+                    <a:schemeClr val="accent1"/>
+                  </a:solidFill>
+                </a:ln>
+                <a:solidFill>
+                  <a:srgbClr val="FF0000"/>
+                </a:solidFill>
+              </a:rPr>
+              <a:t>Health and People</a:t>
+            </a:r>
+            <a:endParaRPr lang="en-US" sz="3200" b="1" i="1" dirty="0">
+              <a:ln>
+                <a:solidFill>
+                  <a:schemeClr val="accent1"/>
+                </a:solidFill>
+              </a:ln>
+              <a:solidFill>
+                <a:srgbClr val="FF0000"/>
+              </a:solidFill>
+            </a:endParaRPr>
+          </a:p>
+        </p:txBody>
+      </p:sp>
+      <p:sp>
+        <p:nvSpPr>
+          <p:cNvPr id="24" name="Content Placeholder 8">
+            <a:extLst>
+              <a:ext uri="{FF2B5EF4-FFF2-40B4-BE49-F238E27FC236}">
+                <a16:creationId xmlns:a16="http://schemas.microsoft.com/office/drawing/2014/main" id="{E30FBBD1-046A-456D-AF68-5ACD7EE31A51}"/>
+              </a:ext>
+            </a:extLst>
+          </p:cNvPr>
+          <p:cNvSpPr>
+            <a:spLocks noGrp="1"/>
+          </p:cNvSpPr>
+          <p:nvPr>
+            <p:ph idx="1"/>
+          </p:nvPr>
+        </p:nvSpPr>
+        <p:spPr>
+          <a:xfrm>
+            <a:off x="372885" y="2402309"/>
+            <a:ext cx="4846815" cy="467891"/>
+          </a:xfrm>
+        </p:spPr>
+        <p:txBody>
+          <a:bodyPr>
+            <a:normAutofit/>
+          </a:bodyPr>
+          <a:lstStyle/>
+          <a:p>
+            <a:pPr marL="457200">
+              <a:lnSpc>
+                <a:spcPct val="90000"/>
+              </a:lnSpc>
+              <a:buClr>
+                <a:schemeClr val="tx1"/>
+              </a:buClr>
+              <a:buFont typeface="Wingdings" pitchFamily="2" charset="2"/>
+              <a:buChar char="Ø"/>
+            </a:pPr>
+            <a:r>
+              <a:rPr lang="en-US" sz="1600" b="1" dirty="0"/>
+              <a:t>Dementia-</a:t>
+            </a:r>
+            <a:r>
+              <a:rPr lang="en-US" sz="1600" b="1" dirty="0" err="1"/>
+              <a:t>Alzheimers</a:t>
+            </a:r>
+            <a:r>
+              <a:rPr lang="en-US" sz="1600" b="1" dirty="0"/>
+              <a:t>  &amp; Diabetes Impacts</a:t>
+            </a:r>
+            <a:endParaRPr lang="en-AU" sz="1600" b="1" dirty="0"/>
+          </a:p>
+        </p:txBody>
+      </p:sp>
+      <p:pic>
+        <p:nvPicPr>
+          <p:cNvPr id="10" name="Picture 6">
+            <a:extLst>
+              <a:ext uri="{FF2B5EF4-FFF2-40B4-BE49-F238E27FC236}">
+                <a16:creationId xmlns:a16="http://schemas.microsoft.com/office/drawing/2014/main" id="{F33A84E3-5B19-49A4-B5E2-A95819F391B2}"/>
+              </a:ext>
+            </a:extLst>
+          </p:cNvPr>
+          <p:cNvPicPr>
+            <a:picLocks noChangeAspect="1" noChangeArrowheads="1"/>
+          </p:cNvPicPr>
+          <p:nvPr/>
+        </p:nvPicPr>
+        <p:blipFill>
+          <a:blip r:embed="rId2">
+            <a:extLst>
+              <a:ext uri="{28A0092B-C50C-407E-A947-70E740481C1C}">
+                <a14:useLocalDpi xmlns:a14="http://schemas.microsoft.com/office/drawing/2010/main" val="0"/>
+              </a:ext>
+            </a:extLst>
+          </a:blip>
+          <a:srcRect/>
+          <a:stretch>
+            <a:fillRect/>
+          </a:stretch>
+        </p:blipFill>
+        <p:spPr bwMode="auto">
+          <a:xfrm>
+            <a:off x="372885" y="3051588"/>
+            <a:ext cx="5586826" cy="3573416"/>
+          </a:xfrm>
+          <a:prstGeom prst="rect">
+            <a:avLst/>
+          </a:prstGeom>
+          <a:noFill/>
+          <a:extLst>
+            <a:ext uri="{909E8E84-426E-40DD-AFC4-6F175D3DCCD1}">
+              <a14:hiddenFill xmlns:a14="http://schemas.microsoft.com/office/drawing/2010/main">
+                <a:solidFill>
+                  <a:srgbClr val="FFFFFF"/>
+                </a:solidFill>
+              </a14:hiddenFill>
+            </a:ext>
+          </a:extLst>
+        </p:spPr>
+      </p:pic>
+      <p:pic>
+        <p:nvPicPr>
+          <p:cNvPr id="11" name="Picture 8">
+            <a:extLst>
+              <a:ext uri="{FF2B5EF4-FFF2-40B4-BE49-F238E27FC236}">
+                <a16:creationId xmlns:a16="http://schemas.microsoft.com/office/drawing/2014/main" id="{8DC20963-7CA6-440B-AD09-AB0D5DCEF572}"/>
+              </a:ext>
+            </a:extLst>
+          </p:cNvPr>
+          <p:cNvPicPr>
+            <a:picLocks noChangeAspect="1" noChangeArrowheads="1"/>
+          </p:cNvPicPr>
+          <p:nvPr/>
+        </p:nvPicPr>
+        <p:blipFill>
+          <a:blip r:embed="rId3">
+            <a:extLst>
+              <a:ext uri="{28A0092B-C50C-407E-A947-70E740481C1C}">
+                <a14:useLocalDpi xmlns:a14="http://schemas.microsoft.com/office/drawing/2010/main" val="0"/>
+              </a:ext>
+            </a:extLst>
+          </a:blip>
+          <a:srcRect/>
+          <a:stretch>
+            <a:fillRect/>
+          </a:stretch>
+        </p:blipFill>
+        <p:spPr bwMode="auto">
+          <a:xfrm>
+            <a:off x="6007949" y="3066715"/>
+            <a:ext cx="5563175" cy="3558289"/>
+          </a:xfrm>
+          <a:prstGeom prst="rect">
+            <a:avLst/>
+          </a:prstGeom>
+          <a:noFill/>
+          <a:extLst>
+            <a:ext uri="{909E8E84-426E-40DD-AFC4-6F175D3DCCD1}">
+              <a14:hiddenFill xmlns:a14="http://schemas.microsoft.com/office/drawing/2010/main">
+                <a:solidFill>
+                  <a:srgbClr val="FFFFFF"/>
+                </a:solidFill>
+              </a14:hiddenFill>
+            </a:ext>
+          </a:extLst>
+        </p:spPr>
+      </p:pic>
+    </p:spTree>
+    <p:extLst>
+      <p:ext uri="{BB962C8B-B14F-4D97-AF65-F5344CB8AC3E}">
+        <p14:creationId xmlns:p14="http://schemas.microsoft.com/office/powerpoint/2010/main" val="2113675243"/>
+      </p:ext>
+    </p:extLst>
+  </p:cSld>
+  <p:clrMapOvr>
+    <a:masterClrMapping/>
+  </p:clrMapOvr>
+</p:sld>
+</file>
+
+<file path=ppt/slides/slide14.xml><?xml version="1.0" encoding="utf-8"?>
+<p:sld xmlns:a="http://schemas.openxmlformats.org/drawingml/2006/main" xmlns:r="http://schemas.openxmlformats.org/officeDocument/2006/relationships" xmlns:p="http://schemas.openxmlformats.org/presentationml/2006/main">
+  <p:cSld>
+    <p:spTree>
+      <p:nvGrpSpPr>
+        <p:cNvPr id="1" name=""/>
+        <p:cNvGrpSpPr/>
+        <p:nvPr/>
+      </p:nvGrpSpPr>
+      <p:grpSpPr>
+        <a:xfrm>
+          <a:off x="0" y="0"/>
+          <a:ext cx="0" cy="0"/>
+          <a:chOff x="0" y="0"/>
+          <a:chExt cx="0" cy="0"/>
+        </a:xfrm>
+      </p:grpSpPr>
+      <p:sp>
+        <p:nvSpPr>
+          <p:cNvPr id="2" name="Title 1">
+            <a:extLst>
+              <a:ext uri="{FF2B5EF4-FFF2-40B4-BE49-F238E27FC236}">
+                <a16:creationId xmlns:a16="http://schemas.microsoft.com/office/drawing/2014/main" id="{FFC7AA74-143E-214E-9F1D-E9F327707C6A}"/>
+              </a:ext>
+            </a:extLst>
+          </p:cNvPr>
+          <p:cNvSpPr>
+            <a:spLocks noGrp="1"/>
+          </p:cNvSpPr>
+          <p:nvPr>
+            <p:ph type="title"/>
+          </p:nvPr>
+        </p:nvSpPr>
+        <p:spPr>
+          <a:xfrm>
+            <a:off x="648930" y="629267"/>
+            <a:ext cx="9252154" cy="1016654"/>
+          </a:xfrm>
+        </p:spPr>
+        <p:txBody>
+          <a:bodyPr vert="horz" lIns="91440" tIns="45720" rIns="91440" bIns="45720" rtlCol="0" anchor="ctr">
+            <a:normAutofit fontScale="90000"/>
+          </a:bodyPr>
+          <a:lstStyle/>
+          <a:p>
+            <a:r>
+              <a:rPr lang="en-AU" sz="3200" b="1" i="1" dirty="0">
+                <a:ln>
+                  <a:solidFill>
+                    <a:schemeClr val="accent1"/>
+                  </a:solidFill>
+                </a:ln>
+                <a:solidFill>
+                  <a:schemeClr val="bg2"/>
+                </a:solidFill>
+              </a:rPr>
+              <a:t>Impacts of COVID-19 on Australian </a:t>
+            </a:r>
+            <a:br>
+              <a:rPr lang="en-AU" sz="3200" b="1" i="1" dirty="0">
+                <a:ln>
+                  <a:solidFill>
+                    <a:schemeClr val="accent1"/>
+                  </a:solidFill>
+                </a:ln>
+                <a:solidFill>
+                  <a:schemeClr val="bg2"/>
+                </a:solidFill>
+              </a:rPr>
+            </a:br>
+            <a:r>
+              <a:rPr lang="en-AU" sz="3200" b="1" i="1" dirty="0">
+                <a:ln>
+                  <a:solidFill>
+                    <a:schemeClr val="accent1"/>
+                  </a:solidFill>
+                </a:ln>
+                <a:solidFill>
+                  <a:schemeClr val="bg2"/>
+                </a:solidFill>
+              </a:rPr>
+              <a:t>- </a:t>
+            </a:r>
+            <a:r>
+              <a:rPr lang="en-AU" sz="3200" b="1" i="1" dirty="0">
+                <a:ln>
+                  <a:solidFill>
+                    <a:schemeClr val="accent1"/>
+                  </a:solidFill>
+                </a:ln>
+                <a:solidFill>
+                  <a:srgbClr val="FF0000"/>
+                </a:solidFill>
+              </a:rPr>
+              <a:t>Health and People</a:t>
+            </a:r>
+            <a:endParaRPr lang="en-US" sz="3200" b="1" i="1" dirty="0">
+              <a:ln>
+                <a:solidFill>
+                  <a:schemeClr val="accent1"/>
+                </a:solidFill>
+              </a:ln>
+              <a:solidFill>
+                <a:srgbClr val="FF0000"/>
+              </a:solidFill>
+            </a:endParaRPr>
+          </a:p>
+        </p:txBody>
+      </p:sp>
+      <p:sp>
+        <p:nvSpPr>
+          <p:cNvPr id="24" name="Content Placeholder 8">
+            <a:extLst>
+              <a:ext uri="{FF2B5EF4-FFF2-40B4-BE49-F238E27FC236}">
+                <a16:creationId xmlns:a16="http://schemas.microsoft.com/office/drawing/2014/main" id="{E30FBBD1-046A-456D-AF68-5ACD7EE31A51}"/>
+              </a:ext>
+            </a:extLst>
+          </p:cNvPr>
+          <p:cNvSpPr>
+            <a:spLocks noGrp="1"/>
+          </p:cNvSpPr>
+          <p:nvPr>
+            <p:ph idx="1"/>
+          </p:nvPr>
+        </p:nvSpPr>
+        <p:spPr>
+          <a:xfrm>
+            <a:off x="372885" y="2402308"/>
+            <a:ext cx="3904753" cy="3973943"/>
+          </a:xfrm>
+        </p:spPr>
+        <p:txBody>
+          <a:bodyPr>
+            <a:normAutofit lnSpcReduction="10000"/>
+          </a:bodyPr>
+          <a:lstStyle/>
+          <a:p>
+            <a:pPr marL="457200">
+              <a:lnSpc>
+                <a:spcPct val="90000"/>
+              </a:lnSpc>
+              <a:buClr>
+                <a:schemeClr val="tx1"/>
+              </a:buClr>
+              <a:buFont typeface="Wingdings" pitchFamily="2" charset="2"/>
+              <a:buChar char="Ø"/>
+            </a:pPr>
+            <a:r>
+              <a:rPr lang="en-US" sz="1600" b="1" dirty="0"/>
+              <a:t>Calls to Crisis helplines </a:t>
+            </a:r>
+            <a:r>
+              <a:rPr lang="en-US" sz="1600" dirty="0"/>
+              <a:t>such as Lifeline, Kids Helpline and Beyond Blue actually dropped in 2020 and 2021 in comparison to 2019.</a:t>
+            </a:r>
+            <a:br>
+              <a:rPr lang="en-US" sz="1600" dirty="0"/>
+            </a:br>
+            <a:r>
+              <a:rPr lang="en-US" sz="1600" dirty="0"/>
+              <a:t>Perhaps less interaction with people in general, due to isolation, contributed to this decline.</a:t>
+            </a:r>
+          </a:p>
+          <a:p>
+            <a:pPr marL="457200">
+              <a:lnSpc>
+                <a:spcPct val="90000"/>
+              </a:lnSpc>
+              <a:buClr>
+                <a:schemeClr val="tx1"/>
+              </a:buClr>
+              <a:buFont typeface="Wingdings" pitchFamily="2" charset="2"/>
+              <a:buChar char="Ø"/>
+            </a:pPr>
+            <a:r>
+              <a:rPr lang="en-US" sz="1600" b="1" dirty="0"/>
+              <a:t>Psychological stress levels as measured by the K10 surveys, </a:t>
+            </a:r>
+            <a:r>
+              <a:rPr lang="en-US" sz="1600" dirty="0"/>
+              <a:t>has dropped slightly in early 2021 and have increased in the later months in the moderate category. As per the above comment, but as the pandemic continues, it looks apparent that we stress levels are increasing.</a:t>
+            </a:r>
+          </a:p>
+          <a:p>
+            <a:endParaRPr lang="en-US" sz="1600" dirty="0"/>
+          </a:p>
+        </p:txBody>
+      </p:sp>
+      <p:pic>
+        <p:nvPicPr>
+          <p:cNvPr id="12" name="Picture 2">
+            <a:extLst>
+              <a:ext uri="{FF2B5EF4-FFF2-40B4-BE49-F238E27FC236}">
+                <a16:creationId xmlns:a16="http://schemas.microsoft.com/office/drawing/2014/main" id="{46ECB47C-0F0F-42BA-A149-D9506ECECD86}"/>
+              </a:ext>
+            </a:extLst>
+          </p:cNvPr>
+          <p:cNvPicPr>
+            <a:picLocks noChangeAspect="1" noChangeArrowheads="1"/>
+          </p:cNvPicPr>
+          <p:nvPr/>
+        </p:nvPicPr>
+        <p:blipFill>
+          <a:blip r:embed="rId2">
+            <a:extLst>
+              <a:ext uri="{28A0092B-C50C-407E-A947-70E740481C1C}">
+                <a14:useLocalDpi xmlns:a14="http://schemas.microsoft.com/office/drawing/2010/main" val="0"/>
+              </a:ext>
+            </a:extLst>
+          </a:blip>
+          <a:srcRect/>
+          <a:stretch>
+            <a:fillRect/>
+          </a:stretch>
+        </p:blipFill>
+        <p:spPr bwMode="auto">
+          <a:xfrm>
+            <a:off x="8290928" y="2615044"/>
+            <a:ext cx="3715343" cy="3397449"/>
+          </a:xfrm>
+          <a:prstGeom prst="rect">
+            <a:avLst/>
+          </a:prstGeom>
+          <a:noFill/>
+          <a:extLst>
+            <a:ext uri="{909E8E84-426E-40DD-AFC4-6F175D3DCCD1}">
+              <a14:hiddenFill xmlns:a14="http://schemas.microsoft.com/office/drawing/2010/main">
+                <a:solidFill>
+                  <a:srgbClr val="FFFFFF"/>
+                </a:solidFill>
+              </a14:hiddenFill>
+            </a:ext>
+          </a:extLst>
+        </p:spPr>
+      </p:pic>
+      <p:pic>
+        <p:nvPicPr>
+          <p:cNvPr id="13" name="Picture 4">
+            <a:extLst>
+              <a:ext uri="{FF2B5EF4-FFF2-40B4-BE49-F238E27FC236}">
+                <a16:creationId xmlns:a16="http://schemas.microsoft.com/office/drawing/2014/main" id="{16C071D1-5270-487E-9689-AA5860E8AD07}"/>
+              </a:ext>
+            </a:extLst>
+          </p:cNvPr>
+          <p:cNvPicPr>
+            <a:picLocks noChangeAspect="1" noChangeArrowheads="1"/>
+          </p:cNvPicPr>
+          <p:nvPr/>
+        </p:nvPicPr>
+        <p:blipFill>
+          <a:blip r:embed="rId3">
+            <a:extLst>
+              <a:ext uri="{28A0092B-C50C-407E-A947-70E740481C1C}">
+                <a14:useLocalDpi xmlns:a14="http://schemas.microsoft.com/office/drawing/2010/main" val="0"/>
+              </a:ext>
+            </a:extLst>
+          </a:blip>
+          <a:srcRect/>
+          <a:stretch>
+            <a:fillRect/>
+          </a:stretch>
+        </p:blipFill>
+        <p:spPr bwMode="auto">
+          <a:xfrm>
+            <a:off x="4518433" y="2665147"/>
+            <a:ext cx="3772495" cy="2940250"/>
+          </a:xfrm>
+          <a:prstGeom prst="rect">
+            <a:avLst/>
+          </a:prstGeom>
+          <a:noFill/>
+          <a:extLst>
+            <a:ext uri="{909E8E84-426E-40DD-AFC4-6F175D3DCCD1}">
+              <a14:hiddenFill xmlns:a14="http://schemas.microsoft.com/office/drawing/2010/main">
+                <a:solidFill>
+                  <a:srgbClr val="FFFFFF"/>
+                </a:solidFill>
+              </a14:hiddenFill>
+            </a:ext>
+          </a:extLst>
+        </p:spPr>
+      </p:pic>
+    </p:spTree>
+    <p:extLst>
+      <p:ext uri="{BB962C8B-B14F-4D97-AF65-F5344CB8AC3E}">
+        <p14:creationId xmlns:p14="http://schemas.microsoft.com/office/powerpoint/2010/main" val="1656897693"/>
+      </p:ext>
+    </p:extLst>
+  </p:cSld>
+  <p:clrMapOvr>
+    <a:masterClrMapping/>
+  </p:clrMapOvr>
+</p:sld>
+</file>
+
+<file path=ppt/slides/slide15.xml><?xml version="1.0" encoding="utf-8"?>
+<p:sld xmlns:a="http://schemas.openxmlformats.org/drawingml/2006/main" xmlns:r="http://schemas.openxmlformats.org/officeDocument/2006/relationships" xmlns:p="http://schemas.openxmlformats.org/presentationml/2006/main">
+  <p:cSld>
+    <p:spTree>
+      <p:nvGrpSpPr>
+        <p:cNvPr id="1" name=""/>
+        <p:cNvGrpSpPr/>
+        <p:nvPr/>
+      </p:nvGrpSpPr>
+      <p:grpSpPr>
+        <a:xfrm>
+          <a:off x="0" y="0"/>
+          <a:ext cx="0" cy="0"/>
+          <a:chOff x="0" y="0"/>
+          <a:chExt cx="0" cy="0"/>
+        </a:xfrm>
+      </p:grpSpPr>
+      <p:sp>
+        <p:nvSpPr>
+          <p:cNvPr id="2" name="Title 1">
+            <a:extLst>
+              <a:ext uri="{FF2B5EF4-FFF2-40B4-BE49-F238E27FC236}">
+                <a16:creationId xmlns:a16="http://schemas.microsoft.com/office/drawing/2014/main" id="{8911CFD5-9654-D045-85AC-FBFD588CD53A}"/>
+              </a:ext>
+            </a:extLst>
+          </p:cNvPr>
+          <p:cNvSpPr>
+            <a:spLocks noGrp="1"/>
+          </p:cNvSpPr>
+          <p:nvPr>
+            <p:ph type="title"/>
+          </p:nvPr>
+        </p:nvSpPr>
+        <p:spPr>
+          <a:xfrm>
+            <a:off x="751562" y="452718"/>
+            <a:ext cx="9299272" cy="1400530"/>
+          </a:xfrm>
+        </p:spPr>
+        <p:txBody>
+          <a:bodyPr vert="horz" lIns="91440" tIns="45720" rIns="91440" bIns="45720" rtlCol="0" anchor="ctr">
+            <a:normAutofit/>
+          </a:bodyPr>
+          <a:lstStyle/>
+          <a:p>
+            <a:r>
+              <a:rPr lang="en-US" sz="3200" b="1" i="1" dirty="0">
+                <a:ln>
+                  <a:solidFill>
+                    <a:schemeClr val="accent1"/>
+                  </a:solidFill>
+                </a:ln>
+                <a:solidFill>
+                  <a:schemeClr val="bg2"/>
+                </a:solidFill>
+              </a:rPr>
+              <a:t>Post Mortem</a:t>
+            </a:r>
+          </a:p>
+        </p:txBody>
+      </p:sp>
+      <p:sp>
+        <p:nvSpPr>
+          <p:cNvPr id="3" name="Content Placeholder 2">
+            <a:extLst>
+              <a:ext uri="{FF2B5EF4-FFF2-40B4-BE49-F238E27FC236}">
+                <a16:creationId xmlns:a16="http://schemas.microsoft.com/office/drawing/2014/main" id="{E50C89C8-6D81-3644-AE0E-CFCD6F0874D8}"/>
+              </a:ext>
+            </a:extLst>
+          </p:cNvPr>
+          <p:cNvSpPr>
+            <a:spLocks noGrp="1"/>
+          </p:cNvSpPr>
+          <p:nvPr>
+            <p:ph idx="1"/>
+          </p:nvPr>
+        </p:nvSpPr>
+        <p:spPr>
+          <a:xfrm>
+            <a:off x="125261" y="2286162"/>
+            <a:ext cx="11887200" cy="4119120"/>
+          </a:xfrm>
+        </p:spPr>
+        <p:txBody>
+          <a:bodyPr>
+            <a:normAutofit/>
+          </a:bodyPr>
+          <a:lstStyle/>
+          <a:p>
+            <a:pPr lvl="1">
+              <a:lnSpc>
+                <a:spcPct val="90000"/>
+              </a:lnSpc>
+              <a:buClr>
+                <a:schemeClr val="tx1"/>
+              </a:buClr>
+              <a:buFont typeface="Wingdings" pitchFamily="2" charset="2"/>
+              <a:buChar char="Ø"/>
+            </a:pPr>
+            <a:r>
+              <a:rPr lang="en-US" dirty="0"/>
+              <a:t>Difficulties and additional questions. </a:t>
+            </a:r>
+          </a:p>
+          <a:p>
+            <a:pPr lvl="2">
+              <a:lnSpc>
+                <a:spcPct val="90000"/>
+              </a:lnSpc>
+              <a:buClr>
+                <a:schemeClr val="tx1"/>
+              </a:buClr>
+              <a:buFont typeface="Wingdings" pitchFamily="2" charset="2"/>
+              <a:buChar char="Ø"/>
+            </a:pPr>
+            <a:r>
+              <a:rPr lang="en-US" sz="1800" b="1" dirty="0"/>
+              <a:t>Health</a:t>
+            </a:r>
+            <a:r>
+              <a:rPr lang="en-US" sz="1800" dirty="0"/>
+              <a:t>: </a:t>
+            </a:r>
+          </a:p>
+          <a:p>
+            <a:pPr lvl="2">
+              <a:lnSpc>
+                <a:spcPct val="90000"/>
+              </a:lnSpc>
+              <a:buClr>
+                <a:schemeClr val="tx1"/>
+              </a:buClr>
+              <a:buFont typeface="Wingdings" pitchFamily="2" charset="2"/>
+              <a:buChar char="Ø"/>
+            </a:pPr>
+            <a:r>
+              <a:rPr lang="en-US" sz="1800" b="1" dirty="0"/>
+              <a:t>Unemployment</a:t>
+            </a:r>
+            <a:r>
+              <a:rPr lang="en-US" sz="1800" dirty="0"/>
+              <a:t>:  </a:t>
+            </a:r>
+          </a:p>
+          <a:p>
+            <a:pPr lvl="3">
+              <a:lnSpc>
+                <a:spcPct val="90000"/>
+              </a:lnSpc>
+              <a:buClr>
+                <a:schemeClr val="tx1"/>
+              </a:buClr>
+              <a:buFont typeface="Wingdings" pitchFamily="2" charset="2"/>
+              <a:buChar char="Ø"/>
+            </a:pPr>
+            <a:r>
+              <a:rPr lang="en-US" sz="1800" dirty="0"/>
+              <a:t>Currently seeing a spike in Covid-19 cases again (Vic, NSW). Will need to complete correlation test again later this year to study the impact of Covid-19 from July-December 2021. </a:t>
+            </a:r>
+          </a:p>
+          <a:p>
+            <a:pPr lvl="3">
+              <a:lnSpc>
+                <a:spcPct val="90000"/>
+              </a:lnSpc>
+              <a:buClr>
+                <a:schemeClr val="tx1"/>
+              </a:buClr>
+              <a:buFont typeface="Wingdings" pitchFamily="2" charset="2"/>
+              <a:buChar char="Ø"/>
+            </a:pPr>
+            <a:r>
+              <a:rPr lang="en-US" sz="1800" dirty="0"/>
+              <a:t>Further analysis needs to be conducted to see if political and economic policies introduced in the last two years correlated with the rise/fall of the unemployment rate. </a:t>
+            </a:r>
+          </a:p>
+          <a:p>
+            <a:pPr lvl="2">
+              <a:lnSpc>
+                <a:spcPct val="90000"/>
+              </a:lnSpc>
+              <a:buClr>
+                <a:schemeClr val="tx1"/>
+              </a:buClr>
+              <a:buFont typeface="Wingdings" pitchFamily="2" charset="2"/>
+              <a:buChar char="Ø"/>
+            </a:pPr>
+            <a:r>
+              <a:rPr lang="en-US" sz="1800" b="1" dirty="0"/>
+              <a:t>International trade</a:t>
+            </a:r>
+            <a:r>
+              <a:rPr lang="en-US" sz="1800" dirty="0"/>
+              <a:t>:  </a:t>
+            </a:r>
+          </a:p>
+          <a:p>
+            <a:pPr marL="914400" lvl="2" indent="0">
+              <a:lnSpc>
+                <a:spcPct val="90000"/>
+              </a:lnSpc>
+              <a:buClr>
+                <a:schemeClr val="tx1"/>
+              </a:buClr>
+              <a:buNone/>
+            </a:pPr>
+            <a:r>
+              <a:rPr lang="en-US" sz="1800" dirty="0"/>
+              <a:t>	</a:t>
+            </a:r>
+          </a:p>
+          <a:p>
+            <a:pPr lvl="2">
+              <a:lnSpc>
+                <a:spcPct val="90000"/>
+              </a:lnSpc>
+              <a:buClr>
+                <a:schemeClr val="tx1"/>
+              </a:buClr>
+              <a:buFont typeface="Wingdings" pitchFamily="2" charset="2"/>
+              <a:buChar char="Ø"/>
+            </a:pPr>
+            <a:r>
+              <a:rPr lang="en-US" sz="1800" b="1" dirty="0"/>
+              <a:t>Business/ Economy</a:t>
+            </a:r>
+            <a:r>
+              <a:rPr lang="en-US" sz="1800" dirty="0"/>
+              <a:t>:  </a:t>
+            </a:r>
+          </a:p>
+          <a:p>
+            <a:pPr lvl="3">
+              <a:lnSpc>
+                <a:spcPct val="90000"/>
+              </a:lnSpc>
+              <a:buClr>
+                <a:schemeClr val="tx1"/>
+              </a:buClr>
+              <a:buFont typeface="Wingdings" pitchFamily="2" charset="2"/>
+              <a:buChar char="Ø"/>
+            </a:pPr>
+            <a:endParaRPr lang="en-US" sz="1600" dirty="0"/>
+          </a:p>
+          <a:p>
+            <a:pPr marL="914400" lvl="2" indent="0">
+              <a:lnSpc>
+                <a:spcPct val="90000"/>
+              </a:lnSpc>
+              <a:buClr>
+                <a:schemeClr val="tx1"/>
+              </a:buClr>
+              <a:buNone/>
+            </a:pPr>
+            <a:endParaRPr lang="en-US" sz="1800" b="1" dirty="0"/>
+          </a:p>
+        </p:txBody>
+      </p:sp>
+    </p:spTree>
+    <p:extLst>
+      <p:ext uri="{BB962C8B-B14F-4D97-AF65-F5344CB8AC3E}">
+        <p14:creationId xmlns:p14="http://schemas.microsoft.com/office/powerpoint/2010/main" val="3714260624"/>
       </p:ext>
     </p:extLst>
   </p:cSld>
@@ -6228,7 +7953,7 @@
     <p:bg>
       <p:bgPr>
         <a:solidFill>
-          <a:schemeClr val="bg1"/>
+          <a:schemeClr val="bg2"/>
         </a:solidFill>
         <a:effectLst/>
       </p:bgPr>
@@ -6247,12 +7972,12 @@
           <a:chExt cx="0" cy="0"/>
         </a:xfrm>
       </p:grpSpPr>
-      <p:sp>
-        <p:nvSpPr>
-          <p:cNvPr id="54" name="Rectangle 53">
+      <p:sp useBgFill="1">
+        <p:nvSpPr>
+          <p:cNvPr id="87" name="Rectangle 78">
             <a:extLst>
               <a:ext uri="{FF2B5EF4-FFF2-40B4-BE49-F238E27FC236}">
-                <a16:creationId xmlns:a16="http://schemas.microsoft.com/office/drawing/2014/main" id="{74CD14DB-BB81-479F-A1FC-1C75640E9F84}"/>
+                <a16:creationId xmlns:a16="http://schemas.microsoft.com/office/drawing/2014/main" id="{052BEFF1-896C-45B1-B02C-96A6A1BC389A}"/>
               </a:ext>
               <a:ext uri="{C183D7F6-B498-43B3-948B-1728B52AA6E4}">
                 <adec:decorative xmlns:adec="http://schemas.microsoft.com/office/drawing/2017/decorative" val="1"/>
@@ -6272,7 +7997,7 @@
         </p:nvSpPr>
         <p:spPr>
           <a:xfrm>
-            <a:off x="0" y="0"/>
+            <a:off x="1" y="0"/>
             <a:ext cx="12192000" cy="6858000"/>
           </a:xfrm>
           <a:prstGeom prst="rect">
@@ -6302,46 +8027,856 @@
           <a:bodyPr rtlCol="0" anchor="ctr"/>
           <a:lstStyle/>
           <a:p>
-            <a:pPr marL="0" marR="0" lvl="0" indent="0" algn="ctr" defTabSz="914400" rtl="0" eaLnBrk="1" fontAlgn="auto" latinLnBrk="0" hangingPunct="1">
-              <a:lnSpc>
-                <a:spcPct val="100000"/>
-              </a:lnSpc>
-              <a:spcBef>
-                <a:spcPts val="0"/>
-              </a:spcBef>
-              <a:spcAft>
-                <a:spcPts val="0"/>
-              </a:spcAft>
-              <a:buClrTx/>
-              <a:buSzTx/>
-              <a:buFontTx/>
-              <a:buNone/>
-              <a:tabLst/>
-              <a:defRPr/>
-            </a:pPr>
-            <a:endParaRPr kumimoji="0" lang="en-US" sz="1800" b="0" i="0" u="none" strike="noStrike" kern="1200" cap="none" spc="0" normalizeH="0" baseline="0" noProof="0">
-              <a:ln>
-                <a:noFill/>
-              </a:ln>
-              <a:solidFill>
-                <a:prstClr val="white"/>
-              </a:solidFill>
-              <a:effectLst/>
-              <a:uLnTx/>
-              <a:uFillTx/>
-              <a:latin typeface="Century Gothic" panose="020B0502020202020204"/>
-              <a:ea typeface="+mn-ea"/>
-              <a:cs typeface="+mn-cs"/>
-            </a:endParaRPr>
-          </a:p>
-        </p:txBody>
-      </p:sp>
-      <p:sp>
-        <p:nvSpPr>
-          <p:cNvPr id="56" name="Rectangle 55">
+            <a:pPr algn="ctr"/>
+            <a:endParaRPr lang="en-US"/>
+          </a:p>
+        </p:txBody>
+      </p:sp>
+      <p:sp>
+        <p:nvSpPr>
+          <p:cNvPr id="88" name="Freeform 36">
             <a:extLst>
               <a:ext uri="{FF2B5EF4-FFF2-40B4-BE49-F238E27FC236}">
-                <a16:creationId xmlns:a16="http://schemas.microsoft.com/office/drawing/2014/main" id="{C943A91B-7CA7-4592-A975-73B1BF8C4C74}"/>
+                <a16:creationId xmlns:a16="http://schemas.microsoft.com/office/drawing/2014/main" id="{BB237A14-61B1-4C00-A670-5D8D68A8668E}"/>
+              </a:ext>
+              <a:ext uri="{C183D7F6-B498-43B3-948B-1728B52AA6E4}">
+                <adec:decorative xmlns:adec="http://schemas.microsoft.com/office/drawing/2017/decorative" val="1"/>
+              </a:ext>
+            </a:extLst>
+          </p:cNvPr>
+          <p:cNvSpPr>
+            <a:spLocks noGrp="1" noRot="1" noChangeAspect="1" noMove="1" noResize="1" noEditPoints="1" noAdjustHandles="1" noChangeArrowheads="1" noChangeShapeType="1" noTextEdit="1"/>
+          </p:cNvSpPr>
+          <p:nvPr>
+            <p:extLst>
+              <p:ext uri="{386F3935-93C4-4BCD-93E2-E3B085C9AB24}">
+                <p16:designElem xmlns:p16="http://schemas.microsoft.com/office/powerpoint/2015/main" val="1"/>
+              </p:ext>
+            </p:extLst>
+          </p:nvPr>
+        </p:nvSpPr>
+        <p:spPr>
+          <a:xfrm flipH="1">
+            <a:off x="4644637" y="0"/>
+            <a:ext cx="559472" cy="3709642"/>
+          </a:xfrm>
+          <a:custGeom>
+            <a:avLst/>
+            <a:gdLst>
+              <a:gd name="connsiteX0" fmla="*/ 0 w 559472"/>
+              <a:gd name="connsiteY0" fmla="*/ 0 h 3709642"/>
+              <a:gd name="connsiteX1" fmla="*/ 473952 w 559472"/>
+              <a:gd name="connsiteY1" fmla="*/ 0 h 3709642"/>
+              <a:gd name="connsiteX2" fmla="*/ 485840 w 559472"/>
+              <a:gd name="connsiteY2" fmla="*/ 161194 h 3709642"/>
+              <a:gd name="connsiteX3" fmla="*/ 523949 w 559472"/>
+              <a:gd name="connsiteY3" fmla="*/ 3672197 h 3709642"/>
+              <a:gd name="connsiteX4" fmla="*/ 454748 w 559472"/>
+              <a:gd name="connsiteY4" fmla="*/ 3709642 h 3709642"/>
+              <a:gd name="connsiteX5" fmla="*/ 448224 w 559472"/>
+              <a:gd name="connsiteY5" fmla="*/ 3510471 h 3709642"/>
+              <a:gd name="connsiteX6" fmla="*/ 443564 w 559472"/>
+              <a:gd name="connsiteY6" fmla="*/ 3408563 h 3709642"/>
+              <a:gd name="connsiteX7" fmla="*/ 438902 w 559472"/>
+              <a:gd name="connsiteY7" fmla="*/ 3304407 h 3709642"/>
+              <a:gd name="connsiteX8" fmla="*/ 433941 w 559472"/>
+              <a:gd name="connsiteY8" fmla="*/ 3198777 h 3709642"/>
+              <a:gd name="connsiteX9" fmla="*/ 427584 w 559472"/>
+              <a:gd name="connsiteY9" fmla="*/ 3092510 h 3709642"/>
+              <a:gd name="connsiteX10" fmla="*/ 420988 w 559472"/>
+              <a:gd name="connsiteY10" fmla="*/ 2984390 h 3709642"/>
+              <a:gd name="connsiteX11" fmla="*/ 414330 w 559472"/>
+              <a:gd name="connsiteY11" fmla="*/ 2874401 h 3709642"/>
+              <a:gd name="connsiteX12" fmla="*/ 406840 w 559472"/>
+              <a:gd name="connsiteY12" fmla="*/ 2762980 h 3709642"/>
+              <a:gd name="connsiteX13" fmla="*/ 397745 w 559472"/>
+              <a:gd name="connsiteY13" fmla="*/ 2650566 h 3709642"/>
+              <a:gd name="connsiteX14" fmla="*/ 389154 w 559472"/>
+              <a:gd name="connsiteY14" fmla="*/ 2536612 h 3709642"/>
+              <a:gd name="connsiteX15" fmla="*/ 379225 w 559472"/>
+              <a:gd name="connsiteY15" fmla="*/ 2421642 h 3709642"/>
+              <a:gd name="connsiteX16" fmla="*/ 368316 w 559472"/>
+              <a:gd name="connsiteY16" fmla="*/ 2305627 h 3709642"/>
+              <a:gd name="connsiteX17" fmla="*/ 357466 w 559472"/>
+              <a:gd name="connsiteY17" fmla="*/ 2189233 h 3709642"/>
+              <a:gd name="connsiteX18" fmla="*/ 344982 w 559472"/>
+              <a:gd name="connsiteY18" fmla="*/ 2071473 h 3709642"/>
+              <a:gd name="connsiteX19" fmla="*/ 332466 w 559472"/>
+              <a:gd name="connsiteY19" fmla="*/ 1952216 h 3709642"/>
+              <a:gd name="connsiteX20" fmla="*/ 319121 w 559472"/>
+              <a:gd name="connsiteY20" fmla="*/ 1833776 h 3709642"/>
+              <a:gd name="connsiteX21" fmla="*/ 304408 w 559472"/>
+              <a:gd name="connsiteY21" fmla="*/ 1713948 h 3709642"/>
+              <a:gd name="connsiteX22" fmla="*/ 288685 w 559472"/>
+              <a:gd name="connsiteY22" fmla="*/ 1592703 h 3709642"/>
+              <a:gd name="connsiteX23" fmla="*/ 273050 w 559472"/>
+              <a:gd name="connsiteY23" fmla="*/ 1471451 h 3709642"/>
+              <a:gd name="connsiteX24" fmla="*/ 255813 w 559472"/>
+              <a:gd name="connsiteY24" fmla="*/ 1350328 h 3709642"/>
+              <a:gd name="connsiteX25" fmla="*/ 237060 w 559472"/>
+              <a:gd name="connsiteY25" fmla="*/ 1227080 h 3709642"/>
+              <a:gd name="connsiteX26" fmla="*/ 218488 w 559472"/>
+              <a:gd name="connsiteY26" fmla="*/ 1106065 h 3709642"/>
+              <a:gd name="connsiteX27" fmla="*/ 198221 w 559472"/>
+              <a:gd name="connsiteY27" fmla="*/ 982940 h 3709642"/>
+              <a:gd name="connsiteX28" fmla="*/ 177152 w 559472"/>
+              <a:gd name="connsiteY28" fmla="*/ 858755 h 3709642"/>
+              <a:gd name="connsiteX29" fmla="*/ 155551 w 559472"/>
+              <a:gd name="connsiteY29" fmla="*/ 736861 h 3709642"/>
+              <a:gd name="connsiteX30" fmla="*/ 131782 w 559472"/>
+              <a:gd name="connsiteY30" fmla="*/ 613645 h 3709642"/>
+              <a:gd name="connsiteX31" fmla="*/ 107123 w 559472"/>
+              <a:gd name="connsiteY31" fmla="*/ 490500 h 3709642"/>
+              <a:gd name="connsiteX32" fmla="*/ 82552 w 559472"/>
+              <a:gd name="connsiteY32" fmla="*/ 367348 h 3709642"/>
+              <a:gd name="connsiteX33" fmla="*/ 55608 w 559472"/>
+              <a:gd name="connsiteY33" fmla="*/ 244762 h 3709642"/>
+              <a:gd name="connsiteX34" fmla="*/ 28130 w 559472"/>
+              <a:gd name="connsiteY34" fmla="*/ 122220 h 3709642"/>
+              <a:gd name="connsiteX35" fmla="*/ 0 w 559472"/>
+              <a:gd name="connsiteY35" fmla="*/ 0 h 3709642"/>
+            </a:gdLst>
+            <a:ahLst/>
+            <a:cxnLst>
+              <a:cxn ang="0">
+                <a:pos x="connsiteX0" y="connsiteY0"/>
+              </a:cxn>
+              <a:cxn ang="0">
+                <a:pos x="connsiteX1" y="connsiteY1"/>
+              </a:cxn>
+              <a:cxn ang="0">
+                <a:pos x="connsiteX2" y="connsiteY2"/>
+              </a:cxn>
+              <a:cxn ang="0">
+                <a:pos x="connsiteX3" y="connsiteY3"/>
+              </a:cxn>
+              <a:cxn ang="0">
+                <a:pos x="connsiteX4" y="connsiteY4"/>
+              </a:cxn>
+              <a:cxn ang="0">
+                <a:pos x="connsiteX5" y="connsiteY5"/>
+              </a:cxn>
+              <a:cxn ang="0">
+                <a:pos x="connsiteX6" y="connsiteY6"/>
+              </a:cxn>
+              <a:cxn ang="0">
+                <a:pos x="connsiteX7" y="connsiteY7"/>
+              </a:cxn>
+              <a:cxn ang="0">
+                <a:pos x="connsiteX8" y="connsiteY8"/>
+              </a:cxn>
+              <a:cxn ang="0">
+                <a:pos x="connsiteX9" y="connsiteY9"/>
+              </a:cxn>
+              <a:cxn ang="0">
+                <a:pos x="connsiteX10" y="connsiteY10"/>
+              </a:cxn>
+              <a:cxn ang="0">
+                <a:pos x="connsiteX11" y="connsiteY11"/>
+              </a:cxn>
+              <a:cxn ang="0">
+                <a:pos x="connsiteX12" y="connsiteY12"/>
+              </a:cxn>
+              <a:cxn ang="0">
+                <a:pos x="connsiteX13" y="connsiteY13"/>
+              </a:cxn>
+              <a:cxn ang="0">
+                <a:pos x="connsiteX14" y="connsiteY14"/>
+              </a:cxn>
+              <a:cxn ang="0">
+                <a:pos x="connsiteX15" y="connsiteY15"/>
+              </a:cxn>
+              <a:cxn ang="0">
+                <a:pos x="connsiteX16" y="connsiteY16"/>
+              </a:cxn>
+              <a:cxn ang="0">
+                <a:pos x="connsiteX17" y="connsiteY17"/>
+              </a:cxn>
+              <a:cxn ang="0">
+                <a:pos x="connsiteX18" y="connsiteY18"/>
+              </a:cxn>
+              <a:cxn ang="0">
+                <a:pos x="connsiteX19" y="connsiteY19"/>
+              </a:cxn>
+              <a:cxn ang="0">
+                <a:pos x="connsiteX20" y="connsiteY20"/>
+              </a:cxn>
+              <a:cxn ang="0">
+                <a:pos x="connsiteX21" y="connsiteY21"/>
+              </a:cxn>
+              <a:cxn ang="0">
+                <a:pos x="connsiteX22" y="connsiteY22"/>
+              </a:cxn>
+              <a:cxn ang="0">
+                <a:pos x="connsiteX23" y="connsiteY23"/>
+              </a:cxn>
+              <a:cxn ang="0">
+                <a:pos x="connsiteX24" y="connsiteY24"/>
+              </a:cxn>
+              <a:cxn ang="0">
+                <a:pos x="connsiteX25" y="connsiteY25"/>
+              </a:cxn>
+              <a:cxn ang="0">
+                <a:pos x="connsiteX26" y="connsiteY26"/>
+              </a:cxn>
+              <a:cxn ang="0">
+                <a:pos x="connsiteX27" y="connsiteY27"/>
+              </a:cxn>
+              <a:cxn ang="0">
+                <a:pos x="connsiteX28" y="connsiteY28"/>
+              </a:cxn>
+              <a:cxn ang="0">
+                <a:pos x="connsiteX29" y="connsiteY29"/>
+              </a:cxn>
+              <a:cxn ang="0">
+                <a:pos x="connsiteX30" y="connsiteY30"/>
+              </a:cxn>
+              <a:cxn ang="0">
+                <a:pos x="connsiteX31" y="connsiteY31"/>
+              </a:cxn>
+              <a:cxn ang="0">
+                <a:pos x="connsiteX32" y="connsiteY32"/>
+              </a:cxn>
+              <a:cxn ang="0">
+                <a:pos x="connsiteX33" y="connsiteY33"/>
+              </a:cxn>
+              <a:cxn ang="0">
+                <a:pos x="connsiteX34" y="connsiteY34"/>
+              </a:cxn>
+              <a:cxn ang="0">
+                <a:pos x="connsiteX35" y="connsiteY35"/>
+              </a:cxn>
+            </a:cxnLst>
+            <a:rect l="l" t="t" r="r" b="b"/>
+            <a:pathLst>
+              <a:path w="559472" h="3709642">
+                <a:moveTo>
+                  <a:pt x="0" y="0"/>
+                </a:moveTo>
+                <a:lnTo>
+                  <a:pt x="473952" y="0"/>
+                </a:lnTo>
+                <a:lnTo>
+                  <a:pt x="485840" y="161194"/>
+                </a:lnTo>
+                <a:cubicBezTo>
+                  <a:pt x="552063" y="1147770"/>
+                  <a:pt x="592441" y="3086737"/>
+                  <a:pt x="523949" y="3672197"/>
+                </a:cubicBezTo>
+                <a:cubicBezTo>
+                  <a:pt x="500842" y="3684557"/>
+                  <a:pt x="477855" y="3697282"/>
+                  <a:pt x="454748" y="3709642"/>
+                </a:cubicBezTo>
+                <a:lnTo>
+                  <a:pt x="448224" y="3510471"/>
+                </a:lnTo>
+                <a:lnTo>
+                  <a:pt x="443564" y="3408563"/>
+                </a:lnTo>
+                <a:lnTo>
+                  <a:pt x="438902" y="3304407"/>
+                </a:lnTo>
+                <a:lnTo>
+                  <a:pt x="433941" y="3198777"/>
+                </a:lnTo>
+                <a:lnTo>
+                  <a:pt x="427584" y="3092510"/>
+                </a:lnTo>
+                <a:lnTo>
+                  <a:pt x="420988" y="2984390"/>
+                </a:lnTo>
+                <a:lnTo>
+                  <a:pt x="414330" y="2874401"/>
+                </a:lnTo>
+                <a:lnTo>
+                  <a:pt x="406840" y="2762980"/>
+                </a:lnTo>
+                <a:lnTo>
+                  <a:pt x="397745" y="2650566"/>
+                </a:lnTo>
+                <a:lnTo>
+                  <a:pt x="389154" y="2536612"/>
+                </a:lnTo>
+                <a:lnTo>
+                  <a:pt x="379225" y="2421642"/>
+                </a:lnTo>
+                <a:lnTo>
+                  <a:pt x="368316" y="2305627"/>
+                </a:lnTo>
+                <a:lnTo>
+                  <a:pt x="357466" y="2189233"/>
+                </a:lnTo>
+                <a:lnTo>
+                  <a:pt x="344982" y="2071473"/>
+                </a:lnTo>
+                <a:lnTo>
+                  <a:pt x="332466" y="1952216"/>
+                </a:lnTo>
+                <a:lnTo>
+                  <a:pt x="319121" y="1833776"/>
+                </a:lnTo>
+                <a:lnTo>
+                  <a:pt x="304408" y="1713948"/>
+                </a:lnTo>
+                <a:lnTo>
+                  <a:pt x="288685" y="1592703"/>
+                </a:lnTo>
+                <a:lnTo>
+                  <a:pt x="273050" y="1471451"/>
+                </a:lnTo>
+                <a:lnTo>
+                  <a:pt x="255813" y="1350328"/>
+                </a:lnTo>
+                <a:lnTo>
+                  <a:pt x="237060" y="1227080"/>
+                </a:lnTo>
+                <a:lnTo>
+                  <a:pt x="218488" y="1106065"/>
+                </a:lnTo>
+                <a:lnTo>
+                  <a:pt x="198221" y="982940"/>
+                </a:lnTo>
+                <a:lnTo>
+                  <a:pt x="177152" y="858755"/>
+                </a:lnTo>
+                <a:lnTo>
+                  <a:pt x="155551" y="736861"/>
+                </a:lnTo>
+                <a:lnTo>
+                  <a:pt x="131782" y="613645"/>
+                </a:lnTo>
+                <a:lnTo>
+                  <a:pt x="107123" y="490500"/>
+                </a:lnTo>
+                <a:lnTo>
+                  <a:pt x="82552" y="367348"/>
+                </a:lnTo>
+                <a:lnTo>
+                  <a:pt x="55608" y="244762"/>
+                </a:lnTo>
+                <a:lnTo>
+                  <a:pt x="28130" y="122220"/>
+                </a:lnTo>
+                <a:lnTo>
+                  <a:pt x="0" y="0"/>
+                </a:lnTo>
+                <a:close/>
+              </a:path>
+            </a:pathLst>
+          </a:custGeom>
+          <a:solidFill>
+            <a:schemeClr val="tx2">
+              <a:alpha val="20000"/>
+            </a:schemeClr>
+          </a:solidFill>
+          <a:ln>
+            <a:noFill/>
+          </a:ln>
+        </p:spPr>
+        <p:txBody>
+          <a:bodyPr rtlCol="0" anchor="ctr"/>
+          <a:lstStyle/>
+          <a:p>
+            <a:pPr algn="ctr"/>
+            <a:endParaRPr lang="en-US"/>
+          </a:p>
+        </p:txBody>
+      </p:sp>
+      <p:sp>
+        <p:nvSpPr>
+          <p:cNvPr id="89" name="Freeform: Shape 82">
+            <a:extLst>
+              <a:ext uri="{FF2B5EF4-FFF2-40B4-BE49-F238E27FC236}">
+                <a16:creationId xmlns:a16="http://schemas.microsoft.com/office/drawing/2014/main" id="{8598F259-6F54-47A3-8D13-1603D786A328}"/>
+              </a:ext>
+              <a:ext uri="{C183D7F6-B498-43B3-948B-1728B52AA6E4}">
+                <adec:decorative xmlns:adec="http://schemas.microsoft.com/office/drawing/2017/decorative" val="1"/>
+              </a:ext>
+            </a:extLst>
+          </p:cNvPr>
+          <p:cNvSpPr>
+            <a:spLocks noGrp="1" noRot="1" noChangeAspect="1" noMove="1" noResize="1" noEditPoints="1" noAdjustHandles="1" noChangeArrowheads="1" noChangeShapeType="1" noTextEdit="1"/>
+          </p:cNvSpPr>
+          <p:nvPr>
+            <p:extLst>
+              <p:ext uri="{386F3935-93C4-4BCD-93E2-E3B085C9AB24}">
+                <p16:designElem xmlns:p16="http://schemas.microsoft.com/office/powerpoint/2015/main" val="1"/>
+              </p:ext>
+            </p:extLst>
+          </p:nvPr>
+        </p:nvSpPr>
+        <p:spPr>
+          <a:xfrm>
+            <a:off x="1" y="1"/>
+            <a:ext cx="4990911" cy="6858001"/>
+          </a:xfrm>
+          <a:custGeom>
+            <a:avLst/>
+            <a:gdLst>
+              <a:gd name="connsiteX0" fmla="*/ 3646196 w 4990911"/>
+              <a:gd name="connsiteY0" fmla="*/ 0 h 6858001"/>
+              <a:gd name="connsiteX1" fmla="*/ 4989734 w 4990911"/>
+              <a:gd name="connsiteY1" fmla="*/ 0 h 6858001"/>
+              <a:gd name="connsiteX2" fmla="*/ 4964689 w 4990911"/>
+              <a:gd name="connsiteY2" fmla="*/ 155677 h 6858001"/>
+              <a:gd name="connsiteX3" fmla="*/ 4940820 w 4990911"/>
+              <a:gd name="connsiteY3" fmla="*/ 310668 h 6858001"/>
+              <a:gd name="connsiteX4" fmla="*/ 4917456 w 4990911"/>
+              <a:gd name="connsiteY4" fmla="*/ 466344 h 6858001"/>
+              <a:gd name="connsiteX5" fmla="*/ 4897453 w 4990911"/>
+              <a:gd name="connsiteY5" fmla="*/ 622707 h 6858001"/>
+              <a:gd name="connsiteX6" fmla="*/ 4877282 w 4990911"/>
+              <a:gd name="connsiteY6" fmla="*/ 778383 h 6858001"/>
+              <a:gd name="connsiteX7" fmla="*/ 4858456 w 4990911"/>
+              <a:gd name="connsiteY7" fmla="*/ 934746 h 6858001"/>
+              <a:gd name="connsiteX8" fmla="*/ 4842320 w 4990911"/>
+              <a:gd name="connsiteY8" fmla="*/ 1089051 h 6858001"/>
+              <a:gd name="connsiteX9" fmla="*/ 4827024 w 4990911"/>
+              <a:gd name="connsiteY9" fmla="*/ 1245413 h 6858001"/>
+              <a:gd name="connsiteX10" fmla="*/ 4813072 w 4990911"/>
+              <a:gd name="connsiteY10" fmla="*/ 1401090 h 6858001"/>
+              <a:gd name="connsiteX11" fmla="*/ 4800970 w 4990911"/>
+              <a:gd name="connsiteY11" fmla="*/ 1554023 h 6858001"/>
+              <a:gd name="connsiteX12" fmla="*/ 4788867 w 4990911"/>
+              <a:gd name="connsiteY12" fmla="*/ 1709014 h 6858001"/>
+              <a:gd name="connsiteX13" fmla="*/ 4778782 w 4990911"/>
+              <a:gd name="connsiteY13" fmla="*/ 1861947 h 6858001"/>
+              <a:gd name="connsiteX14" fmla="*/ 4770882 w 4990911"/>
+              <a:gd name="connsiteY14" fmla="*/ 2014881 h 6858001"/>
+              <a:gd name="connsiteX15" fmla="*/ 4762645 w 4990911"/>
+              <a:gd name="connsiteY15" fmla="*/ 2167128 h 6858001"/>
+              <a:gd name="connsiteX16" fmla="*/ 4755754 w 4990911"/>
+              <a:gd name="connsiteY16" fmla="*/ 2318004 h 6858001"/>
+              <a:gd name="connsiteX17" fmla="*/ 4750879 w 4990911"/>
+              <a:gd name="connsiteY17" fmla="*/ 2467509 h 6858001"/>
+              <a:gd name="connsiteX18" fmla="*/ 4746677 w 4990911"/>
+              <a:gd name="connsiteY18" fmla="*/ 2617013 h 6858001"/>
+              <a:gd name="connsiteX19" fmla="*/ 4742643 w 4990911"/>
+              <a:gd name="connsiteY19" fmla="*/ 2765146 h 6858001"/>
+              <a:gd name="connsiteX20" fmla="*/ 4740794 w 4990911"/>
+              <a:gd name="connsiteY20" fmla="*/ 2911221 h 6858001"/>
+              <a:gd name="connsiteX21" fmla="*/ 4738777 w 4990911"/>
+              <a:gd name="connsiteY21" fmla="*/ 3057297 h 6858001"/>
+              <a:gd name="connsiteX22" fmla="*/ 4737768 w 4990911"/>
+              <a:gd name="connsiteY22" fmla="*/ 3201315 h 6858001"/>
+              <a:gd name="connsiteX23" fmla="*/ 4738777 w 4990911"/>
+              <a:gd name="connsiteY23" fmla="*/ 3343961 h 6858001"/>
+              <a:gd name="connsiteX24" fmla="*/ 4738777 w 4990911"/>
+              <a:gd name="connsiteY24" fmla="*/ 3485236 h 6858001"/>
+              <a:gd name="connsiteX25" fmla="*/ 4740794 w 4990911"/>
+              <a:gd name="connsiteY25" fmla="*/ 3625139 h 6858001"/>
+              <a:gd name="connsiteX26" fmla="*/ 4743819 w 4990911"/>
+              <a:gd name="connsiteY26" fmla="*/ 3762299 h 6858001"/>
+              <a:gd name="connsiteX27" fmla="*/ 4746677 w 4990911"/>
+              <a:gd name="connsiteY27" fmla="*/ 3898087 h 6858001"/>
+              <a:gd name="connsiteX28" fmla="*/ 4749871 w 4990911"/>
+              <a:gd name="connsiteY28" fmla="*/ 4031133 h 6858001"/>
+              <a:gd name="connsiteX29" fmla="*/ 4754745 w 4990911"/>
+              <a:gd name="connsiteY29" fmla="*/ 4163492 h 6858001"/>
+              <a:gd name="connsiteX30" fmla="*/ 4759956 w 4990911"/>
+              <a:gd name="connsiteY30" fmla="*/ 4293793 h 6858001"/>
+              <a:gd name="connsiteX31" fmla="*/ 4764662 w 4990911"/>
+              <a:gd name="connsiteY31" fmla="*/ 4421352 h 6858001"/>
+              <a:gd name="connsiteX32" fmla="*/ 4777942 w 4990911"/>
+              <a:gd name="connsiteY32" fmla="*/ 4670298 h 6858001"/>
+              <a:gd name="connsiteX33" fmla="*/ 4792061 w 4990911"/>
+              <a:gd name="connsiteY33" fmla="*/ 4908956 h 6858001"/>
+              <a:gd name="connsiteX34" fmla="*/ 4806853 w 4990911"/>
+              <a:gd name="connsiteY34" fmla="*/ 5138013 h 6858001"/>
+              <a:gd name="connsiteX35" fmla="*/ 4823158 w 4990911"/>
+              <a:gd name="connsiteY35" fmla="*/ 5354726 h 6858001"/>
+              <a:gd name="connsiteX36" fmla="*/ 4840135 w 4990911"/>
+              <a:gd name="connsiteY36" fmla="*/ 5561838 h 6858001"/>
+              <a:gd name="connsiteX37" fmla="*/ 4858456 w 4990911"/>
+              <a:gd name="connsiteY37" fmla="*/ 5753862 h 6858001"/>
+              <a:gd name="connsiteX38" fmla="*/ 4876442 w 4990911"/>
+              <a:gd name="connsiteY38" fmla="*/ 5934227 h 6858001"/>
+              <a:gd name="connsiteX39" fmla="*/ 4894427 w 4990911"/>
+              <a:gd name="connsiteY39" fmla="*/ 6100191 h 6858001"/>
+              <a:gd name="connsiteX40" fmla="*/ 4911404 w 4990911"/>
+              <a:gd name="connsiteY40" fmla="*/ 6252438 h 6858001"/>
+              <a:gd name="connsiteX41" fmla="*/ 4927541 w 4990911"/>
+              <a:gd name="connsiteY41" fmla="*/ 6387541 h 6858001"/>
+              <a:gd name="connsiteX42" fmla="*/ 4942837 w 4990911"/>
+              <a:gd name="connsiteY42" fmla="*/ 6509613 h 6858001"/>
+              <a:gd name="connsiteX43" fmla="*/ 4955612 w 4990911"/>
+              <a:gd name="connsiteY43" fmla="*/ 6612483 h 6858001"/>
+              <a:gd name="connsiteX44" fmla="*/ 4967714 w 4990911"/>
+              <a:gd name="connsiteY44" fmla="*/ 6698894 h 6858001"/>
+              <a:gd name="connsiteX45" fmla="*/ 4985028 w 4990911"/>
+              <a:gd name="connsiteY45" fmla="*/ 6817538 h 6858001"/>
+              <a:gd name="connsiteX46" fmla="*/ 4990911 w 4990911"/>
+              <a:gd name="connsiteY46" fmla="*/ 6858000 h 6858001"/>
+              <a:gd name="connsiteX47" fmla="*/ 4085557 w 4990911"/>
+              <a:gd name="connsiteY47" fmla="*/ 6858000 h 6858001"/>
+              <a:gd name="connsiteX48" fmla="*/ 4085557 w 4990911"/>
+              <a:gd name="connsiteY48" fmla="*/ 6858001 h 6858001"/>
+              <a:gd name="connsiteX49" fmla="*/ 0 w 4990911"/>
+              <a:gd name="connsiteY49" fmla="*/ 6858001 h 6858001"/>
+              <a:gd name="connsiteX50" fmla="*/ 0 w 4990911"/>
+              <a:gd name="connsiteY50" fmla="*/ 1 h 6858001"/>
+              <a:gd name="connsiteX51" fmla="*/ 3646196 w 4990911"/>
+              <a:gd name="connsiteY51" fmla="*/ 1 h 6858001"/>
+            </a:gdLst>
+            <a:ahLst/>
+            <a:cxnLst>
+              <a:cxn ang="0">
+                <a:pos x="connsiteX0" y="connsiteY0"/>
+              </a:cxn>
+              <a:cxn ang="0">
+                <a:pos x="connsiteX1" y="connsiteY1"/>
+              </a:cxn>
+              <a:cxn ang="0">
+                <a:pos x="connsiteX2" y="connsiteY2"/>
+              </a:cxn>
+              <a:cxn ang="0">
+                <a:pos x="connsiteX3" y="connsiteY3"/>
+              </a:cxn>
+              <a:cxn ang="0">
+                <a:pos x="connsiteX4" y="connsiteY4"/>
+              </a:cxn>
+              <a:cxn ang="0">
+                <a:pos x="connsiteX5" y="connsiteY5"/>
+              </a:cxn>
+              <a:cxn ang="0">
+                <a:pos x="connsiteX6" y="connsiteY6"/>
+              </a:cxn>
+              <a:cxn ang="0">
+                <a:pos x="connsiteX7" y="connsiteY7"/>
+              </a:cxn>
+              <a:cxn ang="0">
+                <a:pos x="connsiteX8" y="connsiteY8"/>
+              </a:cxn>
+              <a:cxn ang="0">
+                <a:pos x="connsiteX9" y="connsiteY9"/>
+              </a:cxn>
+              <a:cxn ang="0">
+                <a:pos x="connsiteX10" y="connsiteY10"/>
+              </a:cxn>
+              <a:cxn ang="0">
+                <a:pos x="connsiteX11" y="connsiteY11"/>
+              </a:cxn>
+              <a:cxn ang="0">
+                <a:pos x="connsiteX12" y="connsiteY12"/>
+              </a:cxn>
+              <a:cxn ang="0">
+                <a:pos x="connsiteX13" y="connsiteY13"/>
+              </a:cxn>
+              <a:cxn ang="0">
+                <a:pos x="connsiteX14" y="connsiteY14"/>
+              </a:cxn>
+              <a:cxn ang="0">
+                <a:pos x="connsiteX15" y="connsiteY15"/>
+              </a:cxn>
+              <a:cxn ang="0">
+                <a:pos x="connsiteX16" y="connsiteY16"/>
+              </a:cxn>
+              <a:cxn ang="0">
+                <a:pos x="connsiteX17" y="connsiteY17"/>
+              </a:cxn>
+              <a:cxn ang="0">
+                <a:pos x="connsiteX18" y="connsiteY18"/>
+              </a:cxn>
+              <a:cxn ang="0">
+                <a:pos x="connsiteX19" y="connsiteY19"/>
+              </a:cxn>
+              <a:cxn ang="0">
+                <a:pos x="connsiteX20" y="connsiteY20"/>
+              </a:cxn>
+              <a:cxn ang="0">
+                <a:pos x="connsiteX21" y="connsiteY21"/>
+              </a:cxn>
+              <a:cxn ang="0">
+                <a:pos x="connsiteX22" y="connsiteY22"/>
+              </a:cxn>
+              <a:cxn ang="0">
+                <a:pos x="connsiteX23" y="connsiteY23"/>
+              </a:cxn>
+              <a:cxn ang="0">
+                <a:pos x="connsiteX24" y="connsiteY24"/>
+              </a:cxn>
+              <a:cxn ang="0">
+                <a:pos x="connsiteX25" y="connsiteY25"/>
+              </a:cxn>
+              <a:cxn ang="0">
+                <a:pos x="connsiteX26" y="connsiteY26"/>
+              </a:cxn>
+              <a:cxn ang="0">
+                <a:pos x="connsiteX27" y="connsiteY27"/>
+              </a:cxn>
+              <a:cxn ang="0">
+                <a:pos x="connsiteX28" y="connsiteY28"/>
+              </a:cxn>
+              <a:cxn ang="0">
+                <a:pos x="connsiteX29" y="connsiteY29"/>
+              </a:cxn>
+              <a:cxn ang="0">
+                <a:pos x="connsiteX30" y="connsiteY30"/>
+              </a:cxn>
+              <a:cxn ang="0">
+                <a:pos x="connsiteX31" y="connsiteY31"/>
+              </a:cxn>
+              <a:cxn ang="0">
+                <a:pos x="connsiteX32" y="connsiteY32"/>
+              </a:cxn>
+              <a:cxn ang="0">
+                <a:pos x="connsiteX33" y="connsiteY33"/>
+              </a:cxn>
+              <a:cxn ang="0">
+                <a:pos x="connsiteX34" y="connsiteY34"/>
+              </a:cxn>
+              <a:cxn ang="0">
+                <a:pos x="connsiteX35" y="connsiteY35"/>
+              </a:cxn>
+              <a:cxn ang="0">
+                <a:pos x="connsiteX36" y="connsiteY36"/>
+              </a:cxn>
+              <a:cxn ang="0">
+                <a:pos x="connsiteX37" y="connsiteY37"/>
+              </a:cxn>
+              <a:cxn ang="0">
+                <a:pos x="connsiteX38" y="connsiteY38"/>
+              </a:cxn>
+              <a:cxn ang="0">
+                <a:pos x="connsiteX39" y="connsiteY39"/>
+              </a:cxn>
+              <a:cxn ang="0">
+                <a:pos x="connsiteX40" y="connsiteY40"/>
+              </a:cxn>
+              <a:cxn ang="0">
+                <a:pos x="connsiteX41" y="connsiteY41"/>
+              </a:cxn>
+              <a:cxn ang="0">
+                <a:pos x="connsiteX42" y="connsiteY42"/>
+              </a:cxn>
+              <a:cxn ang="0">
+                <a:pos x="connsiteX43" y="connsiteY43"/>
+              </a:cxn>
+              <a:cxn ang="0">
+                <a:pos x="connsiteX44" y="connsiteY44"/>
+              </a:cxn>
+              <a:cxn ang="0">
+                <a:pos x="connsiteX45" y="connsiteY45"/>
+              </a:cxn>
+              <a:cxn ang="0">
+                <a:pos x="connsiteX46" y="connsiteY46"/>
+              </a:cxn>
+              <a:cxn ang="0">
+                <a:pos x="connsiteX47" y="connsiteY47"/>
+              </a:cxn>
+              <a:cxn ang="0">
+                <a:pos x="connsiteX48" y="connsiteY48"/>
+              </a:cxn>
+              <a:cxn ang="0">
+                <a:pos x="connsiteX49" y="connsiteY49"/>
+              </a:cxn>
+              <a:cxn ang="0">
+                <a:pos x="connsiteX50" y="connsiteY50"/>
+              </a:cxn>
+              <a:cxn ang="0">
+                <a:pos x="connsiteX51" y="connsiteY51"/>
+              </a:cxn>
+            </a:cxnLst>
+            <a:rect l="l" t="t" r="r" b="b"/>
+            <a:pathLst>
+              <a:path w="4990911" h="6858001">
+                <a:moveTo>
+                  <a:pt x="3646196" y="0"/>
+                </a:moveTo>
+                <a:lnTo>
+                  <a:pt x="4989734" y="0"/>
+                </a:lnTo>
+                <a:lnTo>
+                  <a:pt x="4964689" y="155677"/>
+                </a:lnTo>
+                <a:lnTo>
+                  <a:pt x="4940820" y="310668"/>
+                </a:lnTo>
+                <a:lnTo>
+                  <a:pt x="4917456" y="466344"/>
+                </a:lnTo>
+                <a:lnTo>
+                  <a:pt x="4897453" y="622707"/>
+                </a:lnTo>
+                <a:lnTo>
+                  <a:pt x="4877282" y="778383"/>
+                </a:lnTo>
+                <a:lnTo>
+                  <a:pt x="4858456" y="934746"/>
+                </a:lnTo>
+                <a:lnTo>
+                  <a:pt x="4842320" y="1089051"/>
+                </a:lnTo>
+                <a:lnTo>
+                  <a:pt x="4827024" y="1245413"/>
+                </a:lnTo>
+                <a:lnTo>
+                  <a:pt x="4813072" y="1401090"/>
+                </a:lnTo>
+                <a:lnTo>
+                  <a:pt x="4800970" y="1554023"/>
+                </a:lnTo>
+                <a:lnTo>
+                  <a:pt x="4788867" y="1709014"/>
+                </a:lnTo>
+                <a:lnTo>
+                  <a:pt x="4778782" y="1861947"/>
+                </a:lnTo>
+                <a:lnTo>
+                  <a:pt x="4770882" y="2014881"/>
+                </a:lnTo>
+                <a:lnTo>
+                  <a:pt x="4762645" y="2167128"/>
+                </a:lnTo>
+                <a:lnTo>
+                  <a:pt x="4755754" y="2318004"/>
+                </a:lnTo>
+                <a:lnTo>
+                  <a:pt x="4750879" y="2467509"/>
+                </a:lnTo>
+                <a:lnTo>
+                  <a:pt x="4746677" y="2617013"/>
+                </a:lnTo>
+                <a:lnTo>
+                  <a:pt x="4742643" y="2765146"/>
+                </a:lnTo>
+                <a:lnTo>
+                  <a:pt x="4740794" y="2911221"/>
+                </a:lnTo>
+                <a:lnTo>
+                  <a:pt x="4738777" y="3057297"/>
+                </a:lnTo>
+                <a:lnTo>
+                  <a:pt x="4737768" y="3201315"/>
+                </a:lnTo>
+                <a:lnTo>
+                  <a:pt x="4738777" y="3343961"/>
+                </a:lnTo>
+                <a:lnTo>
+                  <a:pt x="4738777" y="3485236"/>
+                </a:lnTo>
+                <a:lnTo>
+                  <a:pt x="4740794" y="3625139"/>
+                </a:lnTo>
+                <a:lnTo>
+                  <a:pt x="4743819" y="3762299"/>
+                </a:lnTo>
+                <a:lnTo>
+                  <a:pt x="4746677" y="3898087"/>
+                </a:lnTo>
+                <a:lnTo>
+                  <a:pt x="4749871" y="4031133"/>
+                </a:lnTo>
+                <a:lnTo>
+                  <a:pt x="4754745" y="4163492"/>
+                </a:lnTo>
+                <a:lnTo>
+                  <a:pt x="4759956" y="4293793"/>
+                </a:lnTo>
+                <a:lnTo>
+                  <a:pt x="4764662" y="4421352"/>
+                </a:lnTo>
+                <a:lnTo>
+                  <a:pt x="4777942" y="4670298"/>
+                </a:lnTo>
+                <a:lnTo>
+                  <a:pt x="4792061" y="4908956"/>
+                </a:lnTo>
+                <a:lnTo>
+                  <a:pt x="4806853" y="5138013"/>
+                </a:lnTo>
+                <a:lnTo>
+                  <a:pt x="4823158" y="5354726"/>
+                </a:lnTo>
+                <a:lnTo>
+                  <a:pt x="4840135" y="5561838"/>
+                </a:lnTo>
+                <a:lnTo>
+                  <a:pt x="4858456" y="5753862"/>
+                </a:lnTo>
+                <a:lnTo>
+                  <a:pt x="4876442" y="5934227"/>
+                </a:lnTo>
+                <a:lnTo>
+                  <a:pt x="4894427" y="6100191"/>
+                </a:lnTo>
+                <a:lnTo>
+                  <a:pt x="4911404" y="6252438"/>
+                </a:lnTo>
+                <a:lnTo>
+                  <a:pt x="4927541" y="6387541"/>
+                </a:lnTo>
+                <a:lnTo>
+                  <a:pt x="4942837" y="6509613"/>
+                </a:lnTo>
+                <a:lnTo>
+                  <a:pt x="4955612" y="6612483"/>
+                </a:lnTo>
+                <a:lnTo>
+                  <a:pt x="4967714" y="6698894"/>
+                </a:lnTo>
+                <a:lnTo>
+                  <a:pt x="4985028" y="6817538"/>
+                </a:lnTo>
+                <a:lnTo>
+                  <a:pt x="4990911" y="6858000"/>
+                </a:lnTo>
+                <a:lnTo>
+                  <a:pt x="4085557" y="6858000"/>
+                </a:lnTo>
+                <a:lnTo>
+                  <a:pt x="4085557" y="6858001"/>
+                </a:lnTo>
+                <a:lnTo>
+                  <a:pt x="0" y="6858001"/>
+                </a:lnTo>
+                <a:lnTo>
+                  <a:pt x="0" y="1"/>
+                </a:lnTo>
+                <a:lnTo>
+                  <a:pt x="3646196" y="1"/>
+                </a:lnTo>
+                <a:close/>
+              </a:path>
+            </a:pathLst>
+          </a:custGeom>
+          <a:ln>
+            <a:noFill/>
+          </a:ln>
+        </p:spPr>
+        <p:style>
+          <a:lnRef idx="2">
+            <a:schemeClr val="accent1">
+              <a:shade val="50000"/>
+            </a:schemeClr>
+          </a:lnRef>
+          <a:fillRef idx="1003">
+            <a:schemeClr val="dk2"/>
+          </a:fillRef>
+          <a:effectRef idx="0">
+            <a:schemeClr val="accent1"/>
+          </a:effectRef>
+          <a:fontRef idx="minor">
+            <a:schemeClr val="lt1"/>
+          </a:fontRef>
+        </p:style>
+        <p:txBody>
+          <a:bodyPr rtlCol="0" anchor="ctr"/>
+          <a:lstStyle/>
+          <a:p>
+            <a:pPr algn="ctr"/>
+            <a:endParaRPr lang="en-US"/>
+          </a:p>
+        </p:txBody>
+      </p:sp>
+      <p:sp>
+        <p:nvSpPr>
+          <p:cNvPr id="90" name="Rectangle 84">
+            <a:extLst>
+              <a:ext uri="{FF2B5EF4-FFF2-40B4-BE49-F238E27FC236}">
+                <a16:creationId xmlns:a16="http://schemas.microsoft.com/office/drawing/2014/main" id="{0BA768A8-4FED-4ED8-9E46-6BE72188ECD2}"/>
               </a:ext>
               <a:ext uri="{C183D7F6-B498-43B3-948B-1728B52AA6E4}">
                 <adec:decorative xmlns:adec="http://schemas.microsoft.com/office/drawing/2017/decorative" val="1"/>
@@ -6391,7 +8926,612 @@
       </p:sp>
       <p:sp>
         <p:nvSpPr>
-          <p:cNvPr id="58" name="Freeform 7">
+          <p:cNvPr id="2" name="Title 1">
+            <a:extLst>
+              <a:ext uri="{FF2B5EF4-FFF2-40B4-BE49-F238E27FC236}">
+                <a16:creationId xmlns:a16="http://schemas.microsoft.com/office/drawing/2014/main" id="{8911CFD5-9654-D045-85AC-FBFD588CD53A}"/>
+              </a:ext>
+            </a:extLst>
+          </p:cNvPr>
+          <p:cNvSpPr>
+            <a:spLocks noGrp="1"/>
+          </p:cNvSpPr>
+          <p:nvPr>
+            <p:ph type="title"/>
+          </p:nvPr>
+        </p:nvSpPr>
+        <p:spPr>
+          <a:xfrm>
+            <a:off x="653143" y="1645920"/>
+            <a:ext cx="3522879" cy="4470821"/>
+          </a:xfrm>
+        </p:spPr>
+        <p:txBody>
+          <a:bodyPr>
+            <a:normAutofit/>
+          </a:bodyPr>
+          <a:lstStyle/>
+          <a:p>
+            <a:pPr algn="r"/>
+            <a:r>
+              <a:rPr lang="en-AU" b="1" i="1" dirty="0">
+                <a:ln>
+                  <a:solidFill>
+                    <a:schemeClr val="accent1"/>
+                  </a:solidFill>
+                </a:ln>
+                <a:solidFill>
+                  <a:srgbClr val="FFFFFF"/>
+                </a:solidFill>
+              </a:rPr>
+              <a:t>Exploring the impacts of COVID-19 in Australia</a:t>
+            </a:r>
+          </a:p>
+        </p:txBody>
+      </p:sp>
+      <p:sp>
+        <p:nvSpPr>
+          <p:cNvPr id="74" name="Content Placeholder 2">
+            <a:extLst>
+              <a:ext uri="{FF2B5EF4-FFF2-40B4-BE49-F238E27FC236}">
+                <a16:creationId xmlns:a16="http://schemas.microsoft.com/office/drawing/2014/main" id="{E50C89C8-6D81-3644-AE0E-CFCD6F0874D8}"/>
+              </a:ext>
+            </a:extLst>
+          </p:cNvPr>
+          <p:cNvSpPr>
+            <a:spLocks noGrp="1"/>
+          </p:cNvSpPr>
+          <p:nvPr>
+            <p:ph idx="1"/>
+          </p:nvPr>
+        </p:nvSpPr>
+        <p:spPr>
+          <a:xfrm>
+            <a:off x="5204109" y="1645920"/>
+            <a:ext cx="5919503" cy="4470821"/>
+          </a:xfrm>
+        </p:spPr>
+        <p:txBody>
+          <a:bodyPr>
+            <a:normAutofit/>
+          </a:bodyPr>
+          <a:lstStyle/>
+          <a:p>
+            <a:pPr marL="0" lvl="0" indent="0">
+              <a:buNone/>
+            </a:pPr>
+            <a:r>
+              <a:rPr lang="en-AU" b="1" i="1" dirty="0"/>
+              <a:t>How has the Coronavirus (COVID-19) pandemic impacted people, health, businesses, industries and unemployment over the last couple of years in Australia? </a:t>
+            </a:r>
+          </a:p>
+          <a:p>
+            <a:pPr marL="0" lvl="0" indent="0">
+              <a:buNone/>
+            </a:pPr>
+            <a:endParaRPr lang="en-AU" dirty="0"/>
+          </a:p>
+          <a:p>
+            <a:pPr marL="0" lvl="0" indent="0">
+              <a:buNone/>
+            </a:pPr>
+            <a:r>
+              <a:rPr lang="en-AU" dirty="0"/>
+              <a:t>This project explores the impacts of COVID-19 in Australia in the following key areas:</a:t>
+            </a:r>
+          </a:p>
+          <a:p>
+            <a:pPr lvl="1">
+              <a:buClr>
+                <a:schemeClr val="tx2"/>
+              </a:buClr>
+              <a:buFont typeface="Wingdings" pitchFamily="2" charset="2"/>
+              <a:buChar char="Ø"/>
+            </a:pPr>
+            <a:r>
+              <a:rPr lang="en-AU" sz="2000" b="1" i="1" dirty="0"/>
+              <a:t>Economy/ Business</a:t>
+            </a:r>
+          </a:p>
+          <a:p>
+            <a:pPr lvl="1">
+              <a:buClr>
+                <a:schemeClr val="tx2"/>
+              </a:buClr>
+              <a:buFont typeface="Wingdings" pitchFamily="2" charset="2"/>
+              <a:buChar char="Ø"/>
+            </a:pPr>
+            <a:r>
+              <a:rPr lang="en-AU" sz="2000" b="1" i="1" dirty="0"/>
+              <a:t>Unemployment</a:t>
+            </a:r>
+          </a:p>
+          <a:p>
+            <a:pPr lvl="1">
+              <a:buClr>
+                <a:schemeClr val="tx2"/>
+              </a:buClr>
+              <a:buFont typeface="Wingdings" pitchFamily="2" charset="2"/>
+              <a:buChar char="Ø"/>
+            </a:pPr>
+            <a:r>
+              <a:rPr lang="en-AU" sz="2000" b="1" i="1" dirty="0"/>
+              <a:t>Health/ People</a:t>
+            </a:r>
+            <a:endParaRPr lang="en-AU" sz="2000" b="1" dirty="0"/>
+          </a:p>
+          <a:p>
+            <a:pPr lvl="0"/>
+            <a:endParaRPr lang="en-AU" dirty="0"/>
+          </a:p>
+        </p:txBody>
+      </p:sp>
+    </p:spTree>
+    <p:extLst>
+      <p:ext uri="{BB962C8B-B14F-4D97-AF65-F5344CB8AC3E}">
+        <p14:creationId xmlns:p14="http://schemas.microsoft.com/office/powerpoint/2010/main" val="1186462824"/>
+      </p:ext>
+    </p:extLst>
+  </p:cSld>
+  <p:clrMapOvr>
+    <a:overrideClrMapping bg1="lt1" tx1="dk1" bg2="lt2" tx2="dk2" accent1="accent1" accent2="accent2" accent3="accent3" accent4="accent4" accent5="accent5" accent6="accent6" hlink="hlink" folHlink="folHlink"/>
+  </p:clrMapOvr>
+</p:sld>
+</file>
+
+<file path=ppt/slides/slide3.xml><?xml version="1.0" encoding="utf-8"?>
+<p:sld xmlns:a="http://schemas.openxmlformats.org/drawingml/2006/main" xmlns:r="http://schemas.openxmlformats.org/officeDocument/2006/relationships" xmlns:p="http://schemas.openxmlformats.org/presentationml/2006/main">
+  <p:cSld>
+    <p:spTree>
+      <p:nvGrpSpPr>
+        <p:cNvPr id="1" name=""/>
+        <p:cNvGrpSpPr/>
+        <p:nvPr/>
+      </p:nvGrpSpPr>
+      <p:grpSpPr>
+        <a:xfrm>
+          <a:off x="0" y="0"/>
+          <a:ext cx="0" cy="0"/>
+          <a:chOff x="0" y="0"/>
+          <a:chExt cx="0" cy="0"/>
+        </a:xfrm>
+      </p:grpSpPr>
+      <p:sp>
+        <p:nvSpPr>
+          <p:cNvPr id="2" name="Title 1">
+            <a:extLst>
+              <a:ext uri="{FF2B5EF4-FFF2-40B4-BE49-F238E27FC236}">
+                <a16:creationId xmlns:a16="http://schemas.microsoft.com/office/drawing/2014/main" id="{8911CFD5-9654-D045-85AC-FBFD588CD53A}"/>
+              </a:ext>
+            </a:extLst>
+          </p:cNvPr>
+          <p:cNvSpPr>
+            <a:spLocks noGrp="1"/>
+          </p:cNvSpPr>
+          <p:nvPr>
+            <p:ph type="title"/>
+          </p:nvPr>
+        </p:nvSpPr>
+        <p:spPr>
+          <a:xfrm>
+            <a:off x="755738" y="163960"/>
+            <a:ext cx="8947522" cy="1400530"/>
+          </a:xfrm>
+        </p:spPr>
+        <p:txBody>
+          <a:bodyPr vert="horz" lIns="91440" tIns="45720" rIns="91440" bIns="45720" rtlCol="0" anchor="ctr">
+            <a:normAutofit/>
+          </a:bodyPr>
+          <a:lstStyle/>
+          <a:p>
+            <a:r>
+              <a:rPr lang="en-AU" sz="3200" b="1" i="1" dirty="0">
+                <a:ln>
+                  <a:solidFill>
+                    <a:schemeClr val="accent1"/>
+                  </a:solidFill>
+                </a:ln>
+                <a:solidFill>
+                  <a:schemeClr val="tx1"/>
+                </a:solidFill>
+              </a:rPr>
+              <a:t>Scope of the project includes: </a:t>
+            </a:r>
+            <a:endParaRPr lang="en-US" sz="3200" b="1" i="1" dirty="0">
+              <a:ln>
+                <a:solidFill>
+                  <a:schemeClr val="accent1"/>
+                </a:solidFill>
+              </a:ln>
+              <a:solidFill>
+                <a:schemeClr val="bg2"/>
+              </a:solidFill>
+            </a:endParaRPr>
+          </a:p>
+        </p:txBody>
+      </p:sp>
+      <p:sp>
+        <p:nvSpPr>
+          <p:cNvPr id="3" name="Content Placeholder 2">
+            <a:extLst>
+              <a:ext uri="{FF2B5EF4-FFF2-40B4-BE49-F238E27FC236}">
+                <a16:creationId xmlns:a16="http://schemas.microsoft.com/office/drawing/2014/main" id="{E50C89C8-6D81-3644-AE0E-CFCD6F0874D8}"/>
+              </a:ext>
+            </a:extLst>
+          </p:cNvPr>
+          <p:cNvSpPr>
+            <a:spLocks noGrp="1"/>
+          </p:cNvSpPr>
+          <p:nvPr>
+            <p:ph idx="1"/>
+          </p:nvPr>
+        </p:nvSpPr>
+        <p:spPr>
+          <a:xfrm>
+            <a:off x="343641" y="1401817"/>
+            <a:ext cx="11519496" cy="5178334"/>
+          </a:xfrm>
+        </p:spPr>
+        <p:txBody>
+          <a:bodyPr>
+            <a:normAutofit/>
+          </a:bodyPr>
+          <a:lstStyle/>
+          <a:p>
+            <a:pPr marL="800100" lvl="1" indent="-342900">
+              <a:lnSpc>
+                <a:spcPct val="90000"/>
+              </a:lnSpc>
+              <a:buFont typeface="+mj-lt"/>
+              <a:buAutoNum type="arabicPeriod"/>
+            </a:pPr>
+            <a:r>
+              <a:rPr lang="en-AU" b="1" i="1" dirty="0"/>
+              <a:t>Extracting data available for Australia – Primary data resources are</a:t>
+            </a:r>
+          </a:p>
+          <a:p>
+            <a:pPr lvl="2">
+              <a:lnSpc>
+                <a:spcPct val="90000"/>
+              </a:lnSpc>
+              <a:buFont typeface="Wingdings" pitchFamily="2" charset="2"/>
+              <a:buChar char="Ø"/>
+            </a:pPr>
+            <a:r>
+              <a:rPr lang="en-AU" sz="1800" i="1" dirty="0"/>
+              <a:t>Australian Bureau of Statistics</a:t>
+            </a:r>
+          </a:p>
+          <a:p>
+            <a:pPr lvl="2">
+              <a:lnSpc>
+                <a:spcPct val="90000"/>
+              </a:lnSpc>
+              <a:buFont typeface="Wingdings" pitchFamily="2" charset="2"/>
+              <a:buChar char="Ø"/>
+            </a:pPr>
+            <a:r>
+              <a:rPr lang="en-AU" sz="1800" i="1" dirty="0"/>
+              <a:t>Reserve Bank of Australia</a:t>
+            </a:r>
+          </a:p>
+          <a:p>
+            <a:pPr lvl="2">
+              <a:lnSpc>
+                <a:spcPct val="90000"/>
+              </a:lnSpc>
+              <a:buFont typeface="Wingdings" pitchFamily="2" charset="2"/>
+              <a:buChar char="Ø"/>
+            </a:pPr>
+            <a:r>
+              <a:rPr lang="en-AU" sz="1800" i="1" dirty="0"/>
+              <a:t>Australian Institute of Health and Welfare, </a:t>
+            </a:r>
+            <a:r>
+              <a:rPr lang="en-US" sz="1800" i="1" dirty="0"/>
+              <a:t>NSW Ministry of Health and Coroner’s Court of Victoria</a:t>
+            </a:r>
+            <a:endParaRPr lang="en-AU" sz="1800" i="1" dirty="0"/>
+          </a:p>
+          <a:p>
+            <a:pPr lvl="2">
+              <a:lnSpc>
+                <a:spcPct val="90000"/>
+              </a:lnSpc>
+              <a:buFont typeface="Wingdings" pitchFamily="2" charset="2"/>
+              <a:buChar char="Ø"/>
+            </a:pPr>
+            <a:r>
+              <a:rPr lang="en-AU" sz="1800" i="1" dirty="0"/>
+              <a:t>World Health organisation</a:t>
+            </a:r>
+          </a:p>
+          <a:p>
+            <a:pPr marL="800100" lvl="1" indent="-342900">
+              <a:lnSpc>
+                <a:spcPct val="90000"/>
+              </a:lnSpc>
+              <a:buFont typeface="+mj-lt"/>
+              <a:buAutoNum type="arabicPeriod"/>
+            </a:pPr>
+            <a:r>
+              <a:rPr lang="en-AU" b="1" i="1" dirty="0"/>
+              <a:t>Preparing and Cleaning extracted data for the analysis </a:t>
+            </a:r>
+          </a:p>
+          <a:p>
+            <a:pPr marL="1200150" lvl="2" indent="-342900">
+              <a:lnSpc>
+                <a:spcPct val="90000"/>
+              </a:lnSpc>
+              <a:buFont typeface="Wingdings" pitchFamily="2" charset="2"/>
+              <a:buChar char="Ø"/>
+            </a:pPr>
+            <a:r>
+              <a:rPr lang="en-US" sz="1800" i="1" dirty="0"/>
+              <a:t>Trimming to remove report headers and comments</a:t>
+            </a:r>
+          </a:p>
+          <a:p>
+            <a:pPr marL="1200150" lvl="2" indent="-342900">
+              <a:lnSpc>
+                <a:spcPct val="90000"/>
+              </a:lnSpc>
+              <a:buFont typeface="Wingdings" pitchFamily="2" charset="2"/>
+              <a:buChar char="Ø"/>
+            </a:pPr>
+            <a:r>
+              <a:rPr lang="en-US" sz="1800" i="1" dirty="0"/>
+              <a:t>Formatting into usable time series (Yearly, Quarterly, Monthly, Weekly)</a:t>
+            </a:r>
+          </a:p>
+          <a:p>
+            <a:pPr marL="1200150" lvl="2" indent="-342900">
+              <a:lnSpc>
+                <a:spcPct val="90000"/>
+              </a:lnSpc>
+              <a:buFont typeface="Wingdings" pitchFamily="2" charset="2"/>
+              <a:buChar char="Ø"/>
+            </a:pPr>
+            <a:r>
+              <a:rPr lang="en-AU" sz="1800" i="1" dirty="0"/>
+              <a:t>Merging COVID-19 Infection cases and Key measures for correlation analysis</a:t>
+            </a:r>
+          </a:p>
+          <a:p>
+            <a:pPr marL="800100" lvl="1" indent="-342900">
+              <a:lnSpc>
+                <a:spcPct val="90000"/>
+              </a:lnSpc>
+              <a:buFont typeface="+mj-lt"/>
+              <a:buAutoNum type="arabicPeriod"/>
+            </a:pPr>
+            <a:r>
+              <a:rPr lang="en-AU" b="1" i="1" dirty="0"/>
+              <a:t>Analysing data for impacts of COVID-19 in key areas identified </a:t>
+            </a:r>
+          </a:p>
+          <a:p>
+            <a:pPr marL="800100" lvl="1" indent="-342900">
+              <a:lnSpc>
+                <a:spcPct val="90000"/>
+              </a:lnSpc>
+              <a:buFont typeface="+mj-lt"/>
+              <a:buAutoNum type="arabicPeriod"/>
+            </a:pPr>
+            <a:r>
+              <a:rPr lang="en-AU" b="1" i="1" dirty="0"/>
+              <a:t>Visualising our analysis and summarizing the findings </a:t>
+            </a:r>
+          </a:p>
+          <a:p>
+            <a:pPr marL="1200150" lvl="2" indent="-342900">
+              <a:lnSpc>
+                <a:spcPct val="90000"/>
+              </a:lnSpc>
+              <a:buFont typeface="Wingdings" pitchFamily="2" charset="2"/>
+              <a:buChar char="Ø"/>
+            </a:pPr>
+            <a:r>
+              <a:rPr lang="en-AU" sz="1800" i="1" dirty="0"/>
+              <a:t>Plotting charts/ graphs (Bar, Pie, Line, Scatter, Boxplot, Line Regression, Correlation tests) using Matplotlib libraries</a:t>
+            </a:r>
+          </a:p>
+          <a:p>
+            <a:pPr marL="0" lvl="0" indent="0">
+              <a:lnSpc>
+                <a:spcPct val="90000"/>
+              </a:lnSpc>
+              <a:buNone/>
+            </a:pPr>
+            <a:endParaRPr lang="en-AU" sz="1800" i="1" dirty="0"/>
+          </a:p>
+        </p:txBody>
+      </p:sp>
+    </p:spTree>
+    <p:extLst>
+      <p:ext uri="{BB962C8B-B14F-4D97-AF65-F5344CB8AC3E}">
+        <p14:creationId xmlns:p14="http://schemas.microsoft.com/office/powerpoint/2010/main" val="929128188"/>
+      </p:ext>
+    </p:extLst>
+  </p:cSld>
+  <p:clrMapOvr>
+    <a:masterClrMapping/>
+  </p:clrMapOvr>
+</p:sld>
+</file>
+
+<file path=ppt/slides/slide4.xml><?xml version="1.0" encoding="utf-8"?>
+<p:sld xmlns:a="http://schemas.openxmlformats.org/drawingml/2006/main" xmlns:r="http://schemas.openxmlformats.org/officeDocument/2006/relationships" xmlns:p="http://schemas.openxmlformats.org/presentationml/2006/main">
+  <p:cSld>
+    <p:bg>
+      <p:bgPr>
+        <a:solidFill>
+          <a:schemeClr val="bg1"/>
+        </a:solidFill>
+        <a:effectLst/>
+      </p:bgPr>
+    </p:bg>
+    <p:spTree>
+      <p:nvGrpSpPr>
+        <p:cNvPr id="1" name=""/>
+        <p:cNvGrpSpPr/>
+        <p:nvPr/>
+      </p:nvGrpSpPr>
+      <p:grpSpPr>
+        <a:xfrm>
+          <a:off x="0" y="0"/>
+          <a:ext cx="0" cy="0"/>
+          <a:chOff x="0" y="0"/>
+          <a:chExt cx="0" cy="0"/>
+        </a:xfrm>
+      </p:grpSpPr>
+      <p:sp>
+        <p:nvSpPr>
+          <p:cNvPr id="8" name="Rectangle 7">
+            <a:extLst>
+              <a:ext uri="{FF2B5EF4-FFF2-40B4-BE49-F238E27FC236}">
+                <a16:creationId xmlns:a16="http://schemas.microsoft.com/office/drawing/2014/main" id="{74CD14DB-BB81-479F-A1FC-1C75640E9F84}"/>
+              </a:ext>
+              <a:ext uri="{C183D7F6-B498-43B3-948B-1728B52AA6E4}">
+                <adec:decorative xmlns:adec="http://schemas.microsoft.com/office/drawing/2017/decorative" val="1"/>
+              </a:ext>
+            </a:extLst>
+          </p:cNvPr>
+          <p:cNvSpPr>
+            <a:spLocks noGrp="1" noRot="1" noChangeAspect="1" noMove="1" noResize="1" noEditPoints="1" noAdjustHandles="1" noChangeArrowheads="1" noChangeShapeType="1" noTextEdit="1"/>
+          </p:cNvSpPr>
+          <p:nvPr>
+            <p:extLst>
+              <p:ext uri="{386F3935-93C4-4BCD-93E2-E3B085C9AB24}">
+                <p16:designElem xmlns:p16="http://schemas.microsoft.com/office/powerpoint/2015/main" val="1"/>
+              </p:ext>
+            </p:extLst>
+          </p:nvPr>
+        </p:nvSpPr>
+        <p:spPr>
+          <a:xfrm>
+            <a:off x="0" y="0"/>
+            <a:ext cx="12192000" cy="6858000"/>
+          </a:xfrm>
+          <a:prstGeom prst="rect">
+            <a:avLst/>
+          </a:prstGeom>
+          <a:ln>
+            <a:noFill/>
+          </a:ln>
+        </p:spPr>
+        <p:style>
+          <a:lnRef idx="2">
+            <a:schemeClr val="accent1">
+              <a:shade val="50000"/>
+            </a:schemeClr>
+          </a:lnRef>
+          <a:fillRef idx="1003">
+            <a:schemeClr val="dk2"/>
+          </a:fillRef>
+          <a:effectRef idx="0">
+            <a:schemeClr val="accent1"/>
+          </a:effectRef>
+          <a:fontRef idx="minor">
+            <a:schemeClr val="lt1"/>
+          </a:fontRef>
+        </p:style>
+        <p:txBody>
+          <a:bodyPr rtlCol="0" anchor="ctr"/>
+          <a:lstStyle/>
+          <a:p>
+            <a:pPr marL="0" marR="0" lvl="0" indent="0" algn="ctr" defTabSz="914400" rtl="0" eaLnBrk="1" fontAlgn="auto" latinLnBrk="0" hangingPunct="1">
+              <a:lnSpc>
+                <a:spcPct val="100000"/>
+              </a:lnSpc>
+              <a:spcBef>
+                <a:spcPts val="0"/>
+              </a:spcBef>
+              <a:spcAft>
+                <a:spcPts val="0"/>
+              </a:spcAft>
+              <a:buClrTx/>
+              <a:buSzTx/>
+              <a:buFontTx/>
+              <a:buNone/>
+              <a:tabLst/>
+              <a:defRPr/>
+            </a:pPr>
+            <a:endParaRPr kumimoji="0" lang="en-US" sz="1800" b="0" i="0" u="none" strike="noStrike" kern="1200" cap="none" spc="0" normalizeH="0" baseline="0" noProof="0">
+              <a:ln>
+                <a:noFill/>
+              </a:ln>
+              <a:solidFill>
+                <a:prstClr val="white"/>
+              </a:solidFill>
+              <a:effectLst/>
+              <a:uLnTx/>
+              <a:uFillTx/>
+              <a:latin typeface="Century Gothic" panose="020B0502020202020204"/>
+              <a:ea typeface="+mn-ea"/>
+              <a:cs typeface="+mn-cs"/>
+            </a:endParaRPr>
+          </a:p>
+        </p:txBody>
+      </p:sp>
+      <p:sp>
+        <p:nvSpPr>
+          <p:cNvPr id="10" name="Rectangle 9">
+            <a:extLst>
+              <a:ext uri="{FF2B5EF4-FFF2-40B4-BE49-F238E27FC236}">
+                <a16:creationId xmlns:a16="http://schemas.microsoft.com/office/drawing/2014/main" id="{C943A91B-7CA7-4592-A975-73B1BF8C4C74}"/>
+              </a:ext>
+              <a:ext uri="{C183D7F6-B498-43B3-948B-1728B52AA6E4}">
+                <adec:decorative xmlns:adec="http://schemas.microsoft.com/office/drawing/2017/decorative" val="1"/>
+              </a:ext>
+            </a:extLst>
+          </p:cNvPr>
+          <p:cNvSpPr>
+            <a:spLocks noGrp="1" noRot="1" noChangeAspect="1" noMove="1" noResize="1" noEditPoints="1" noAdjustHandles="1" noChangeArrowheads="1" noChangeShapeType="1" noTextEdit="1"/>
+          </p:cNvSpPr>
+          <p:nvPr>
+            <p:extLst>
+              <p:ext uri="{386F3935-93C4-4BCD-93E2-E3B085C9AB24}">
+                <p16:designElem xmlns:p16="http://schemas.microsoft.com/office/powerpoint/2015/main" val="1"/>
+              </p:ext>
+            </p:extLst>
+          </p:nvPr>
+        </p:nvSpPr>
+        <p:spPr>
+          <a:xfrm>
+            <a:off x="10437812" y="0"/>
+            <a:ext cx="685800" cy="1143000"/>
+          </a:xfrm>
+          <a:prstGeom prst="rect">
+            <a:avLst/>
+          </a:prstGeom>
+          <a:solidFill>
+            <a:schemeClr val="accent1"/>
+          </a:solidFill>
+          <a:ln>
+            <a:noFill/>
+          </a:ln>
+        </p:spPr>
+        <p:style>
+          <a:lnRef idx="1">
+            <a:schemeClr val="accent1"/>
+          </a:lnRef>
+          <a:fillRef idx="3">
+            <a:schemeClr val="accent1"/>
+          </a:fillRef>
+          <a:effectRef idx="2">
+            <a:schemeClr val="accent1"/>
+          </a:effectRef>
+          <a:fontRef idx="minor">
+            <a:schemeClr val="lt1"/>
+          </a:fontRef>
+        </p:style>
+      </p:sp>
+      <p:sp>
+        <p:nvSpPr>
+          <p:cNvPr id="12" name="Freeform 7">
             <a:extLst>
               <a:ext uri="{FF2B5EF4-FFF2-40B4-BE49-F238E27FC236}">
                 <a16:creationId xmlns:a16="http://schemas.microsoft.com/office/drawing/2014/main" id="{EC471314-E46A-414B-8D91-74880E84F187}"/>
@@ -6780,7 +9920,7 @@
       </p:sp>
       <p:sp useBgFill="1">
         <p:nvSpPr>
-          <p:cNvPr id="60" name="Freeform: Shape 59">
+          <p:cNvPr id="14" name="Freeform: Shape 13">
             <a:extLst>
               <a:ext uri="{FF2B5EF4-FFF2-40B4-BE49-F238E27FC236}">
                 <a16:creationId xmlns:a16="http://schemas.microsoft.com/office/drawing/2014/main" id="{6A681326-1C9D-44A3-A627-3871BDAE4127}"/>
@@ -7259,1531 +10399,7 @@
         </p:nvSpPr>
         <p:spPr>
           <a:xfrm>
-            <a:off x="688932" y="452718"/>
-            <a:ext cx="9361902" cy="1400530"/>
-          </a:xfrm>
-        </p:spPr>
-        <p:txBody>
-          <a:bodyPr anchor="ctr">
-            <a:normAutofit/>
-          </a:bodyPr>
-          <a:lstStyle/>
-          <a:p>
-            <a:r>
-              <a:rPr lang="en-AU" sz="3200" b="1" i="1" dirty="0">
-                <a:ln>
-                  <a:solidFill>
-                    <a:schemeClr val="accent1"/>
-                  </a:solidFill>
-                </a:ln>
-                <a:solidFill>
-                  <a:schemeClr val="bg2"/>
-                </a:solidFill>
-              </a:rPr>
-              <a:t>Exploring the impacts of COVID-19 in Australia</a:t>
-            </a:r>
-          </a:p>
-        </p:txBody>
-      </p:sp>
-      <p:sp>
-        <p:nvSpPr>
-          <p:cNvPr id="3" name="Content Placeholder 2">
-            <a:extLst>
-              <a:ext uri="{FF2B5EF4-FFF2-40B4-BE49-F238E27FC236}">
-                <a16:creationId xmlns:a16="http://schemas.microsoft.com/office/drawing/2014/main" id="{E50C89C8-6D81-3644-AE0E-CFCD6F0874D8}"/>
-              </a:ext>
-            </a:extLst>
-          </p:cNvPr>
-          <p:cNvSpPr>
-            <a:spLocks noGrp="1"/>
-          </p:cNvSpPr>
-          <p:nvPr>
-            <p:ph idx="1"/>
-          </p:nvPr>
-        </p:nvSpPr>
-        <p:spPr>
-          <a:xfrm>
-            <a:off x="576197" y="2305966"/>
-            <a:ext cx="11010377" cy="3942434"/>
-          </a:xfrm>
-        </p:spPr>
-        <p:txBody>
-          <a:bodyPr>
-            <a:noAutofit/>
-          </a:bodyPr>
-          <a:lstStyle/>
-          <a:p>
-            <a:pPr marL="0" lvl="0" indent="0">
-              <a:lnSpc>
-                <a:spcPct val="90000"/>
-              </a:lnSpc>
-              <a:buNone/>
-            </a:pPr>
-            <a:r>
-              <a:rPr lang="en-AU" sz="1800" dirty="0"/>
-              <a:t>COVID-19 has significantly impacted people, health, businesses, industries, unemployment, workers and international trade over the last couple of years. </a:t>
-            </a:r>
-          </a:p>
-          <a:p>
-            <a:pPr marL="0" lvl="0" indent="0">
-              <a:lnSpc>
-                <a:spcPct val="90000"/>
-              </a:lnSpc>
-              <a:buNone/>
-            </a:pPr>
-            <a:endParaRPr lang="en-AU" sz="1800" dirty="0"/>
-          </a:p>
-          <a:p>
-            <a:pPr marL="0" lvl="0" indent="0">
-              <a:lnSpc>
-                <a:spcPct val="90000"/>
-              </a:lnSpc>
-              <a:buNone/>
-            </a:pPr>
-            <a:r>
-              <a:rPr lang="en-AU" sz="1800" dirty="0"/>
-              <a:t>This project explores the impacts of coronavirus (COVID-19) in Australia in the following key areas:</a:t>
-            </a:r>
-          </a:p>
-          <a:p>
-            <a:pPr lvl="1">
-              <a:lnSpc>
-                <a:spcPct val="90000"/>
-              </a:lnSpc>
-              <a:buClr>
-                <a:schemeClr val="tx2"/>
-              </a:buClr>
-              <a:buFont typeface="Wingdings" pitchFamily="2" charset="2"/>
-              <a:buChar char="Ø"/>
-            </a:pPr>
-            <a:r>
-              <a:rPr lang="en-AU" i="1" dirty="0"/>
-              <a:t>Economy/ Business</a:t>
-            </a:r>
-          </a:p>
-          <a:p>
-            <a:pPr lvl="1">
-              <a:lnSpc>
-                <a:spcPct val="90000"/>
-              </a:lnSpc>
-              <a:buClr>
-                <a:schemeClr val="tx2"/>
-              </a:buClr>
-              <a:buFont typeface="Wingdings" pitchFamily="2" charset="2"/>
-              <a:buChar char="Ø"/>
-            </a:pPr>
-            <a:r>
-              <a:rPr lang="en-AU" i="1" dirty="0"/>
-              <a:t>Unemployment</a:t>
-            </a:r>
-          </a:p>
-          <a:p>
-            <a:pPr lvl="1">
-              <a:lnSpc>
-                <a:spcPct val="90000"/>
-              </a:lnSpc>
-              <a:buClr>
-                <a:schemeClr val="tx2"/>
-              </a:buClr>
-              <a:buFont typeface="Wingdings" pitchFamily="2" charset="2"/>
-              <a:buChar char="Ø"/>
-            </a:pPr>
-            <a:r>
-              <a:rPr lang="en-AU" i="1" dirty="0"/>
-              <a:t>International Trade</a:t>
-            </a:r>
-          </a:p>
-          <a:p>
-            <a:pPr lvl="1">
-              <a:lnSpc>
-                <a:spcPct val="90000"/>
-              </a:lnSpc>
-              <a:buClr>
-                <a:schemeClr val="tx2"/>
-              </a:buClr>
-              <a:buFont typeface="Wingdings" pitchFamily="2" charset="2"/>
-              <a:buChar char="Ø"/>
-            </a:pPr>
-            <a:r>
-              <a:rPr lang="en-AU" i="1" dirty="0"/>
-              <a:t>Health/ People</a:t>
-            </a:r>
-            <a:endParaRPr lang="en-AU" dirty="0"/>
-          </a:p>
-          <a:p>
-            <a:pPr lvl="0">
-              <a:lnSpc>
-                <a:spcPct val="90000"/>
-              </a:lnSpc>
-            </a:pPr>
-            <a:endParaRPr lang="en-AU" sz="1800" dirty="0"/>
-          </a:p>
-          <a:p>
-            <a:pPr>
-              <a:lnSpc>
-                <a:spcPct val="90000"/>
-              </a:lnSpc>
-            </a:pPr>
-            <a:endParaRPr lang="en-US" sz="1800" dirty="0"/>
-          </a:p>
-        </p:txBody>
-      </p:sp>
-    </p:spTree>
-    <p:extLst>
-      <p:ext uri="{BB962C8B-B14F-4D97-AF65-F5344CB8AC3E}">
-        <p14:creationId xmlns:p14="http://schemas.microsoft.com/office/powerpoint/2010/main" val="1186462824"/>
-      </p:ext>
-    </p:extLst>
-  </p:cSld>
-  <p:clrMapOvr>
-    <a:overrideClrMapping bg1="lt1" tx1="dk1" bg2="lt2" tx2="dk2" accent1="accent1" accent2="accent2" accent3="accent3" accent4="accent4" accent5="accent5" accent6="accent6" hlink="hlink" folHlink="folHlink"/>
-  </p:clrMapOvr>
-</p:sld>
-</file>
-
-<file path=ppt/slides/slide3.xml><?xml version="1.0" encoding="utf-8"?>
-<p:sld xmlns:a="http://schemas.openxmlformats.org/drawingml/2006/main" xmlns:r="http://schemas.openxmlformats.org/officeDocument/2006/relationships" xmlns:p="http://schemas.openxmlformats.org/presentationml/2006/main">
-  <p:cSld>
-    <p:spTree>
-      <p:nvGrpSpPr>
-        <p:cNvPr id="1" name=""/>
-        <p:cNvGrpSpPr/>
-        <p:nvPr/>
-      </p:nvGrpSpPr>
-      <p:grpSpPr>
-        <a:xfrm>
-          <a:off x="0" y="0"/>
-          <a:ext cx="0" cy="0"/>
-          <a:chOff x="0" y="0"/>
-          <a:chExt cx="0" cy="0"/>
-        </a:xfrm>
-      </p:grpSpPr>
-      <p:sp>
-        <p:nvSpPr>
-          <p:cNvPr id="2" name="Title 1">
-            <a:extLst>
-              <a:ext uri="{FF2B5EF4-FFF2-40B4-BE49-F238E27FC236}">
-                <a16:creationId xmlns:a16="http://schemas.microsoft.com/office/drawing/2014/main" id="{8911CFD5-9654-D045-85AC-FBFD588CD53A}"/>
-              </a:ext>
-            </a:extLst>
-          </p:cNvPr>
-          <p:cNvSpPr>
-            <a:spLocks noGrp="1"/>
-          </p:cNvSpPr>
-          <p:nvPr>
-            <p:ph type="title"/>
-          </p:nvPr>
-        </p:nvSpPr>
-        <p:spPr>
-          <a:xfrm>
-            <a:off x="1103312" y="452718"/>
-            <a:ext cx="8947522" cy="1400530"/>
-          </a:xfrm>
-        </p:spPr>
-        <p:txBody>
-          <a:bodyPr vert="horz" lIns="91440" tIns="45720" rIns="91440" bIns="45720" rtlCol="0" anchor="ctr">
-            <a:normAutofit/>
-          </a:bodyPr>
-          <a:lstStyle/>
-          <a:p>
-            <a:r>
-              <a:rPr lang="en-AU" sz="3200" b="1" i="1" dirty="0">
-                <a:ln>
-                  <a:solidFill>
-                    <a:schemeClr val="accent1"/>
-                  </a:solidFill>
-                </a:ln>
-                <a:solidFill>
-                  <a:schemeClr val="tx1"/>
-                </a:solidFill>
-              </a:rPr>
-              <a:t>Scope of the project includes: </a:t>
-            </a:r>
-            <a:br>
-              <a:rPr lang="en-AU" sz="3200" b="1" i="1" dirty="0">
-                <a:ln>
-                  <a:solidFill>
-                    <a:schemeClr val="accent1"/>
-                  </a:solidFill>
-                </a:ln>
-                <a:solidFill>
-                  <a:schemeClr val="bg2"/>
-                </a:solidFill>
-              </a:rPr>
-            </a:br>
-            <a:endParaRPr lang="en-US" sz="3200" b="1" i="1" dirty="0">
-              <a:ln>
-                <a:solidFill>
-                  <a:schemeClr val="accent1"/>
-                </a:solidFill>
-              </a:ln>
-              <a:solidFill>
-                <a:schemeClr val="bg2"/>
-              </a:solidFill>
-            </a:endParaRPr>
-          </a:p>
-        </p:txBody>
-      </p:sp>
-      <p:sp>
-        <p:nvSpPr>
-          <p:cNvPr id="3" name="Content Placeholder 2">
-            <a:extLst>
-              <a:ext uri="{FF2B5EF4-FFF2-40B4-BE49-F238E27FC236}">
-                <a16:creationId xmlns:a16="http://schemas.microsoft.com/office/drawing/2014/main" id="{E50C89C8-6D81-3644-AE0E-CFCD6F0874D8}"/>
-              </a:ext>
-            </a:extLst>
-          </p:cNvPr>
-          <p:cNvSpPr>
-            <a:spLocks noGrp="1"/>
-          </p:cNvSpPr>
-          <p:nvPr>
-            <p:ph idx="1"/>
-          </p:nvPr>
-        </p:nvSpPr>
-        <p:spPr>
-          <a:xfrm>
-            <a:off x="475988" y="1389786"/>
-            <a:ext cx="10960274" cy="5178334"/>
-          </a:xfrm>
-        </p:spPr>
-        <p:txBody>
-          <a:bodyPr>
-            <a:normAutofit/>
-          </a:bodyPr>
-          <a:lstStyle/>
-          <a:p>
-            <a:pPr marL="800100" lvl="1" indent="-342900">
-              <a:lnSpc>
-                <a:spcPct val="90000"/>
-              </a:lnSpc>
-              <a:buFont typeface="+mj-lt"/>
-              <a:buAutoNum type="arabicPeriod"/>
-            </a:pPr>
-            <a:r>
-              <a:rPr lang="en-AU" sz="1500" i="1" dirty="0"/>
-              <a:t>Extracting COVID-19 Infections/ cases, Business, Unemployment, Health and International trade related data available for Australia – Primary data resources are</a:t>
-            </a:r>
-          </a:p>
-          <a:p>
-            <a:pPr lvl="2">
-              <a:lnSpc>
-                <a:spcPct val="90000"/>
-              </a:lnSpc>
-              <a:buFont typeface="Wingdings" pitchFamily="2" charset="2"/>
-              <a:buChar char="Ø"/>
-            </a:pPr>
-            <a:r>
-              <a:rPr lang="en-AU" sz="1500" i="1" dirty="0"/>
-              <a:t>Australian Bureau of Statistics</a:t>
-            </a:r>
-          </a:p>
-          <a:p>
-            <a:pPr lvl="2">
-              <a:lnSpc>
-                <a:spcPct val="90000"/>
-              </a:lnSpc>
-              <a:buFont typeface="Wingdings" pitchFamily="2" charset="2"/>
-              <a:buChar char="Ø"/>
-            </a:pPr>
-            <a:r>
-              <a:rPr lang="en-AU" sz="1500" i="1" dirty="0"/>
-              <a:t>Reserve Bank of Australia</a:t>
-            </a:r>
-          </a:p>
-          <a:p>
-            <a:pPr lvl="2">
-              <a:lnSpc>
-                <a:spcPct val="90000"/>
-              </a:lnSpc>
-              <a:buFont typeface="Wingdings" pitchFamily="2" charset="2"/>
-              <a:buChar char="Ø"/>
-            </a:pPr>
-            <a:r>
-              <a:rPr lang="en-AU" sz="1500" i="1" dirty="0"/>
-              <a:t>Australian Institute of Health and Welfare</a:t>
-            </a:r>
-          </a:p>
-          <a:p>
-            <a:pPr lvl="2">
-              <a:lnSpc>
-                <a:spcPct val="90000"/>
-              </a:lnSpc>
-              <a:buFont typeface="Wingdings" pitchFamily="2" charset="2"/>
-              <a:buChar char="Ø"/>
-            </a:pPr>
-            <a:r>
-              <a:rPr lang="en-US" sz="1400" i="1" dirty="0"/>
-              <a:t>NSW Ministry of Health and Coroner’s Court of Victoria</a:t>
-            </a:r>
-            <a:endParaRPr lang="en-AU" sz="1500" i="1" dirty="0"/>
-          </a:p>
-          <a:p>
-            <a:pPr lvl="2">
-              <a:lnSpc>
-                <a:spcPct val="90000"/>
-              </a:lnSpc>
-              <a:buFont typeface="Wingdings" pitchFamily="2" charset="2"/>
-              <a:buChar char="Ø"/>
-            </a:pPr>
-            <a:r>
-              <a:rPr lang="en-AU" sz="1500" i="1" dirty="0"/>
-              <a:t>World Health organisation</a:t>
-            </a:r>
-          </a:p>
-          <a:p>
-            <a:pPr marL="800100" lvl="1" indent="-342900">
-              <a:lnSpc>
-                <a:spcPct val="90000"/>
-              </a:lnSpc>
-              <a:buFont typeface="+mj-lt"/>
-              <a:buAutoNum type="arabicPeriod"/>
-            </a:pPr>
-            <a:r>
-              <a:rPr lang="en-AU" sz="1500" i="1" dirty="0"/>
-              <a:t>Preparing and Cleaning extracted data for the analysis </a:t>
-            </a:r>
-          </a:p>
-          <a:p>
-            <a:pPr marL="1200150" lvl="2" indent="-342900">
-              <a:lnSpc>
-                <a:spcPct val="90000"/>
-              </a:lnSpc>
-              <a:buFont typeface="Wingdings" pitchFamily="2" charset="2"/>
-              <a:buChar char="Ø"/>
-            </a:pPr>
-            <a:r>
-              <a:rPr lang="en-US" sz="1400" i="1" dirty="0"/>
-              <a:t>Trimming to remove report headers and comments</a:t>
-            </a:r>
-          </a:p>
-          <a:p>
-            <a:pPr marL="1200150" lvl="2" indent="-342900">
-              <a:lnSpc>
-                <a:spcPct val="90000"/>
-              </a:lnSpc>
-              <a:buFont typeface="Wingdings" pitchFamily="2" charset="2"/>
-              <a:buChar char="Ø"/>
-            </a:pPr>
-            <a:r>
-              <a:rPr lang="en-US" sz="1400" i="1" dirty="0"/>
-              <a:t>Formatting into usable time series (Yearly, Quarterly, Monthly, Weekly)</a:t>
-            </a:r>
-          </a:p>
-          <a:p>
-            <a:pPr marL="1200150" lvl="2" indent="-342900">
-              <a:lnSpc>
-                <a:spcPct val="90000"/>
-              </a:lnSpc>
-              <a:buFont typeface="Wingdings" pitchFamily="2" charset="2"/>
-              <a:buChar char="Ø"/>
-            </a:pPr>
-            <a:r>
-              <a:rPr lang="en-AU" sz="1300" i="1" dirty="0"/>
-              <a:t>Merging COVID-19 Infection cases and Key measures for correlation analysis</a:t>
-            </a:r>
-          </a:p>
-          <a:p>
-            <a:pPr marL="800100" lvl="1" indent="-342900">
-              <a:lnSpc>
-                <a:spcPct val="90000"/>
-              </a:lnSpc>
-              <a:buFont typeface="+mj-lt"/>
-              <a:buAutoNum type="arabicPeriod"/>
-            </a:pPr>
-            <a:r>
-              <a:rPr lang="en-AU" sz="1500" i="1" dirty="0"/>
-              <a:t>Analysing data for impacts of COVID-19 in key areas identified </a:t>
-            </a:r>
-          </a:p>
-          <a:p>
-            <a:pPr marL="800100" lvl="1" indent="-342900">
-              <a:lnSpc>
-                <a:spcPct val="90000"/>
-              </a:lnSpc>
-              <a:buFont typeface="+mj-lt"/>
-              <a:buAutoNum type="arabicPeriod"/>
-            </a:pPr>
-            <a:r>
-              <a:rPr lang="en-AU" sz="1500" i="1" dirty="0"/>
-              <a:t>Visualising our analysis and summarizing the findings </a:t>
-            </a:r>
-          </a:p>
-          <a:p>
-            <a:pPr marL="1200150" lvl="2" indent="-342900">
-              <a:lnSpc>
-                <a:spcPct val="90000"/>
-              </a:lnSpc>
-              <a:buFont typeface="Wingdings" pitchFamily="2" charset="2"/>
-              <a:buChar char="Ø"/>
-            </a:pPr>
-            <a:r>
-              <a:rPr lang="en-AU" sz="1300" i="1" dirty="0"/>
-              <a:t>Plotting charts/ graphs (Bar, Pie, Line, Scatter, Boxplot, Line Regression, Correlation tests) using Matplotlib libraries</a:t>
-            </a:r>
-            <a:endParaRPr lang="en-AU" sz="1500" i="1" dirty="0"/>
-          </a:p>
-          <a:p>
-            <a:pPr marL="0" lvl="0" indent="0">
-              <a:lnSpc>
-                <a:spcPct val="90000"/>
-              </a:lnSpc>
-              <a:buNone/>
-            </a:pPr>
-            <a:endParaRPr lang="en-AU" sz="1500" i="1" dirty="0"/>
-          </a:p>
-        </p:txBody>
-      </p:sp>
-    </p:spTree>
-    <p:extLst>
-      <p:ext uri="{BB962C8B-B14F-4D97-AF65-F5344CB8AC3E}">
-        <p14:creationId xmlns:p14="http://schemas.microsoft.com/office/powerpoint/2010/main" val="929128188"/>
-      </p:ext>
-    </p:extLst>
-  </p:cSld>
-  <p:clrMapOvr>
-    <a:masterClrMapping/>
-  </p:clrMapOvr>
-</p:sld>
-</file>
-
-<file path=ppt/slides/slide4.xml><?xml version="1.0" encoding="utf-8"?>
-<p:sld xmlns:a="http://schemas.openxmlformats.org/drawingml/2006/main" xmlns:r="http://schemas.openxmlformats.org/officeDocument/2006/relationships" xmlns:p="http://schemas.openxmlformats.org/presentationml/2006/main">
-  <p:cSld>
-    <p:bg>
-      <p:bgPr>
-        <a:solidFill>
-          <a:schemeClr val="bg1"/>
-        </a:solidFill>
-        <a:effectLst/>
-      </p:bgPr>
-    </p:bg>
-    <p:spTree>
-      <p:nvGrpSpPr>
-        <p:cNvPr id="1" name=""/>
-        <p:cNvGrpSpPr/>
-        <p:nvPr/>
-      </p:nvGrpSpPr>
-      <p:grpSpPr>
-        <a:xfrm>
-          <a:off x="0" y="0"/>
-          <a:ext cx="0" cy="0"/>
-          <a:chOff x="0" y="0"/>
-          <a:chExt cx="0" cy="0"/>
-        </a:xfrm>
-      </p:grpSpPr>
-      <p:sp>
-        <p:nvSpPr>
-          <p:cNvPr id="8" name="Rectangle 7">
-            <a:extLst>
-              <a:ext uri="{FF2B5EF4-FFF2-40B4-BE49-F238E27FC236}">
-                <a16:creationId xmlns:a16="http://schemas.microsoft.com/office/drawing/2014/main" id="{74CD14DB-BB81-479F-A1FC-1C75640E9F84}"/>
-              </a:ext>
-              <a:ext uri="{C183D7F6-B498-43B3-948B-1728B52AA6E4}">
-                <adec:decorative xmlns:adec="http://schemas.microsoft.com/office/drawing/2017/decorative" val="1"/>
-              </a:ext>
-            </a:extLst>
-          </p:cNvPr>
-          <p:cNvSpPr>
-            <a:spLocks noGrp="1" noRot="1" noChangeAspect="1" noMove="1" noResize="1" noEditPoints="1" noAdjustHandles="1" noChangeArrowheads="1" noChangeShapeType="1" noTextEdit="1"/>
-          </p:cNvSpPr>
-          <p:nvPr>
-            <p:extLst>
-              <p:ext uri="{386F3935-93C4-4BCD-93E2-E3B085C9AB24}">
-                <p16:designElem xmlns:p16="http://schemas.microsoft.com/office/powerpoint/2015/main" val="1"/>
-              </p:ext>
-            </p:extLst>
-          </p:nvPr>
-        </p:nvSpPr>
-        <p:spPr>
-          <a:xfrm>
-            <a:off x="0" y="0"/>
-            <a:ext cx="12192000" cy="6858000"/>
-          </a:xfrm>
-          <a:prstGeom prst="rect">
-            <a:avLst/>
-          </a:prstGeom>
-          <a:ln>
-            <a:noFill/>
-          </a:ln>
-        </p:spPr>
-        <p:style>
-          <a:lnRef idx="2">
-            <a:schemeClr val="accent1">
-              <a:shade val="50000"/>
-            </a:schemeClr>
-          </a:lnRef>
-          <a:fillRef idx="1003">
-            <a:schemeClr val="dk2"/>
-          </a:fillRef>
-          <a:effectRef idx="0">
-            <a:schemeClr val="accent1"/>
-          </a:effectRef>
-          <a:fontRef idx="minor">
-            <a:schemeClr val="lt1"/>
-          </a:fontRef>
-        </p:style>
-        <p:txBody>
-          <a:bodyPr rtlCol="0" anchor="ctr"/>
-          <a:lstStyle/>
-          <a:p>
-            <a:pPr marL="0" marR="0" lvl="0" indent="0" algn="ctr" defTabSz="914400" rtl="0" eaLnBrk="1" fontAlgn="auto" latinLnBrk="0" hangingPunct="1">
-              <a:lnSpc>
-                <a:spcPct val="100000"/>
-              </a:lnSpc>
-              <a:spcBef>
-                <a:spcPts val="0"/>
-              </a:spcBef>
-              <a:spcAft>
-                <a:spcPts val="0"/>
-              </a:spcAft>
-              <a:buClrTx/>
-              <a:buSzTx/>
-              <a:buFontTx/>
-              <a:buNone/>
-              <a:tabLst/>
-              <a:defRPr/>
-            </a:pPr>
-            <a:endParaRPr kumimoji="0" lang="en-US" sz="1800" b="0" i="0" u="none" strike="noStrike" kern="1200" cap="none" spc="0" normalizeH="0" baseline="0" noProof="0">
-              <a:ln>
-                <a:noFill/>
-              </a:ln>
-              <a:solidFill>
-                <a:prstClr val="white"/>
-              </a:solidFill>
-              <a:effectLst/>
-              <a:uLnTx/>
-              <a:uFillTx/>
-              <a:latin typeface="Century Gothic" panose="020B0502020202020204"/>
-              <a:ea typeface="+mn-ea"/>
-              <a:cs typeface="+mn-cs"/>
-            </a:endParaRPr>
-          </a:p>
-        </p:txBody>
-      </p:sp>
-      <p:sp>
-        <p:nvSpPr>
-          <p:cNvPr id="10" name="Rectangle 9">
-            <a:extLst>
-              <a:ext uri="{FF2B5EF4-FFF2-40B4-BE49-F238E27FC236}">
-                <a16:creationId xmlns:a16="http://schemas.microsoft.com/office/drawing/2014/main" id="{C943A91B-7CA7-4592-A975-73B1BF8C4C74}"/>
-              </a:ext>
-              <a:ext uri="{C183D7F6-B498-43B3-948B-1728B52AA6E4}">
-                <adec:decorative xmlns:adec="http://schemas.microsoft.com/office/drawing/2017/decorative" val="1"/>
-              </a:ext>
-            </a:extLst>
-          </p:cNvPr>
-          <p:cNvSpPr>
-            <a:spLocks noGrp="1" noRot="1" noChangeAspect="1" noMove="1" noResize="1" noEditPoints="1" noAdjustHandles="1" noChangeArrowheads="1" noChangeShapeType="1" noTextEdit="1"/>
-          </p:cNvSpPr>
-          <p:nvPr>
-            <p:extLst>
-              <p:ext uri="{386F3935-93C4-4BCD-93E2-E3B085C9AB24}">
-                <p16:designElem xmlns:p16="http://schemas.microsoft.com/office/powerpoint/2015/main" val="1"/>
-              </p:ext>
-            </p:extLst>
-          </p:nvPr>
-        </p:nvSpPr>
-        <p:spPr>
-          <a:xfrm>
-            <a:off x="10437812" y="0"/>
-            <a:ext cx="685800" cy="1143000"/>
-          </a:xfrm>
-          <a:prstGeom prst="rect">
-            <a:avLst/>
-          </a:prstGeom>
-          <a:solidFill>
-            <a:schemeClr val="accent1"/>
-          </a:solidFill>
-          <a:ln>
-            <a:noFill/>
-          </a:ln>
-        </p:spPr>
-        <p:style>
-          <a:lnRef idx="1">
-            <a:schemeClr val="accent1"/>
-          </a:lnRef>
-          <a:fillRef idx="3">
-            <a:schemeClr val="accent1"/>
-          </a:fillRef>
-          <a:effectRef idx="2">
-            <a:schemeClr val="accent1"/>
-          </a:effectRef>
-          <a:fontRef idx="minor">
-            <a:schemeClr val="lt1"/>
-          </a:fontRef>
-        </p:style>
-      </p:sp>
-      <p:sp>
-        <p:nvSpPr>
-          <p:cNvPr id="12" name="Freeform 7">
-            <a:extLst>
-              <a:ext uri="{FF2B5EF4-FFF2-40B4-BE49-F238E27FC236}">
-                <a16:creationId xmlns:a16="http://schemas.microsoft.com/office/drawing/2014/main" id="{EC471314-E46A-414B-8D91-74880E84F187}"/>
-              </a:ext>
-              <a:ext uri="{C183D7F6-B498-43B3-948B-1728B52AA6E4}">
-                <adec:decorative xmlns:adec="http://schemas.microsoft.com/office/drawing/2017/decorative" val="1"/>
-              </a:ext>
-            </a:extLst>
-          </p:cNvPr>
-          <p:cNvSpPr>
-            <a:spLocks noGrp="1" noRot="1" noChangeAspect="1" noMove="1" noResize="1" noEditPoints="1" noAdjustHandles="1" noChangeArrowheads="1" noChangeShapeType="1" noTextEdit="1"/>
-          </p:cNvSpPr>
-          <p:nvPr>
-            <p:extLst>
-              <p:ext uri="{386F3935-93C4-4BCD-93E2-E3B085C9AB24}">
-                <p16:designElem xmlns:p16="http://schemas.microsoft.com/office/powerpoint/2015/main" val="1"/>
-              </p:ext>
-            </p:extLst>
-          </p:nvPr>
-        </p:nvSpPr>
-        <p:spPr>
-          <a:xfrm>
-            <a:off x="8719939" y="1460230"/>
-            <a:ext cx="3472060" cy="825932"/>
-          </a:xfrm>
-          <a:custGeom>
-            <a:avLst/>
-            <a:gdLst>
-              <a:gd name="connsiteX0" fmla="*/ 3470310 w 3472060"/>
-              <a:gd name="connsiteY0" fmla="*/ 0 h 825932"/>
-              <a:gd name="connsiteX1" fmla="*/ 3472060 w 3472060"/>
-              <a:gd name="connsiteY1" fmla="*/ 12850 h 825932"/>
-              <a:gd name="connsiteX2" fmla="*/ 3472060 w 3472060"/>
-              <a:gd name="connsiteY2" fmla="*/ 480529 h 825932"/>
-              <a:gd name="connsiteX3" fmla="*/ 3363699 w 3472060"/>
-              <a:gd name="connsiteY3" fmla="*/ 498471 h 825932"/>
-              <a:gd name="connsiteX4" fmla="*/ 42060 w 3472060"/>
-              <a:gd name="connsiteY4" fmla="*/ 824486 h 825932"/>
-              <a:gd name="connsiteX5" fmla="*/ 0 w 3472060"/>
-              <a:gd name="connsiteY5" fmla="*/ 758452 h 825932"/>
-              <a:gd name="connsiteX6" fmla="*/ 188014 w 3472060"/>
-              <a:gd name="connsiteY6" fmla="*/ 735602 h 825932"/>
-              <a:gd name="connsiteX7" fmla="*/ 284087 w 3472060"/>
-              <a:gd name="connsiteY7" fmla="*/ 722590 h 825932"/>
-              <a:gd name="connsiteX8" fmla="*/ 382288 w 3472060"/>
-              <a:gd name="connsiteY8" fmla="*/ 709392 h 825932"/>
-              <a:gd name="connsiteX9" fmla="*/ 481858 w 3472060"/>
-              <a:gd name="connsiteY9" fmla="*/ 695774 h 825932"/>
-              <a:gd name="connsiteX10" fmla="*/ 581897 w 3472060"/>
-              <a:gd name="connsiteY10" fmla="*/ 680711 h 825932"/>
-              <a:gd name="connsiteX11" fmla="*/ 683670 w 3472060"/>
-              <a:gd name="connsiteY11" fmla="*/ 665256 h 825932"/>
-              <a:gd name="connsiteX12" fmla="*/ 787206 w 3472060"/>
-              <a:gd name="connsiteY12" fmla="*/ 649587 h 825932"/>
-              <a:gd name="connsiteX13" fmla="*/ 892019 w 3472060"/>
-              <a:gd name="connsiteY13" fmla="*/ 632968 h 825932"/>
-              <a:gd name="connsiteX14" fmla="*/ 997620 w 3472060"/>
-              <a:gd name="connsiteY14" fmla="*/ 614667 h 825932"/>
-              <a:gd name="connsiteX15" fmla="*/ 1104727 w 3472060"/>
-              <a:gd name="connsiteY15" fmla="*/ 596741 h 825932"/>
-              <a:gd name="connsiteX16" fmla="*/ 1212669 w 3472060"/>
-              <a:gd name="connsiteY16" fmla="*/ 577397 h 825932"/>
-              <a:gd name="connsiteX17" fmla="*/ 1321506 w 3472060"/>
-              <a:gd name="connsiteY17" fmla="*/ 556988 h 825932"/>
-              <a:gd name="connsiteX18" fmla="*/ 1430709 w 3472060"/>
-              <a:gd name="connsiteY18" fmla="*/ 536607 h 825932"/>
-              <a:gd name="connsiteX19" fmla="*/ 1541050 w 3472060"/>
-              <a:gd name="connsiteY19" fmla="*/ 514481 h 825932"/>
-              <a:gd name="connsiteX20" fmla="*/ 1652805 w 3472060"/>
-              <a:gd name="connsiteY20" fmla="*/ 492202 h 825932"/>
-              <a:gd name="connsiteX21" fmla="*/ 1763708 w 3472060"/>
-              <a:gd name="connsiteY21" fmla="*/ 469161 h 825932"/>
-              <a:gd name="connsiteX22" fmla="*/ 1875795 w 3472060"/>
-              <a:gd name="connsiteY22" fmla="*/ 444641 h 825932"/>
-              <a:gd name="connsiteX23" fmla="*/ 1989128 w 3472060"/>
-              <a:gd name="connsiteY23" fmla="*/ 418995 h 825932"/>
-              <a:gd name="connsiteX24" fmla="*/ 2102476 w 3472060"/>
-              <a:gd name="connsiteY24" fmla="*/ 393438 h 825932"/>
-              <a:gd name="connsiteX25" fmla="*/ 2215549 w 3472060"/>
-              <a:gd name="connsiteY25" fmla="*/ 366291 h 825932"/>
-              <a:gd name="connsiteX26" fmla="*/ 2330490 w 3472060"/>
-              <a:gd name="connsiteY26" fmla="*/ 337455 h 825932"/>
-              <a:gd name="connsiteX27" fmla="*/ 2443333 w 3472060"/>
-              <a:gd name="connsiteY27" fmla="*/ 308983 h 825932"/>
-              <a:gd name="connsiteX28" fmla="*/ 2558014 w 3472060"/>
-              <a:gd name="connsiteY28" fmla="*/ 278646 h 825932"/>
-              <a:gd name="connsiteX29" fmla="*/ 2673621 w 3472060"/>
-              <a:gd name="connsiteY29" fmla="*/ 247421 h 825932"/>
-              <a:gd name="connsiteX30" fmla="*/ 2787008 w 3472060"/>
-              <a:gd name="connsiteY30" fmla="*/ 215853 h 825932"/>
-              <a:gd name="connsiteX31" fmla="*/ 2901442 w 3472060"/>
-              <a:gd name="connsiteY31" fmla="*/ 182011 h 825932"/>
-              <a:gd name="connsiteX32" fmla="*/ 3015722 w 3472060"/>
-              <a:gd name="connsiteY32" fmla="*/ 147286 h 825932"/>
-              <a:gd name="connsiteX33" fmla="*/ 3130018 w 3472060"/>
-              <a:gd name="connsiteY33" fmla="*/ 112649 h 825932"/>
-              <a:gd name="connsiteX34" fmla="*/ 3243551 w 3472060"/>
-              <a:gd name="connsiteY34" fmla="*/ 75688 h 825932"/>
-              <a:gd name="connsiteX35" fmla="*/ 3356992 w 3472060"/>
-              <a:gd name="connsiteY35" fmla="*/ 38197 h 825932"/>
-              <a:gd name="connsiteX36" fmla="*/ 3470310 w 3472060"/>
-              <a:gd name="connsiteY36" fmla="*/ 0 h 825932"/>
-            </a:gdLst>
-            <a:ahLst/>
-            <a:cxnLst>
-              <a:cxn ang="0">
-                <a:pos x="connsiteX0" y="connsiteY0"/>
-              </a:cxn>
-              <a:cxn ang="0">
-                <a:pos x="connsiteX1" y="connsiteY1"/>
-              </a:cxn>
-              <a:cxn ang="0">
-                <a:pos x="connsiteX2" y="connsiteY2"/>
-              </a:cxn>
-              <a:cxn ang="0">
-                <a:pos x="connsiteX3" y="connsiteY3"/>
-              </a:cxn>
-              <a:cxn ang="0">
-                <a:pos x="connsiteX4" y="connsiteY4"/>
-              </a:cxn>
-              <a:cxn ang="0">
-                <a:pos x="connsiteX5" y="connsiteY5"/>
-              </a:cxn>
-              <a:cxn ang="0">
-                <a:pos x="connsiteX6" y="connsiteY6"/>
-              </a:cxn>
-              <a:cxn ang="0">
-                <a:pos x="connsiteX7" y="connsiteY7"/>
-              </a:cxn>
-              <a:cxn ang="0">
-                <a:pos x="connsiteX8" y="connsiteY8"/>
-              </a:cxn>
-              <a:cxn ang="0">
-                <a:pos x="connsiteX9" y="connsiteY9"/>
-              </a:cxn>
-              <a:cxn ang="0">
-                <a:pos x="connsiteX10" y="connsiteY10"/>
-              </a:cxn>
-              <a:cxn ang="0">
-                <a:pos x="connsiteX11" y="connsiteY11"/>
-              </a:cxn>
-              <a:cxn ang="0">
-                <a:pos x="connsiteX12" y="connsiteY12"/>
-              </a:cxn>
-              <a:cxn ang="0">
-                <a:pos x="connsiteX13" y="connsiteY13"/>
-              </a:cxn>
-              <a:cxn ang="0">
-                <a:pos x="connsiteX14" y="connsiteY14"/>
-              </a:cxn>
-              <a:cxn ang="0">
-                <a:pos x="connsiteX15" y="connsiteY15"/>
-              </a:cxn>
-              <a:cxn ang="0">
-                <a:pos x="connsiteX16" y="connsiteY16"/>
-              </a:cxn>
-              <a:cxn ang="0">
-                <a:pos x="connsiteX17" y="connsiteY17"/>
-              </a:cxn>
-              <a:cxn ang="0">
-                <a:pos x="connsiteX18" y="connsiteY18"/>
-              </a:cxn>
-              <a:cxn ang="0">
-                <a:pos x="connsiteX19" y="connsiteY19"/>
-              </a:cxn>
-              <a:cxn ang="0">
-                <a:pos x="connsiteX20" y="connsiteY20"/>
-              </a:cxn>
-              <a:cxn ang="0">
-                <a:pos x="connsiteX21" y="connsiteY21"/>
-              </a:cxn>
-              <a:cxn ang="0">
-                <a:pos x="connsiteX22" y="connsiteY22"/>
-              </a:cxn>
-              <a:cxn ang="0">
-                <a:pos x="connsiteX23" y="connsiteY23"/>
-              </a:cxn>
-              <a:cxn ang="0">
-                <a:pos x="connsiteX24" y="connsiteY24"/>
-              </a:cxn>
-              <a:cxn ang="0">
-                <a:pos x="connsiteX25" y="connsiteY25"/>
-              </a:cxn>
-              <a:cxn ang="0">
-                <a:pos x="connsiteX26" y="connsiteY26"/>
-              </a:cxn>
-              <a:cxn ang="0">
-                <a:pos x="connsiteX27" y="connsiteY27"/>
-              </a:cxn>
-              <a:cxn ang="0">
-                <a:pos x="connsiteX28" y="connsiteY28"/>
-              </a:cxn>
-              <a:cxn ang="0">
-                <a:pos x="connsiteX29" y="connsiteY29"/>
-              </a:cxn>
-              <a:cxn ang="0">
-                <a:pos x="connsiteX30" y="connsiteY30"/>
-              </a:cxn>
-              <a:cxn ang="0">
-                <a:pos x="connsiteX31" y="connsiteY31"/>
-              </a:cxn>
-              <a:cxn ang="0">
-                <a:pos x="connsiteX32" y="connsiteY32"/>
-              </a:cxn>
-              <a:cxn ang="0">
-                <a:pos x="connsiteX33" y="connsiteY33"/>
-              </a:cxn>
-              <a:cxn ang="0">
-                <a:pos x="connsiteX34" y="connsiteY34"/>
-              </a:cxn>
-              <a:cxn ang="0">
-                <a:pos x="connsiteX35" y="connsiteY35"/>
-              </a:cxn>
-              <a:cxn ang="0">
-                <a:pos x="connsiteX36" y="connsiteY36"/>
-              </a:cxn>
-            </a:cxnLst>
-            <a:rect l="l" t="t" r="r" b="b"/>
-            <a:pathLst>
-              <a:path w="3472060" h="825932">
-                <a:moveTo>
-                  <a:pt x="3470310" y="0"/>
-                </a:moveTo>
-                <a:lnTo>
-                  <a:pt x="3472060" y="12850"/>
-                </a:lnTo>
-                <a:lnTo>
-                  <a:pt x="3472060" y="480529"/>
-                </a:lnTo>
-                <a:lnTo>
-                  <a:pt x="3363699" y="498471"/>
-                </a:lnTo>
-                <a:cubicBezTo>
-                  <a:pt x="2435623" y="645518"/>
-                  <a:pt x="603076" y="844866"/>
-                  <a:pt x="42060" y="824486"/>
-                </a:cubicBezTo>
-                <a:cubicBezTo>
-                  <a:pt x="28151" y="802425"/>
-                  <a:pt x="13909" y="780513"/>
-                  <a:pt x="0" y="758452"/>
-                </a:cubicBezTo>
-                <a:lnTo>
-                  <a:pt x="188014" y="735602"/>
-                </a:lnTo>
-                <a:lnTo>
-                  <a:pt x="284087" y="722590"/>
-                </a:lnTo>
-                <a:lnTo>
-                  <a:pt x="382288" y="709392"/>
-                </a:lnTo>
-                <a:lnTo>
-                  <a:pt x="481858" y="695774"/>
-                </a:lnTo>
-                <a:lnTo>
-                  <a:pt x="581897" y="680711"/>
-                </a:lnTo>
-                <a:lnTo>
-                  <a:pt x="683670" y="665256"/>
-                </a:lnTo>
-                <a:lnTo>
-                  <a:pt x="787206" y="649587"/>
-                </a:lnTo>
-                <a:lnTo>
-                  <a:pt x="892019" y="632968"/>
-                </a:lnTo>
-                <a:lnTo>
-                  <a:pt x="997620" y="614667"/>
-                </a:lnTo>
-                <a:lnTo>
-                  <a:pt x="1104727" y="596741"/>
-                </a:lnTo>
-                <a:lnTo>
-                  <a:pt x="1212669" y="577397"/>
-                </a:lnTo>
-                <a:lnTo>
-                  <a:pt x="1321506" y="556988"/>
-                </a:lnTo>
-                <a:lnTo>
-                  <a:pt x="1430709" y="536607"/>
-                </a:lnTo>
-                <a:lnTo>
-                  <a:pt x="1541050" y="514481"/>
-                </a:lnTo>
-                <a:lnTo>
-                  <a:pt x="1652805" y="492202"/>
-                </a:lnTo>
-                <a:lnTo>
-                  <a:pt x="1763708" y="469161"/>
-                </a:lnTo>
-                <a:lnTo>
-                  <a:pt x="1875795" y="444641"/>
-                </a:lnTo>
-                <a:lnTo>
-                  <a:pt x="1989128" y="418995"/>
-                </a:lnTo>
-                <a:lnTo>
-                  <a:pt x="2102476" y="393438"/>
-                </a:lnTo>
-                <a:lnTo>
-                  <a:pt x="2215549" y="366291"/>
-                </a:lnTo>
-                <a:lnTo>
-                  <a:pt x="2330490" y="337455"/>
-                </a:lnTo>
-                <a:lnTo>
-                  <a:pt x="2443333" y="308983"/>
-                </a:lnTo>
-                <a:lnTo>
-                  <a:pt x="2558014" y="278646"/>
-                </a:lnTo>
-                <a:lnTo>
-                  <a:pt x="2673621" y="247421"/>
-                </a:lnTo>
-                <a:lnTo>
-                  <a:pt x="2787008" y="215853"/>
-                </a:lnTo>
-                <a:lnTo>
-                  <a:pt x="2901442" y="182011"/>
-                </a:lnTo>
-                <a:lnTo>
-                  <a:pt x="3015722" y="147286"/>
-                </a:lnTo>
-                <a:lnTo>
-                  <a:pt x="3130018" y="112649"/>
-                </a:lnTo>
-                <a:lnTo>
-                  <a:pt x="3243551" y="75688"/>
-                </a:lnTo>
-                <a:lnTo>
-                  <a:pt x="3356992" y="38197"/>
-                </a:lnTo>
-                <a:lnTo>
-                  <a:pt x="3470310" y="0"/>
-                </a:lnTo>
-                <a:close/>
-              </a:path>
-            </a:pathLst>
-          </a:custGeom>
-          <a:solidFill>
-            <a:schemeClr val="bg1">
-              <a:alpha val="20000"/>
-            </a:schemeClr>
-          </a:solidFill>
-          <a:ln>
-            <a:noFill/>
-          </a:ln>
-        </p:spPr>
-        <p:txBody>
-          <a:bodyPr rtlCol="0" anchor="ctr"/>
-          <a:lstStyle/>
-          <a:p>
-            <a:pPr marL="0" marR="0" lvl="0" indent="0" algn="ctr" defTabSz="914400" rtl="0" eaLnBrk="1" fontAlgn="auto" latinLnBrk="0" hangingPunct="1">
-              <a:lnSpc>
-                <a:spcPct val="100000"/>
-              </a:lnSpc>
-              <a:spcBef>
-                <a:spcPts val="0"/>
-              </a:spcBef>
-              <a:spcAft>
-                <a:spcPts val="0"/>
-              </a:spcAft>
-              <a:buClrTx/>
-              <a:buSzTx/>
-              <a:buFontTx/>
-              <a:buNone/>
-              <a:tabLst/>
-              <a:defRPr/>
-            </a:pPr>
-            <a:endParaRPr kumimoji="0" lang="en-US" sz="1800" b="0" i="0" u="none" strike="noStrike" kern="1200" cap="none" spc="0" normalizeH="0" baseline="0" noProof="0">
-              <a:ln>
-                <a:noFill/>
-              </a:ln>
-              <a:solidFill>
-                <a:prstClr val="black"/>
-              </a:solidFill>
-              <a:effectLst/>
-              <a:uLnTx/>
-              <a:uFillTx/>
-              <a:latin typeface="Century Gothic" panose="020B0502020202020204"/>
-              <a:ea typeface="+mn-ea"/>
-              <a:cs typeface="+mn-cs"/>
-            </a:endParaRPr>
-          </a:p>
-        </p:txBody>
-      </p:sp>
-      <p:sp useBgFill="1">
-        <p:nvSpPr>
-          <p:cNvPr id="14" name="Freeform: Shape 13">
-            <a:extLst>
-              <a:ext uri="{FF2B5EF4-FFF2-40B4-BE49-F238E27FC236}">
-                <a16:creationId xmlns:a16="http://schemas.microsoft.com/office/drawing/2014/main" id="{6A681326-1C9D-44A3-A627-3871BDAE4127}"/>
-              </a:ext>
-              <a:ext uri="{C183D7F6-B498-43B3-948B-1728B52AA6E4}">
-                <adec:decorative xmlns:adec="http://schemas.microsoft.com/office/drawing/2017/decorative" val="1"/>
-              </a:ext>
-            </a:extLst>
-          </p:cNvPr>
-          <p:cNvSpPr>
-            <a:spLocks noGrp="1" noRot="1" noChangeAspect="1" noMove="1" noResize="1" noEditPoints="1" noAdjustHandles="1" noChangeArrowheads="1" noChangeShapeType="1" noTextEdit="1"/>
-          </p:cNvSpPr>
-          <p:nvPr>
-            <p:extLst>
-              <p:ext uri="{386F3935-93C4-4BCD-93E2-E3B085C9AB24}">
-                <p16:designElem xmlns:p16="http://schemas.microsoft.com/office/powerpoint/2015/main" val="1"/>
-              </p:ext>
-            </p:extLst>
-          </p:nvPr>
-        </p:nvSpPr>
-        <p:spPr bwMode="gray">
-          <a:xfrm>
-            <a:off x="1" y="1762067"/>
-            <a:ext cx="12192417" cy="5095933"/>
-          </a:xfrm>
-          <a:custGeom>
-            <a:avLst/>
-            <a:gdLst>
-              <a:gd name="connsiteX0" fmla="*/ 0 w 12192417"/>
-              <a:gd name="connsiteY0" fmla="*/ 0 h 5095933"/>
-              <a:gd name="connsiteX1" fmla="*/ 71931 w 12192417"/>
-              <a:gd name="connsiteY1" fmla="*/ 12261 h 5095933"/>
-              <a:gd name="connsiteX2" fmla="*/ 282848 w 12192417"/>
-              <a:gd name="connsiteY2" fmla="*/ 48343 h 5095933"/>
-              <a:gd name="connsiteX3" fmla="*/ 436463 w 12192417"/>
-              <a:gd name="connsiteY3" fmla="*/ 73565 h 5095933"/>
-              <a:gd name="connsiteX4" fmla="*/ 619338 w 12192417"/>
-              <a:gd name="connsiteY4" fmla="*/ 100188 h 5095933"/>
-              <a:gd name="connsiteX5" fmla="*/ 836350 w 12192417"/>
-              <a:gd name="connsiteY5" fmla="*/ 132066 h 5095933"/>
-              <a:gd name="connsiteX6" fmla="*/ 1076527 w 12192417"/>
-              <a:gd name="connsiteY6" fmla="*/ 165696 h 5095933"/>
-              <a:gd name="connsiteX7" fmla="*/ 1347183 w 12192417"/>
-              <a:gd name="connsiteY7" fmla="*/ 201077 h 5095933"/>
-              <a:gd name="connsiteX8" fmla="*/ 1642222 w 12192417"/>
-              <a:gd name="connsiteY8" fmla="*/ 238560 h 5095933"/>
-              <a:gd name="connsiteX9" fmla="*/ 1962863 w 12192417"/>
-              <a:gd name="connsiteY9" fmla="*/ 276043 h 5095933"/>
-              <a:gd name="connsiteX10" fmla="*/ 2304231 w 12192417"/>
-              <a:gd name="connsiteY10" fmla="*/ 314227 h 5095933"/>
-              <a:gd name="connsiteX11" fmla="*/ 2672420 w 12192417"/>
-              <a:gd name="connsiteY11" fmla="*/ 349608 h 5095933"/>
-              <a:gd name="connsiteX12" fmla="*/ 3057677 w 12192417"/>
-              <a:gd name="connsiteY12" fmla="*/ 383588 h 5095933"/>
-              <a:gd name="connsiteX13" fmla="*/ 3464880 w 12192417"/>
-              <a:gd name="connsiteY13" fmla="*/ 414415 h 5095933"/>
-              <a:gd name="connsiteX14" fmla="*/ 3889151 w 12192417"/>
-              <a:gd name="connsiteY14" fmla="*/ 443841 h 5095933"/>
-              <a:gd name="connsiteX15" fmla="*/ 4331709 w 12192417"/>
-              <a:gd name="connsiteY15" fmla="*/ 471515 h 5095933"/>
-              <a:gd name="connsiteX16" fmla="*/ 4558475 w 12192417"/>
-              <a:gd name="connsiteY16" fmla="*/ 481324 h 5095933"/>
-              <a:gd name="connsiteX17" fmla="*/ 4790117 w 12192417"/>
-              <a:gd name="connsiteY17" fmla="*/ 492183 h 5095933"/>
-              <a:gd name="connsiteX18" fmla="*/ 5025417 w 12192417"/>
-              <a:gd name="connsiteY18" fmla="*/ 502342 h 5095933"/>
-              <a:gd name="connsiteX19" fmla="*/ 5261936 w 12192417"/>
-              <a:gd name="connsiteY19" fmla="*/ 508998 h 5095933"/>
-              <a:gd name="connsiteX20" fmla="*/ 5503331 w 12192417"/>
-              <a:gd name="connsiteY20" fmla="*/ 514953 h 5095933"/>
-              <a:gd name="connsiteX21" fmla="*/ 5747166 w 12192417"/>
-              <a:gd name="connsiteY21" fmla="*/ 521259 h 5095933"/>
-              <a:gd name="connsiteX22" fmla="*/ 5995876 w 12192417"/>
-              <a:gd name="connsiteY22" fmla="*/ 525463 h 5095933"/>
-              <a:gd name="connsiteX23" fmla="*/ 6247025 w 12192417"/>
-              <a:gd name="connsiteY23" fmla="*/ 525463 h 5095933"/>
-              <a:gd name="connsiteX24" fmla="*/ 6500612 w 12192417"/>
-              <a:gd name="connsiteY24" fmla="*/ 527565 h 5095933"/>
-              <a:gd name="connsiteX25" fmla="*/ 6756638 w 12192417"/>
-              <a:gd name="connsiteY25" fmla="*/ 525463 h 5095933"/>
-              <a:gd name="connsiteX26" fmla="*/ 7016321 w 12192417"/>
-              <a:gd name="connsiteY26" fmla="*/ 521259 h 5095933"/>
-              <a:gd name="connsiteX27" fmla="*/ 7276004 w 12192417"/>
-              <a:gd name="connsiteY27" fmla="*/ 517406 h 5095933"/>
-              <a:gd name="connsiteX28" fmla="*/ 7539344 w 12192417"/>
-              <a:gd name="connsiteY28" fmla="*/ 508998 h 5095933"/>
-              <a:gd name="connsiteX29" fmla="*/ 7805123 w 12192417"/>
-              <a:gd name="connsiteY29" fmla="*/ 500241 h 5095933"/>
-              <a:gd name="connsiteX30" fmla="*/ 8070902 w 12192417"/>
-              <a:gd name="connsiteY30" fmla="*/ 490082 h 5095933"/>
-              <a:gd name="connsiteX31" fmla="*/ 8339120 w 12192417"/>
-              <a:gd name="connsiteY31" fmla="*/ 475719 h 5095933"/>
-              <a:gd name="connsiteX32" fmla="*/ 8609775 w 12192417"/>
-              <a:gd name="connsiteY32" fmla="*/ 458554 h 5095933"/>
-              <a:gd name="connsiteX33" fmla="*/ 8881650 w 12192417"/>
-              <a:gd name="connsiteY33" fmla="*/ 442089 h 5095933"/>
-              <a:gd name="connsiteX34" fmla="*/ 9153525 w 12192417"/>
-              <a:gd name="connsiteY34" fmla="*/ 421071 h 5095933"/>
-              <a:gd name="connsiteX35" fmla="*/ 9429057 w 12192417"/>
-              <a:gd name="connsiteY35" fmla="*/ 395849 h 5095933"/>
-              <a:gd name="connsiteX36" fmla="*/ 9700932 w 12192417"/>
-              <a:gd name="connsiteY36" fmla="*/ 370626 h 5095933"/>
-              <a:gd name="connsiteX37" fmla="*/ 9977683 w 12192417"/>
-              <a:gd name="connsiteY37" fmla="*/ 341551 h 5095933"/>
-              <a:gd name="connsiteX38" fmla="*/ 10255654 w 12192417"/>
-              <a:gd name="connsiteY38" fmla="*/ 309673 h 5095933"/>
-              <a:gd name="connsiteX39" fmla="*/ 10529967 w 12192417"/>
-              <a:gd name="connsiteY39" fmla="*/ 276043 h 5095933"/>
-              <a:gd name="connsiteX40" fmla="*/ 10807938 w 12192417"/>
-              <a:gd name="connsiteY40" fmla="*/ 236809 h 5095933"/>
-              <a:gd name="connsiteX41" fmla="*/ 11084689 w 12192417"/>
-              <a:gd name="connsiteY41" fmla="*/ 194772 h 5095933"/>
-              <a:gd name="connsiteX42" fmla="*/ 11362660 w 12192417"/>
-              <a:gd name="connsiteY42" fmla="*/ 153085 h 5095933"/>
-              <a:gd name="connsiteX43" fmla="*/ 11639411 w 12192417"/>
-              <a:gd name="connsiteY43" fmla="*/ 104392 h 5095933"/>
-              <a:gd name="connsiteX44" fmla="*/ 11914944 w 12192417"/>
-              <a:gd name="connsiteY44" fmla="*/ 54648 h 5095933"/>
-              <a:gd name="connsiteX45" fmla="*/ 12191695 w 12192417"/>
-              <a:gd name="connsiteY45" fmla="*/ 2452 h 5095933"/>
-              <a:gd name="connsiteX46" fmla="*/ 12191695 w 12192417"/>
-              <a:gd name="connsiteY46" fmla="*/ 2162231 h 5095933"/>
-              <a:gd name="connsiteX47" fmla="*/ 12192417 w 12192417"/>
-              <a:gd name="connsiteY47" fmla="*/ 2162231 h 5095933"/>
-              <a:gd name="connsiteX48" fmla="*/ 12192417 w 12192417"/>
-              <a:gd name="connsiteY48" fmla="*/ 5095933 h 5095933"/>
-              <a:gd name="connsiteX49" fmla="*/ 0 w 12192417"/>
-              <a:gd name="connsiteY49" fmla="*/ 5095933 h 5095933"/>
-              <a:gd name="connsiteX50" fmla="*/ 0 w 12192417"/>
-              <a:gd name="connsiteY50" fmla="*/ 2791958 h 5095933"/>
-              <a:gd name="connsiteX51" fmla="*/ 0 w 12192417"/>
-              <a:gd name="connsiteY51" fmla="*/ 2162231 h 5095933"/>
-            </a:gdLst>
-            <a:ahLst/>
-            <a:cxnLst>
-              <a:cxn ang="0">
-                <a:pos x="connsiteX0" y="connsiteY0"/>
-              </a:cxn>
-              <a:cxn ang="0">
-                <a:pos x="connsiteX1" y="connsiteY1"/>
-              </a:cxn>
-              <a:cxn ang="0">
-                <a:pos x="connsiteX2" y="connsiteY2"/>
-              </a:cxn>
-              <a:cxn ang="0">
-                <a:pos x="connsiteX3" y="connsiteY3"/>
-              </a:cxn>
-              <a:cxn ang="0">
-                <a:pos x="connsiteX4" y="connsiteY4"/>
-              </a:cxn>
-              <a:cxn ang="0">
-                <a:pos x="connsiteX5" y="connsiteY5"/>
-              </a:cxn>
-              <a:cxn ang="0">
-                <a:pos x="connsiteX6" y="connsiteY6"/>
-              </a:cxn>
-              <a:cxn ang="0">
-                <a:pos x="connsiteX7" y="connsiteY7"/>
-              </a:cxn>
-              <a:cxn ang="0">
-                <a:pos x="connsiteX8" y="connsiteY8"/>
-              </a:cxn>
-              <a:cxn ang="0">
-                <a:pos x="connsiteX9" y="connsiteY9"/>
-              </a:cxn>
-              <a:cxn ang="0">
-                <a:pos x="connsiteX10" y="connsiteY10"/>
-              </a:cxn>
-              <a:cxn ang="0">
-                <a:pos x="connsiteX11" y="connsiteY11"/>
-              </a:cxn>
-              <a:cxn ang="0">
-                <a:pos x="connsiteX12" y="connsiteY12"/>
-              </a:cxn>
-              <a:cxn ang="0">
-                <a:pos x="connsiteX13" y="connsiteY13"/>
-              </a:cxn>
-              <a:cxn ang="0">
-                <a:pos x="connsiteX14" y="connsiteY14"/>
-              </a:cxn>
-              <a:cxn ang="0">
-                <a:pos x="connsiteX15" y="connsiteY15"/>
-              </a:cxn>
-              <a:cxn ang="0">
-                <a:pos x="connsiteX16" y="connsiteY16"/>
-              </a:cxn>
-              <a:cxn ang="0">
-                <a:pos x="connsiteX17" y="connsiteY17"/>
-              </a:cxn>
-              <a:cxn ang="0">
-                <a:pos x="connsiteX18" y="connsiteY18"/>
-              </a:cxn>
-              <a:cxn ang="0">
-                <a:pos x="connsiteX19" y="connsiteY19"/>
-              </a:cxn>
-              <a:cxn ang="0">
-                <a:pos x="connsiteX20" y="connsiteY20"/>
-              </a:cxn>
-              <a:cxn ang="0">
-                <a:pos x="connsiteX21" y="connsiteY21"/>
-              </a:cxn>
-              <a:cxn ang="0">
-                <a:pos x="connsiteX22" y="connsiteY22"/>
-              </a:cxn>
-              <a:cxn ang="0">
-                <a:pos x="connsiteX23" y="connsiteY23"/>
-              </a:cxn>
-              <a:cxn ang="0">
-                <a:pos x="connsiteX24" y="connsiteY24"/>
-              </a:cxn>
-              <a:cxn ang="0">
-                <a:pos x="connsiteX25" y="connsiteY25"/>
-              </a:cxn>
-              <a:cxn ang="0">
-                <a:pos x="connsiteX26" y="connsiteY26"/>
-              </a:cxn>
-              <a:cxn ang="0">
-                <a:pos x="connsiteX27" y="connsiteY27"/>
-              </a:cxn>
-              <a:cxn ang="0">
-                <a:pos x="connsiteX28" y="connsiteY28"/>
-              </a:cxn>
-              <a:cxn ang="0">
-                <a:pos x="connsiteX29" y="connsiteY29"/>
-              </a:cxn>
-              <a:cxn ang="0">
-                <a:pos x="connsiteX30" y="connsiteY30"/>
-              </a:cxn>
-              <a:cxn ang="0">
-                <a:pos x="connsiteX31" y="connsiteY31"/>
-              </a:cxn>
-              <a:cxn ang="0">
-                <a:pos x="connsiteX32" y="connsiteY32"/>
-              </a:cxn>
-              <a:cxn ang="0">
-                <a:pos x="connsiteX33" y="connsiteY33"/>
-              </a:cxn>
-              <a:cxn ang="0">
-                <a:pos x="connsiteX34" y="connsiteY34"/>
-              </a:cxn>
-              <a:cxn ang="0">
-                <a:pos x="connsiteX35" y="connsiteY35"/>
-              </a:cxn>
-              <a:cxn ang="0">
-                <a:pos x="connsiteX36" y="connsiteY36"/>
-              </a:cxn>
-              <a:cxn ang="0">
-                <a:pos x="connsiteX37" y="connsiteY37"/>
-              </a:cxn>
-              <a:cxn ang="0">
-                <a:pos x="connsiteX38" y="connsiteY38"/>
-              </a:cxn>
-              <a:cxn ang="0">
-                <a:pos x="connsiteX39" y="connsiteY39"/>
-              </a:cxn>
-              <a:cxn ang="0">
-                <a:pos x="connsiteX40" y="connsiteY40"/>
-              </a:cxn>
-              <a:cxn ang="0">
-                <a:pos x="connsiteX41" y="connsiteY41"/>
-              </a:cxn>
-              <a:cxn ang="0">
-                <a:pos x="connsiteX42" y="connsiteY42"/>
-              </a:cxn>
-              <a:cxn ang="0">
-                <a:pos x="connsiteX43" y="connsiteY43"/>
-              </a:cxn>
-              <a:cxn ang="0">
-                <a:pos x="connsiteX44" y="connsiteY44"/>
-              </a:cxn>
-              <a:cxn ang="0">
-                <a:pos x="connsiteX45" y="connsiteY45"/>
-              </a:cxn>
-              <a:cxn ang="0">
-                <a:pos x="connsiteX46" y="connsiteY46"/>
-              </a:cxn>
-              <a:cxn ang="0">
-                <a:pos x="connsiteX47" y="connsiteY47"/>
-              </a:cxn>
-              <a:cxn ang="0">
-                <a:pos x="connsiteX48" y="connsiteY48"/>
-              </a:cxn>
-              <a:cxn ang="0">
-                <a:pos x="connsiteX49" y="connsiteY49"/>
-              </a:cxn>
-              <a:cxn ang="0">
-                <a:pos x="connsiteX50" y="connsiteY50"/>
-              </a:cxn>
-              <a:cxn ang="0">
-                <a:pos x="connsiteX51" y="connsiteY51"/>
-              </a:cxn>
-            </a:cxnLst>
-            <a:rect l="l" t="t" r="r" b="b"/>
-            <a:pathLst>
-              <a:path w="12192417" h="5095933">
-                <a:moveTo>
-                  <a:pt x="0" y="0"/>
-                </a:moveTo>
-                <a:lnTo>
-                  <a:pt x="71931" y="12261"/>
-                </a:lnTo>
-                <a:lnTo>
-                  <a:pt x="282848" y="48343"/>
-                </a:lnTo>
-                <a:lnTo>
-                  <a:pt x="436463" y="73565"/>
-                </a:lnTo>
-                <a:lnTo>
-                  <a:pt x="619338" y="100188"/>
-                </a:lnTo>
-                <a:lnTo>
-                  <a:pt x="836350" y="132066"/>
-                </a:lnTo>
-                <a:lnTo>
-                  <a:pt x="1076527" y="165696"/>
-                </a:lnTo>
-                <a:lnTo>
-                  <a:pt x="1347183" y="201077"/>
-                </a:lnTo>
-                <a:lnTo>
-                  <a:pt x="1642222" y="238560"/>
-                </a:lnTo>
-                <a:lnTo>
-                  <a:pt x="1962863" y="276043"/>
-                </a:lnTo>
-                <a:lnTo>
-                  <a:pt x="2304231" y="314227"/>
-                </a:lnTo>
-                <a:lnTo>
-                  <a:pt x="2672420" y="349608"/>
-                </a:lnTo>
-                <a:lnTo>
-                  <a:pt x="3057677" y="383588"/>
-                </a:lnTo>
-                <a:lnTo>
-                  <a:pt x="3464880" y="414415"/>
-                </a:lnTo>
-                <a:lnTo>
-                  <a:pt x="3889151" y="443841"/>
-                </a:lnTo>
-                <a:lnTo>
-                  <a:pt x="4331709" y="471515"/>
-                </a:lnTo>
-                <a:lnTo>
-                  <a:pt x="4558475" y="481324"/>
-                </a:lnTo>
-                <a:lnTo>
-                  <a:pt x="4790117" y="492183"/>
-                </a:lnTo>
-                <a:lnTo>
-                  <a:pt x="5025417" y="502342"/>
-                </a:lnTo>
-                <a:lnTo>
-                  <a:pt x="5261936" y="508998"/>
-                </a:lnTo>
-                <a:lnTo>
-                  <a:pt x="5503331" y="514953"/>
-                </a:lnTo>
-                <a:lnTo>
-                  <a:pt x="5747166" y="521259"/>
-                </a:lnTo>
-                <a:lnTo>
-                  <a:pt x="5995876" y="525463"/>
-                </a:lnTo>
-                <a:lnTo>
-                  <a:pt x="6247025" y="525463"/>
-                </a:lnTo>
-                <a:lnTo>
-                  <a:pt x="6500612" y="527565"/>
-                </a:lnTo>
-                <a:lnTo>
-                  <a:pt x="6756638" y="525463"/>
-                </a:lnTo>
-                <a:lnTo>
-                  <a:pt x="7016321" y="521259"/>
-                </a:lnTo>
-                <a:lnTo>
-                  <a:pt x="7276004" y="517406"/>
-                </a:lnTo>
-                <a:lnTo>
-                  <a:pt x="7539344" y="508998"/>
-                </a:lnTo>
-                <a:lnTo>
-                  <a:pt x="7805123" y="500241"/>
-                </a:lnTo>
-                <a:lnTo>
-                  <a:pt x="8070902" y="490082"/>
-                </a:lnTo>
-                <a:lnTo>
-                  <a:pt x="8339120" y="475719"/>
-                </a:lnTo>
-                <a:lnTo>
-                  <a:pt x="8609775" y="458554"/>
-                </a:lnTo>
-                <a:lnTo>
-                  <a:pt x="8881650" y="442089"/>
-                </a:lnTo>
-                <a:lnTo>
-                  <a:pt x="9153525" y="421071"/>
-                </a:lnTo>
-                <a:lnTo>
-                  <a:pt x="9429057" y="395849"/>
-                </a:lnTo>
-                <a:lnTo>
-                  <a:pt x="9700932" y="370626"/>
-                </a:lnTo>
-                <a:lnTo>
-                  <a:pt x="9977683" y="341551"/>
-                </a:lnTo>
-                <a:lnTo>
-                  <a:pt x="10255654" y="309673"/>
-                </a:lnTo>
-                <a:lnTo>
-                  <a:pt x="10529967" y="276043"/>
-                </a:lnTo>
-                <a:lnTo>
-                  <a:pt x="10807938" y="236809"/>
-                </a:lnTo>
-                <a:lnTo>
-                  <a:pt x="11084689" y="194772"/>
-                </a:lnTo>
-                <a:lnTo>
-                  <a:pt x="11362660" y="153085"/>
-                </a:lnTo>
-                <a:lnTo>
-                  <a:pt x="11639411" y="104392"/>
-                </a:lnTo>
-                <a:lnTo>
-                  <a:pt x="11914944" y="54648"/>
-                </a:lnTo>
-                <a:lnTo>
-                  <a:pt x="12191695" y="2452"/>
-                </a:lnTo>
-                <a:lnTo>
-                  <a:pt x="12191695" y="2162231"/>
-                </a:lnTo>
-                <a:lnTo>
-                  <a:pt x="12192417" y="2162231"/>
-                </a:lnTo>
-                <a:lnTo>
-                  <a:pt x="12192417" y="5095933"/>
-                </a:lnTo>
-                <a:lnTo>
-                  <a:pt x="0" y="5095933"/>
-                </a:lnTo>
-                <a:lnTo>
-                  <a:pt x="0" y="2791958"/>
-                </a:lnTo>
-                <a:lnTo>
-                  <a:pt x="0" y="2162231"/>
-                </a:lnTo>
-                <a:close/>
-              </a:path>
-            </a:pathLst>
-          </a:custGeom>
-          <a:ln>
-            <a:noFill/>
-          </a:ln>
-        </p:spPr>
-      </p:sp>
-      <p:sp>
-        <p:nvSpPr>
-          <p:cNvPr id="2" name="Title 1">
-            <a:extLst>
-              <a:ext uri="{FF2B5EF4-FFF2-40B4-BE49-F238E27FC236}">
-                <a16:creationId xmlns:a16="http://schemas.microsoft.com/office/drawing/2014/main" id="{8911CFD5-9654-D045-85AC-FBFD588CD53A}"/>
-              </a:ext>
-            </a:extLst>
-          </p:cNvPr>
-          <p:cNvSpPr>
-            <a:spLocks noGrp="1"/>
-          </p:cNvSpPr>
-          <p:nvPr>
-            <p:ph type="title"/>
-          </p:nvPr>
-        </p:nvSpPr>
-        <p:spPr>
-          <a:xfrm>
-            <a:off x="751562" y="452718"/>
+            <a:off x="569270" y="432914"/>
             <a:ext cx="9299272" cy="1400530"/>
           </a:xfrm>
         </p:spPr>
@@ -8837,15 +10453,30 @@
         </p:nvSpPr>
         <p:spPr>
           <a:xfrm>
-            <a:off x="125261" y="2286162"/>
-            <a:ext cx="11887200" cy="4119120"/>
+            <a:off x="300789" y="2286162"/>
+            <a:ext cx="11466095" cy="4119120"/>
           </a:xfrm>
         </p:spPr>
         <p:txBody>
           <a:bodyPr>
-            <a:normAutofit fontScale="92500" lnSpcReduction="10000"/>
+            <a:normAutofit lnSpcReduction="10000"/>
           </a:bodyPr>
           <a:lstStyle/>
+          <a:p>
+            <a:pPr marL="457200" lvl="1" indent="0">
+              <a:lnSpc>
+                <a:spcPct val="90000"/>
+              </a:lnSpc>
+              <a:buClr>
+                <a:schemeClr val="tx1"/>
+              </a:buClr>
+              <a:buNone/>
+            </a:pPr>
+            <a:r>
+              <a:rPr lang="en-US" b="1" dirty="0"/>
+              <a:t>We expected to see an overall change and possible impacts in the following due to the pandemic. </a:t>
+            </a:r>
+          </a:p>
           <a:p>
             <a:pPr lvl="1">
               <a:lnSpc>
@@ -8858,8 +10489,12 @@
               <a:buChar char="Ø"/>
             </a:pPr>
             <a:r>
-              <a:rPr lang="en-US" dirty="0"/>
-              <a:t>We expected to see an overall change in the following due to the pandemic. </a:t>
+              <a:rPr lang="en-US" sz="2000" b="1" dirty="0"/>
+              <a:t>Health</a:t>
+            </a:r>
+            <a:r>
+              <a:rPr lang="en-US" sz="2000" dirty="0"/>
+              <a:t>: </a:t>
             </a:r>
           </a:p>
           <a:p>
@@ -8874,62 +10509,9 @@
               <a:buChar char="Ø"/>
             </a:pPr>
             <a:r>
-              <a:rPr lang="en-US" sz="1800" b="1" dirty="0"/>
-              <a:t>Health</a:t>
-            </a:r>
-            <a:r>
-              <a:rPr lang="en-US" sz="1800" dirty="0"/>
-              <a:t>: </a:t>
-            </a:r>
-          </a:p>
-          <a:p>
-            <a:pPr lvl="3">
-              <a:lnSpc>
-                <a:spcPct val="90000"/>
-              </a:lnSpc>
-              <a:buClr>
-                <a:schemeClr val="tx1"/>
-              </a:buClr>
-              <a:buFont typeface="Wingdings" pitchFamily="2" charset="2"/>
-              <a:buChar char="Ø"/>
-            </a:pPr>
-            <a:r>
-              <a:rPr lang="en-US" dirty="0"/>
+              <a:rPr lang="en-US" i="1" dirty="0"/>
               <a:t>Increased reported cases of suicides, </a:t>
             </a:r>
-          </a:p>
-          <a:p>
-            <a:pPr lvl="3">
-              <a:lnSpc>
-                <a:spcPct val="90000"/>
-              </a:lnSpc>
-              <a:buClr>
-                <a:schemeClr val="tx1"/>
-              </a:buClr>
-              <a:buFont typeface="Wingdings" pitchFamily="2" charset="2"/>
-              <a:buChar char="Ø"/>
-            </a:pPr>
-            <a:r>
-              <a:rPr lang="en-US" dirty="0"/>
-              <a:t>Increased use of crisis hotlines and </a:t>
-            </a:r>
-          </a:p>
-          <a:p>
-            <a:pPr lvl="3">
-              <a:lnSpc>
-                <a:spcPct val="90000"/>
-              </a:lnSpc>
-              <a:buClr>
-                <a:schemeClr val="tx1"/>
-              </a:buClr>
-              <a:buFont typeface="Wingdings" pitchFamily="2" charset="2"/>
-              <a:buChar char="Ø"/>
-            </a:pPr>
-            <a:r>
-              <a:rPr lang="en-US" dirty="0"/>
-              <a:t>Increase in deaths</a:t>
-            </a:r>
-            <a:endParaRPr lang="en-US" sz="1800" dirty="0"/>
           </a:p>
           <a:p>
             <a:pPr lvl="2">
@@ -8943,30 +10525,9 @@
               <a:buChar char="Ø"/>
             </a:pPr>
             <a:r>
-              <a:rPr lang="en-US" sz="1800" b="1" dirty="0"/>
-              <a:t>Unemployment</a:t>
-            </a:r>
-            <a:r>
-              <a:rPr lang="en-US" sz="1800" dirty="0"/>
-              <a:t>:  </a:t>
-            </a:r>
-          </a:p>
-          <a:p>
-            <a:pPr lvl="3">
-              <a:lnSpc>
-                <a:spcPct val="90000"/>
-              </a:lnSpc>
-              <a:buClr>
-                <a:schemeClr val="tx1"/>
-              </a:buClr>
-              <a:buFont typeface="Wingdings" pitchFamily="2" charset="2"/>
-              <a:buChar char="Ø"/>
-            </a:pPr>
-            <a:r>
-              <a:rPr lang="en-US" dirty="0"/>
-              <a:t>Increased unemployment rates, including youth unemployment rate</a:t>
-            </a:r>
-            <a:endParaRPr lang="en-US" sz="1800" dirty="0"/>
+              <a:rPr lang="en-US" i="1" dirty="0"/>
+              <a:t>Increased use of crisis hotlines and </a:t>
+            </a:r>
           </a:p>
           <a:p>
             <a:pPr lvl="2">
@@ -8980,27 +10541,29 @@
               <a:buChar char="Ø"/>
             </a:pPr>
             <a:r>
-              <a:rPr lang="en-US" sz="1800" b="1" dirty="0"/>
-              <a:t>International trade</a:t>
-            </a:r>
-            <a:r>
-              <a:rPr lang="en-US" sz="1800" dirty="0"/>
-              <a:t>:  </a:t>
-            </a:r>
-          </a:p>
-          <a:p>
-            <a:pPr marL="914400" lvl="2" indent="0">
+              <a:rPr lang="en-US" i="1" dirty="0"/>
+              <a:t>Increase in deaths</a:t>
+            </a:r>
+            <a:endParaRPr lang="en-US" sz="2000" i="1" dirty="0"/>
+          </a:p>
+          <a:p>
+            <a:pPr lvl="1">
               <a:lnSpc>
                 <a:spcPct val="90000"/>
               </a:lnSpc>
               <a:buClr>
                 <a:schemeClr val="tx1"/>
               </a:buClr>
-              <a:buNone/>
+              <a:buFont typeface="Wingdings" pitchFamily="2" charset="2"/>
+              <a:buChar char="Ø"/>
             </a:pPr>
             <a:r>
-              <a:rPr lang="en-US" sz="1800" dirty="0"/>
-              <a:t>	</a:t>
+              <a:rPr lang="en-US" sz="2000" b="1" dirty="0"/>
+              <a:t>Unemployment</a:t>
+            </a:r>
+            <a:r>
+              <a:rPr lang="en-US" sz="2000" dirty="0"/>
+              <a:t>:  </a:t>
             </a:r>
           </a:p>
           <a:p>
@@ -9015,11 +10578,31 @@
               <a:buChar char="Ø"/>
             </a:pPr>
             <a:r>
-              <a:rPr lang="en-US" sz="1800" b="1" dirty="0"/>
+              <a:rPr lang="en-US" i="1" dirty="0"/>
+              <a:t>Increased unemployment rates, including youth unemployment rate</a:t>
+            </a:r>
+            <a:r>
+              <a:rPr lang="en-US" sz="2000" dirty="0"/>
+              <a:t>	</a:t>
+            </a:r>
+          </a:p>
+          <a:p>
+            <a:pPr lvl="1">
+              <a:lnSpc>
+                <a:spcPct val="90000"/>
+              </a:lnSpc>
+              <a:buClr>
+                <a:schemeClr val="tx1"/>
+              </a:buClr>
+              <a:buFont typeface="Wingdings" pitchFamily="2" charset="2"/>
+              <a:buChar char="Ø"/>
+            </a:pPr>
+            <a:r>
+              <a:rPr lang="en-US" sz="2000" b="1" dirty="0"/>
               <a:t>Business/ Economy</a:t>
             </a:r>
             <a:r>
-              <a:rPr lang="en-US" sz="1800" dirty="0"/>
+              <a:rPr lang="en-US" sz="2000" dirty="0"/>
               <a:t>:  </a:t>
             </a:r>
           </a:p>
@@ -9032,7 +10615,7 @@
               <a:buChar char="Ø"/>
             </a:pPr>
             <a:r>
-              <a:rPr lang="en-AU" dirty="0"/>
+              <a:rPr lang="en-AU" i="1" dirty="0"/>
               <a:t>Declined GDP and supply chain measures</a:t>
             </a:r>
           </a:p>
@@ -9045,11 +10628,11 @@
               <a:buChar char="Ø"/>
             </a:pPr>
             <a:r>
-              <a:rPr lang="en-AU" sz="1400" dirty="0"/>
+              <a:rPr lang="en-AU" sz="1400" i="1" dirty="0"/>
               <a:t>Negative impact to Australian d</a:t>
             </a:r>
             <a:r>
-              <a:rPr lang="en-AU" dirty="0"/>
+              <a:rPr lang="en-AU" i="1" dirty="0"/>
               <a:t>ollar trade-weighted Index </a:t>
             </a:r>
           </a:p>
@@ -9062,7 +10645,7 @@
               <a:buChar char="Ø"/>
             </a:pPr>
             <a:r>
-              <a:rPr lang="en-AU" dirty="0"/>
+              <a:rPr lang="en-AU" i="1" dirty="0"/>
               <a:t>Decrease in Company Gross Operating Profits </a:t>
             </a:r>
           </a:p>
@@ -9111,9 +10694,25 @@
   <p:cSld>
     <p:bg>
       <p:bgPr>
-        <a:solidFill>
-          <a:schemeClr val="bg1"/>
-        </a:solidFill>
+        <a:blipFill rotWithShape="1">
+          <a:blip r:embed="rId2">
+            <a:duotone>
+              <a:schemeClr val="bg2">
+                <a:shade val="69000"/>
+                <a:hueMod val="108000"/>
+                <a:satMod val="164000"/>
+                <a:lumMod val="74000"/>
+              </a:schemeClr>
+              <a:schemeClr val="bg2">
+                <a:tint val="96000"/>
+                <a:hueMod val="88000"/>
+                <a:satMod val="140000"/>
+                <a:lumMod val="132000"/>
+              </a:schemeClr>
+            </a:duotone>
+          </a:blip>
+          <a:stretch/>
+        </a:blipFill>
         <a:effectLst/>
       </p:bgPr>
     </p:bg>
@@ -9133,483 +10732,6 @@
       </p:grpSpPr>
       <p:sp>
         <p:nvSpPr>
-          <p:cNvPr id="20" name="Rectangle 11">
-            <a:extLst>
-              <a:ext uri="{FF2B5EF4-FFF2-40B4-BE49-F238E27FC236}">
-                <a16:creationId xmlns:a16="http://schemas.microsoft.com/office/drawing/2014/main" id="{EE4E366E-272A-409E-840F-9A6A64A9E3FF}"/>
-              </a:ext>
-              <a:ext uri="{C183D7F6-B498-43B3-948B-1728B52AA6E4}">
-                <adec:decorative xmlns:adec="http://schemas.microsoft.com/office/drawing/2017/decorative" val="1"/>
-              </a:ext>
-            </a:extLst>
-          </p:cNvPr>
-          <p:cNvSpPr>
-            <a:spLocks noGrp="1" noRot="1" noChangeAspect="1" noMove="1" noResize="1" noEditPoints="1" noAdjustHandles="1" noChangeArrowheads="1" noChangeShapeType="1" noTextEdit="1"/>
-          </p:cNvSpPr>
-          <p:nvPr>
-            <p:extLst>
-              <p:ext uri="{386F3935-93C4-4BCD-93E2-E3B085C9AB24}">
-                <p16:designElem xmlns:p16="http://schemas.microsoft.com/office/powerpoint/2015/main" val="1"/>
-              </p:ext>
-            </p:extLst>
-          </p:nvPr>
-        </p:nvSpPr>
-        <p:spPr>
-          <a:xfrm>
-            <a:off x="0" y="0"/>
-            <a:ext cx="12192000" cy="6858000"/>
-          </a:xfrm>
-          <a:prstGeom prst="rect">
-            <a:avLst/>
-          </a:prstGeom>
-          <a:ln>
-            <a:noFill/>
-          </a:ln>
-        </p:spPr>
-        <p:style>
-          <a:lnRef idx="2">
-            <a:schemeClr val="accent1">
-              <a:shade val="50000"/>
-            </a:schemeClr>
-          </a:lnRef>
-          <a:fillRef idx="1003">
-            <a:schemeClr val="dk2"/>
-          </a:fillRef>
-          <a:effectRef idx="0">
-            <a:schemeClr val="accent1"/>
-          </a:effectRef>
-          <a:fontRef idx="minor">
-            <a:schemeClr val="lt1"/>
-          </a:fontRef>
-        </p:style>
-        <p:txBody>
-          <a:bodyPr rtlCol="0" anchor="ctr"/>
-          <a:lstStyle/>
-          <a:p>
-            <a:pPr algn="ctr"/>
-            <a:endParaRPr lang="en-US"/>
-          </a:p>
-        </p:txBody>
-      </p:sp>
-      <p:sp>
-        <p:nvSpPr>
-          <p:cNvPr id="21" name="Rectangle 13">
-            <a:extLst>
-              <a:ext uri="{FF2B5EF4-FFF2-40B4-BE49-F238E27FC236}">
-                <a16:creationId xmlns:a16="http://schemas.microsoft.com/office/drawing/2014/main" id="{A721560C-E4AB-4287-A29C-3F6916794CB9}"/>
-              </a:ext>
-              <a:ext uri="{C183D7F6-B498-43B3-948B-1728B52AA6E4}">
-                <adec:decorative xmlns:adec="http://schemas.microsoft.com/office/drawing/2017/decorative" val="1"/>
-              </a:ext>
-            </a:extLst>
-          </p:cNvPr>
-          <p:cNvSpPr>
-            <a:spLocks noGrp="1" noRot="1" noChangeAspect="1" noMove="1" noResize="1" noEditPoints="1" noAdjustHandles="1" noChangeArrowheads="1" noChangeShapeType="1" noTextEdit="1"/>
-          </p:cNvSpPr>
-          <p:nvPr>
-            <p:extLst>
-              <p:ext uri="{386F3935-93C4-4BCD-93E2-E3B085C9AB24}">
-                <p16:designElem xmlns:p16="http://schemas.microsoft.com/office/powerpoint/2015/main" val="1"/>
-              </p:ext>
-            </p:extLst>
-          </p:nvPr>
-        </p:nvSpPr>
-        <p:spPr>
-          <a:xfrm>
-            <a:off x="10442448" y="0"/>
-            <a:ext cx="685800" cy="1143000"/>
-          </a:xfrm>
-          <a:prstGeom prst="rect">
-            <a:avLst/>
-          </a:prstGeom>
-          <a:solidFill>
-            <a:schemeClr val="accent1"/>
-          </a:solidFill>
-          <a:ln>
-            <a:noFill/>
-          </a:ln>
-        </p:spPr>
-        <p:style>
-          <a:lnRef idx="1">
-            <a:schemeClr val="accent1"/>
-          </a:lnRef>
-          <a:fillRef idx="3">
-            <a:schemeClr val="accent1"/>
-          </a:fillRef>
-          <a:effectRef idx="2">
-            <a:schemeClr val="accent1"/>
-          </a:effectRef>
-          <a:fontRef idx="minor">
-            <a:schemeClr val="lt1"/>
-          </a:fontRef>
-        </p:style>
-      </p:sp>
-      <p:sp>
-        <p:nvSpPr>
-          <p:cNvPr id="22" name="Freeform 7">
-            <a:extLst>
-              <a:ext uri="{FF2B5EF4-FFF2-40B4-BE49-F238E27FC236}">
-                <a16:creationId xmlns:a16="http://schemas.microsoft.com/office/drawing/2014/main" id="{DF6CFF07-D953-4F9C-9A0E-E0A6AACB6158}"/>
-              </a:ext>
-              <a:ext uri="{C183D7F6-B498-43B3-948B-1728B52AA6E4}">
-                <adec:decorative xmlns:adec="http://schemas.microsoft.com/office/drawing/2017/decorative" val="1"/>
-              </a:ext>
-            </a:extLst>
-          </p:cNvPr>
-          <p:cNvSpPr>
-            <a:spLocks noGrp="1" noRot="1" noChangeAspect="1" noMove="1" noResize="1" noEditPoints="1" noAdjustHandles="1" noChangeArrowheads="1" noChangeShapeType="1" noTextEdit="1"/>
-          </p:cNvSpPr>
-          <p:nvPr>
-            <p:extLst>
-              <p:ext uri="{386F3935-93C4-4BCD-93E2-E3B085C9AB24}">
-                <p16:designElem xmlns:p16="http://schemas.microsoft.com/office/powerpoint/2015/main" val="1"/>
-              </p:ext>
-            </p:extLst>
-          </p:nvPr>
-        </p:nvSpPr>
-        <p:spPr>
-          <a:xfrm>
-            <a:off x="8719939" y="1460230"/>
-            <a:ext cx="3472060" cy="825932"/>
-          </a:xfrm>
-          <a:custGeom>
-            <a:avLst/>
-            <a:gdLst>
-              <a:gd name="connsiteX0" fmla="*/ 3470310 w 3472060"/>
-              <a:gd name="connsiteY0" fmla="*/ 0 h 825932"/>
-              <a:gd name="connsiteX1" fmla="*/ 3472060 w 3472060"/>
-              <a:gd name="connsiteY1" fmla="*/ 12850 h 825932"/>
-              <a:gd name="connsiteX2" fmla="*/ 3472060 w 3472060"/>
-              <a:gd name="connsiteY2" fmla="*/ 480529 h 825932"/>
-              <a:gd name="connsiteX3" fmla="*/ 3363699 w 3472060"/>
-              <a:gd name="connsiteY3" fmla="*/ 498471 h 825932"/>
-              <a:gd name="connsiteX4" fmla="*/ 42060 w 3472060"/>
-              <a:gd name="connsiteY4" fmla="*/ 824486 h 825932"/>
-              <a:gd name="connsiteX5" fmla="*/ 0 w 3472060"/>
-              <a:gd name="connsiteY5" fmla="*/ 758452 h 825932"/>
-              <a:gd name="connsiteX6" fmla="*/ 188014 w 3472060"/>
-              <a:gd name="connsiteY6" fmla="*/ 735602 h 825932"/>
-              <a:gd name="connsiteX7" fmla="*/ 284087 w 3472060"/>
-              <a:gd name="connsiteY7" fmla="*/ 722590 h 825932"/>
-              <a:gd name="connsiteX8" fmla="*/ 382288 w 3472060"/>
-              <a:gd name="connsiteY8" fmla="*/ 709392 h 825932"/>
-              <a:gd name="connsiteX9" fmla="*/ 481858 w 3472060"/>
-              <a:gd name="connsiteY9" fmla="*/ 695774 h 825932"/>
-              <a:gd name="connsiteX10" fmla="*/ 581897 w 3472060"/>
-              <a:gd name="connsiteY10" fmla="*/ 680711 h 825932"/>
-              <a:gd name="connsiteX11" fmla="*/ 683670 w 3472060"/>
-              <a:gd name="connsiteY11" fmla="*/ 665256 h 825932"/>
-              <a:gd name="connsiteX12" fmla="*/ 787206 w 3472060"/>
-              <a:gd name="connsiteY12" fmla="*/ 649587 h 825932"/>
-              <a:gd name="connsiteX13" fmla="*/ 892019 w 3472060"/>
-              <a:gd name="connsiteY13" fmla="*/ 632968 h 825932"/>
-              <a:gd name="connsiteX14" fmla="*/ 997620 w 3472060"/>
-              <a:gd name="connsiteY14" fmla="*/ 614667 h 825932"/>
-              <a:gd name="connsiteX15" fmla="*/ 1104727 w 3472060"/>
-              <a:gd name="connsiteY15" fmla="*/ 596741 h 825932"/>
-              <a:gd name="connsiteX16" fmla="*/ 1212669 w 3472060"/>
-              <a:gd name="connsiteY16" fmla="*/ 577397 h 825932"/>
-              <a:gd name="connsiteX17" fmla="*/ 1321506 w 3472060"/>
-              <a:gd name="connsiteY17" fmla="*/ 556988 h 825932"/>
-              <a:gd name="connsiteX18" fmla="*/ 1430709 w 3472060"/>
-              <a:gd name="connsiteY18" fmla="*/ 536607 h 825932"/>
-              <a:gd name="connsiteX19" fmla="*/ 1541050 w 3472060"/>
-              <a:gd name="connsiteY19" fmla="*/ 514481 h 825932"/>
-              <a:gd name="connsiteX20" fmla="*/ 1652805 w 3472060"/>
-              <a:gd name="connsiteY20" fmla="*/ 492202 h 825932"/>
-              <a:gd name="connsiteX21" fmla="*/ 1763708 w 3472060"/>
-              <a:gd name="connsiteY21" fmla="*/ 469161 h 825932"/>
-              <a:gd name="connsiteX22" fmla="*/ 1875795 w 3472060"/>
-              <a:gd name="connsiteY22" fmla="*/ 444641 h 825932"/>
-              <a:gd name="connsiteX23" fmla="*/ 1989128 w 3472060"/>
-              <a:gd name="connsiteY23" fmla="*/ 418995 h 825932"/>
-              <a:gd name="connsiteX24" fmla="*/ 2102476 w 3472060"/>
-              <a:gd name="connsiteY24" fmla="*/ 393438 h 825932"/>
-              <a:gd name="connsiteX25" fmla="*/ 2215549 w 3472060"/>
-              <a:gd name="connsiteY25" fmla="*/ 366291 h 825932"/>
-              <a:gd name="connsiteX26" fmla="*/ 2330490 w 3472060"/>
-              <a:gd name="connsiteY26" fmla="*/ 337455 h 825932"/>
-              <a:gd name="connsiteX27" fmla="*/ 2443333 w 3472060"/>
-              <a:gd name="connsiteY27" fmla="*/ 308983 h 825932"/>
-              <a:gd name="connsiteX28" fmla="*/ 2558014 w 3472060"/>
-              <a:gd name="connsiteY28" fmla="*/ 278646 h 825932"/>
-              <a:gd name="connsiteX29" fmla="*/ 2673621 w 3472060"/>
-              <a:gd name="connsiteY29" fmla="*/ 247421 h 825932"/>
-              <a:gd name="connsiteX30" fmla="*/ 2787008 w 3472060"/>
-              <a:gd name="connsiteY30" fmla="*/ 215853 h 825932"/>
-              <a:gd name="connsiteX31" fmla="*/ 2901442 w 3472060"/>
-              <a:gd name="connsiteY31" fmla="*/ 182011 h 825932"/>
-              <a:gd name="connsiteX32" fmla="*/ 3015722 w 3472060"/>
-              <a:gd name="connsiteY32" fmla="*/ 147286 h 825932"/>
-              <a:gd name="connsiteX33" fmla="*/ 3130018 w 3472060"/>
-              <a:gd name="connsiteY33" fmla="*/ 112649 h 825932"/>
-              <a:gd name="connsiteX34" fmla="*/ 3243551 w 3472060"/>
-              <a:gd name="connsiteY34" fmla="*/ 75688 h 825932"/>
-              <a:gd name="connsiteX35" fmla="*/ 3356992 w 3472060"/>
-              <a:gd name="connsiteY35" fmla="*/ 38197 h 825932"/>
-              <a:gd name="connsiteX36" fmla="*/ 3470310 w 3472060"/>
-              <a:gd name="connsiteY36" fmla="*/ 0 h 825932"/>
-            </a:gdLst>
-            <a:ahLst/>
-            <a:cxnLst>
-              <a:cxn ang="0">
-                <a:pos x="connsiteX0" y="connsiteY0"/>
-              </a:cxn>
-              <a:cxn ang="0">
-                <a:pos x="connsiteX1" y="connsiteY1"/>
-              </a:cxn>
-              <a:cxn ang="0">
-                <a:pos x="connsiteX2" y="connsiteY2"/>
-              </a:cxn>
-              <a:cxn ang="0">
-                <a:pos x="connsiteX3" y="connsiteY3"/>
-              </a:cxn>
-              <a:cxn ang="0">
-                <a:pos x="connsiteX4" y="connsiteY4"/>
-              </a:cxn>
-              <a:cxn ang="0">
-                <a:pos x="connsiteX5" y="connsiteY5"/>
-              </a:cxn>
-              <a:cxn ang="0">
-                <a:pos x="connsiteX6" y="connsiteY6"/>
-              </a:cxn>
-              <a:cxn ang="0">
-                <a:pos x="connsiteX7" y="connsiteY7"/>
-              </a:cxn>
-              <a:cxn ang="0">
-                <a:pos x="connsiteX8" y="connsiteY8"/>
-              </a:cxn>
-              <a:cxn ang="0">
-                <a:pos x="connsiteX9" y="connsiteY9"/>
-              </a:cxn>
-              <a:cxn ang="0">
-                <a:pos x="connsiteX10" y="connsiteY10"/>
-              </a:cxn>
-              <a:cxn ang="0">
-                <a:pos x="connsiteX11" y="connsiteY11"/>
-              </a:cxn>
-              <a:cxn ang="0">
-                <a:pos x="connsiteX12" y="connsiteY12"/>
-              </a:cxn>
-              <a:cxn ang="0">
-                <a:pos x="connsiteX13" y="connsiteY13"/>
-              </a:cxn>
-              <a:cxn ang="0">
-                <a:pos x="connsiteX14" y="connsiteY14"/>
-              </a:cxn>
-              <a:cxn ang="0">
-                <a:pos x="connsiteX15" y="connsiteY15"/>
-              </a:cxn>
-              <a:cxn ang="0">
-                <a:pos x="connsiteX16" y="connsiteY16"/>
-              </a:cxn>
-              <a:cxn ang="0">
-                <a:pos x="connsiteX17" y="connsiteY17"/>
-              </a:cxn>
-              <a:cxn ang="0">
-                <a:pos x="connsiteX18" y="connsiteY18"/>
-              </a:cxn>
-              <a:cxn ang="0">
-                <a:pos x="connsiteX19" y="connsiteY19"/>
-              </a:cxn>
-              <a:cxn ang="0">
-                <a:pos x="connsiteX20" y="connsiteY20"/>
-              </a:cxn>
-              <a:cxn ang="0">
-                <a:pos x="connsiteX21" y="connsiteY21"/>
-              </a:cxn>
-              <a:cxn ang="0">
-                <a:pos x="connsiteX22" y="connsiteY22"/>
-              </a:cxn>
-              <a:cxn ang="0">
-                <a:pos x="connsiteX23" y="connsiteY23"/>
-              </a:cxn>
-              <a:cxn ang="0">
-                <a:pos x="connsiteX24" y="connsiteY24"/>
-              </a:cxn>
-              <a:cxn ang="0">
-                <a:pos x="connsiteX25" y="connsiteY25"/>
-              </a:cxn>
-              <a:cxn ang="0">
-                <a:pos x="connsiteX26" y="connsiteY26"/>
-              </a:cxn>
-              <a:cxn ang="0">
-                <a:pos x="connsiteX27" y="connsiteY27"/>
-              </a:cxn>
-              <a:cxn ang="0">
-                <a:pos x="connsiteX28" y="connsiteY28"/>
-              </a:cxn>
-              <a:cxn ang="0">
-                <a:pos x="connsiteX29" y="connsiteY29"/>
-              </a:cxn>
-              <a:cxn ang="0">
-                <a:pos x="connsiteX30" y="connsiteY30"/>
-              </a:cxn>
-              <a:cxn ang="0">
-                <a:pos x="connsiteX31" y="connsiteY31"/>
-              </a:cxn>
-              <a:cxn ang="0">
-                <a:pos x="connsiteX32" y="connsiteY32"/>
-              </a:cxn>
-              <a:cxn ang="0">
-                <a:pos x="connsiteX33" y="connsiteY33"/>
-              </a:cxn>
-              <a:cxn ang="0">
-                <a:pos x="connsiteX34" y="connsiteY34"/>
-              </a:cxn>
-              <a:cxn ang="0">
-                <a:pos x="connsiteX35" y="connsiteY35"/>
-              </a:cxn>
-              <a:cxn ang="0">
-                <a:pos x="connsiteX36" y="connsiteY36"/>
-              </a:cxn>
-            </a:cxnLst>
-            <a:rect l="l" t="t" r="r" b="b"/>
-            <a:pathLst>
-              <a:path w="3472060" h="825932">
-                <a:moveTo>
-                  <a:pt x="3470310" y="0"/>
-                </a:moveTo>
-                <a:lnTo>
-                  <a:pt x="3472060" y="12850"/>
-                </a:lnTo>
-                <a:lnTo>
-                  <a:pt x="3472060" y="480529"/>
-                </a:lnTo>
-                <a:lnTo>
-                  <a:pt x="3363699" y="498471"/>
-                </a:lnTo>
-                <a:cubicBezTo>
-                  <a:pt x="2435623" y="645518"/>
-                  <a:pt x="603076" y="844866"/>
-                  <a:pt x="42060" y="824486"/>
-                </a:cubicBezTo>
-                <a:cubicBezTo>
-                  <a:pt x="28151" y="802425"/>
-                  <a:pt x="13909" y="780513"/>
-                  <a:pt x="0" y="758452"/>
-                </a:cubicBezTo>
-                <a:lnTo>
-                  <a:pt x="188014" y="735602"/>
-                </a:lnTo>
-                <a:lnTo>
-                  <a:pt x="284087" y="722590"/>
-                </a:lnTo>
-                <a:lnTo>
-                  <a:pt x="382288" y="709392"/>
-                </a:lnTo>
-                <a:lnTo>
-                  <a:pt x="481858" y="695774"/>
-                </a:lnTo>
-                <a:lnTo>
-                  <a:pt x="581897" y="680711"/>
-                </a:lnTo>
-                <a:lnTo>
-                  <a:pt x="683670" y="665256"/>
-                </a:lnTo>
-                <a:lnTo>
-                  <a:pt x="787206" y="649587"/>
-                </a:lnTo>
-                <a:lnTo>
-                  <a:pt x="892019" y="632968"/>
-                </a:lnTo>
-                <a:lnTo>
-                  <a:pt x="997620" y="614667"/>
-                </a:lnTo>
-                <a:lnTo>
-                  <a:pt x="1104727" y="596741"/>
-                </a:lnTo>
-                <a:lnTo>
-                  <a:pt x="1212669" y="577397"/>
-                </a:lnTo>
-                <a:lnTo>
-                  <a:pt x="1321506" y="556988"/>
-                </a:lnTo>
-                <a:lnTo>
-                  <a:pt x="1430709" y="536607"/>
-                </a:lnTo>
-                <a:lnTo>
-                  <a:pt x="1541050" y="514481"/>
-                </a:lnTo>
-                <a:lnTo>
-                  <a:pt x="1652805" y="492202"/>
-                </a:lnTo>
-                <a:lnTo>
-                  <a:pt x="1763708" y="469161"/>
-                </a:lnTo>
-                <a:lnTo>
-                  <a:pt x="1875795" y="444641"/>
-                </a:lnTo>
-                <a:lnTo>
-                  <a:pt x="1989128" y="418995"/>
-                </a:lnTo>
-                <a:lnTo>
-                  <a:pt x="2102476" y="393438"/>
-                </a:lnTo>
-                <a:lnTo>
-                  <a:pt x="2215549" y="366291"/>
-                </a:lnTo>
-                <a:lnTo>
-                  <a:pt x="2330490" y="337455"/>
-                </a:lnTo>
-                <a:lnTo>
-                  <a:pt x="2443333" y="308983"/>
-                </a:lnTo>
-                <a:lnTo>
-                  <a:pt x="2558014" y="278646"/>
-                </a:lnTo>
-                <a:lnTo>
-                  <a:pt x="2673621" y="247421"/>
-                </a:lnTo>
-                <a:lnTo>
-                  <a:pt x="2787008" y="215853"/>
-                </a:lnTo>
-                <a:lnTo>
-                  <a:pt x="2901442" y="182011"/>
-                </a:lnTo>
-                <a:lnTo>
-                  <a:pt x="3015722" y="147286"/>
-                </a:lnTo>
-                <a:lnTo>
-                  <a:pt x="3130018" y="112649"/>
-                </a:lnTo>
-                <a:lnTo>
-                  <a:pt x="3243551" y="75688"/>
-                </a:lnTo>
-                <a:lnTo>
-                  <a:pt x="3356992" y="38197"/>
-                </a:lnTo>
-                <a:lnTo>
-                  <a:pt x="3470310" y="0"/>
-                </a:lnTo>
-                <a:close/>
-              </a:path>
-            </a:pathLst>
-          </a:custGeom>
-          <a:solidFill>
-            <a:schemeClr val="bg1">
-              <a:alpha val="20000"/>
-            </a:schemeClr>
-          </a:solidFill>
-          <a:ln>
-            <a:noFill/>
-          </a:ln>
-        </p:spPr>
-        <p:txBody>
-          <a:bodyPr rtlCol="0" anchor="ctr"/>
-          <a:lstStyle/>
-          <a:p>
-            <a:pPr algn="ctr"/>
-            <a:endParaRPr lang="en-US">
-              <a:solidFill>
-                <a:schemeClr val="tx1"/>
-              </a:solidFill>
-            </a:endParaRPr>
-          </a:p>
-        </p:txBody>
-      </p:sp>
-      <p:sp>
-        <p:nvSpPr>
           <p:cNvPr id="2" name="Title 1">
             <a:extLst>
               <a:ext uri="{FF2B5EF4-FFF2-40B4-BE49-F238E27FC236}">
@@ -9626,542 +10748,59 @@
         </p:nvSpPr>
         <p:spPr>
           <a:xfrm>
-            <a:off x="648930" y="629267"/>
-            <a:ext cx="9252154" cy="1016654"/>
+            <a:off x="648930" y="629266"/>
+            <a:ext cx="9252154" cy="1223983"/>
           </a:xfrm>
         </p:spPr>
         <p:txBody>
-          <a:bodyPr vert="horz" lIns="91440" tIns="45720" rIns="91440" bIns="45720" rtlCol="0" anchor="ctr">
-            <a:normAutofit fontScale="90000"/>
+          <a:bodyPr vert="horz" lIns="91440" tIns="45720" rIns="91440" bIns="45720" rtlCol="0">
+            <a:normAutofit/>
           </a:bodyPr>
           <a:lstStyle/>
           <a:p>
-            <a:r>
-              <a:rPr lang="en-AU" sz="3200" b="1" i="1" dirty="0">
+            <a:pPr>
+              <a:lnSpc>
+                <a:spcPct val="90000"/>
+              </a:lnSpc>
+            </a:pPr>
+            <a:r>
+              <a:rPr lang="en-AU" sz="3900" b="1" i="1" dirty="0">
                 <a:ln>
                   <a:solidFill>
                     <a:schemeClr val="accent1"/>
                   </a:solidFill>
                 </a:ln>
-                <a:solidFill>
-                  <a:schemeClr val="bg2"/>
-                </a:solidFill>
               </a:rPr>
               <a:t>Impacts of COVID-19 on Australian </a:t>
             </a:r>
             <a:br>
-              <a:rPr lang="en-AU" sz="3200" b="1" i="1" dirty="0">
+              <a:rPr lang="en-AU" sz="3900" b="1" i="1" dirty="0">
                 <a:ln>
                   <a:solidFill>
                     <a:schemeClr val="accent1"/>
                   </a:solidFill>
                 </a:ln>
-                <a:solidFill>
-                  <a:schemeClr val="bg2"/>
-                </a:solidFill>
               </a:rPr>
             </a:br>
             <a:r>
-              <a:rPr lang="en-AU" sz="3200" b="1" i="1" dirty="0">
+              <a:rPr lang="en-AU" sz="3900" b="1" i="1" dirty="0">
                 <a:ln>
                   <a:solidFill>
                     <a:schemeClr val="accent1"/>
                   </a:solidFill>
                 </a:ln>
-                <a:solidFill>
-                  <a:schemeClr val="bg2"/>
-                </a:solidFill>
               </a:rPr>
-              <a:t>- </a:t>
-            </a:r>
-            <a:r>
-              <a:rPr lang="en-AU" sz="3200" b="1" i="1" dirty="0">
-                <a:ln>
-                  <a:solidFill>
-                    <a:schemeClr val="accent1"/>
-                  </a:solidFill>
-                </a:ln>
-                <a:solidFill>
-                  <a:srgbClr val="FF0000"/>
-                </a:solidFill>
-              </a:rPr>
-              <a:t>Business and Economy</a:t>
-            </a:r>
-            <a:endParaRPr lang="en-US" sz="3200" b="1" i="1" dirty="0">
+              <a:t>- Business and Economy</a:t>
+            </a:r>
+            <a:endParaRPr lang="en-US" sz="3900" b="1" i="1" dirty="0">
               <a:ln>
                 <a:solidFill>
                   <a:schemeClr val="accent1"/>
                 </a:solidFill>
               </a:ln>
-              <a:solidFill>
-                <a:srgbClr val="FF0000"/>
-              </a:solidFill>
             </a:endParaRPr>
           </a:p>
         </p:txBody>
-      </p:sp>
-      <p:sp useBgFill="1">
-        <p:nvSpPr>
-          <p:cNvPr id="23" name="Freeform: Shape 17">
-            <a:extLst>
-              <a:ext uri="{FF2B5EF4-FFF2-40B4-BE49-F238E27FC236}">
-                <a16:creationId xmlns:a16="http://schemas.microsoft.com/office/drawing/2014/main" id="{DAA4FEEE-0B5F-41BF-825D-60F9FB089568}"/>
-              </a:ext>
-              <a:ext uri="{C183D7F6-B498-43B3-948B-1728B52AA6E4}">
-                <adec:decorative xmlns:adec="http://schemas.microsoft.com/office/drawing/2017/decorative" val="1"/>
-              </a:ext>
-            </a:extLst>
-          </p:cNvPr>
-          <p:cNvSpPr>
-            <a:spLocks noGrp="1" noRot="1" noChangeAspect="1" noMove="1" noResize="1" noEditPoints="1" noAdjustHandles="1" noChangeArrowheads="1" noChangeShapeType="1" noTextEdit="1"/>
-          </p:cNvSpPr>
-          <p:nvPr>
-            <p:extLst>
-              <p:ext uri="{386F3935-93C4-4BCD-93E2-E3B085C9AB24}">
-                <p16:designElem xmlns:p16="http://schemas.microsoft.com/office/powerpoint/2015/main" val="1"/>
-              </p:ext>
-            </p:extLst>
-          </p:nvPr>
-        </p:nvSpPr>
-        <p:spPr bwMode="gray">
-          <a:xfrm>
-            <a:off x="1" y="1762067"/>
-            <a:ext cx="12192417" cy="5095933"/>
-          </a:xfrm>
-          <a:custGeom>
-            <a:avLst/>
-            <a:gdLst>
-              <a:gd name="connsiteX0" fmla="*/ 0 w 12192417"/>
-              <a:gd name="connsiteY0" fmla="*/ 0 h 5095933"/>
-              <a:gd name="connsiteX1" fmla="*/ 71931 w 12192417"/>
-              <a:gd name="connsiteY1" fmla="*/ 12261 h 5095933"/>
-              <a:gd name="connsiteX2" fmla="*/ 282848 w 12192417"/>
-              <a:gd name="connsiteY2" fmla="*/ 48343 h 5095933"/>
-              <a:gd name="connsiteX3" fmla="*/ 436463 w 12192417"/>
-              <a:gd name="connsiteY3" fmla="*/ 73565 h 5095933"/>
-              <a:gd name="connsiteX4" fmla="*/ 619338 w 12192417"/>
-              <a:gd name="connsiteY4" fmla="*/ 100188 h 5095933"/>
-              <a:gd name="connsiteX5" fmla="*/ 836350 w 12192417"/>
-              <a:gd name="connsiteY5" fmla="*/ 132066 h 5095933"/>
-              <a:gd name="connsiteX6" fmla="*/ 1076527 w 12192417"/>
-              <a:gd name="connsiteY6" fmla="*/ 165696 h 5095933"/>
-              <a:gd name="connsiteX7" fmla="*/ 1347183 w 12192417"/>
-              <a:gd name="connsiteY7" fmla="*/ 201077 h 5095933"/>
-              <a:gd name="connsiteX8" fmla="*/ 1642222 w 12192417"/>
-              <a:gd name="connsiteY8" fmla="*/ 238560 h 5095933"/>
-              <a:gd name="connsiteX9" fmla="*/ 1962863 w 12192417"/>
-              <a:gd name="connsiteY9" fmla="*/ 276043 h 5095933"/>
-              <a:gd name="connsiteX10" fmla="*/ 2304231 w 12192417"/>
-              <a:gd name="connsiteY10" fmla="*/ 314227 h 5095933"/>
-              <a:gd name="connsiteX11" fmla="*/ 2672420 w 12192417"/>
-              <a:gd name="connsiteY11" fmla="*/ 349608 h 5095933"/>
-              <a:gd name="connsiteX12" fmla="*/ 3057677 w 12192417"/>
-              <a:gd name="connsiteY12" fmla="*/ 383588 h 5095933"/>
-              <a:gd name="connsiteX13" fmla="*/ 3464880 w 12192417"/>
-              <a:gd name="connsiteY13" fmla="*/ 414415 h 5095933"/>
-              <a:gd name="connsiteX14" fmla="*/ 3889151 w 12192417"/>
-              <a:gd name="connsiteY14" fmla="*/ 443841 h 5095933"/>
-              <a:gd name="connsiteX15" fmla="*/ 4331709 w 12192417"/>
-              <a:gd name="connsiteY15" fmla="*/ 471515 h 5095933"/>
-              <a:gd name="connsiteX16" fmla="*/ 4558475 w 12192417"/>
-              <a:gd name="connsiteY16" fmla="*/ 481324 h 5095933"/>
-              <a:gd name="connsiteX17" fmla="*/ 4790117 w 12192417"/>
-              <a:gd name="connsiteY17" fmla="*/ 492183 h 5095933"/>
-              <a:gd name="connsiteX18" fmla="*/ 5025417 w 12192417"/>
-              <a:gd name="connsiteY18" fmla="*/ 502342 h 5095933"/>
-              <a:gd name="connsiteX19" fmla="*/ 5261936 w 12192417"/>
-              <a:gd name="connsiteY19" fmla="*/ 508998 h 5095933"/>
-              <a:gd name="connsiteX20" fmla="*/ 5503331 w 12192417"/>
-              <a:gd name="connsiteY20" fmla="*/ 514953 h 5095933"/>
-              <a:gd name="connsiteX21" fmla="*/ 5747166 w 12192417"/>
-              <a:gd name="connsiteY21" fmla="*/ 521259 h 5095933"/>
-              <a:gd name="connsiteX22" fmla="*/ 5995876 w 12192417"/>
-              <a:gd name="connsiteY22" fmla="*/ 525463 h 5095933"/>
-              <a:gd name="connsiteX23" fmla="*/ 6247025 w 12192417"/>
-              <a:gd name="connsiteY23" fmla="*/ 525463 h 5095933"/>
-              <a:gd name="connsiteX24" fmla="*/ 6500612 w 12192417"/>
-              <a:gd name="connsiteY24" fmla="*/ 527565 h 5095933"/>
-              <a:gd name="connsiteX25" fmla="*/ 6756638 w 12192417"/>
-              <a:gd name="connsiteY25" fmla="*/ 525463 h 5095933"/>
-              <a:gd name="connsiteX26" fmla="*/ 7016321 w 12192417"/>
-              <a:gd name="connsiteY26" fmla="*/ 521259 h 5095933"/>
-              <a:gd name="connsiteX27" fmla="*/ 7276004 w 12192417"/>
-              <a:gd name="connsiteY27" fmla="*/ 517406 h 5095933"/>
-              <a:gd name="connsiteX28" fmla="*/ 7539344 w 12192417"/>
-              <a:gd name="connsiteY28" fmla="*/ 508998 h 5095933"/>
-              <a:gd name="connsiteX29" fmla="*/ 7805123 w 12192417"/>
-              <a:gd name="connsiteY29" fmla="*/ 500241 h 5095933"/>
-              <a:gd name="connsiteX30" fmla="*/ 8070902 w 12192417"/>
-              <a:gd name="connsiteY30" fmla="*/ 490082 h 5095933"/>
-              <a:gd name="connsiteX31" fmla="*/ 8339120 w 12192417"/>
-              <a:gd name="connsiteY31" fmla="*/ 475719 h 5095933"/>
-              <a:gd name="connsiteX32" fmla="*/ 8609775 w 12192417"/>
-              <a:gd name="connsiteY32" fmla="*/ 458554 h 5095933"/>
-              <a:gd name="connsiteX33" fmla="*/ 8881650 w 12192417"/>
-              <a:gd name="connsiteY33" fmla="*/ 442089 h 5095933"/>
-              <a:gd name="connsiteX34" fmla="*/ 9153525 w 12192417"/>
-              <a:gd name="connsiteY34" fmla="*/ 421071 h 5095933"/>
-              <a:gd name="connsiteX35" fmla="*/ 9429057 w 12192417"/>
-              <a:gd name="connsiteY35" fmla="*/ 395849 h 5095933"/>
-              <a:gd name="connsiteX36" fmla="*/ 9700932 w 12192417"/>
-              <a:gd name="connsiteY36" fmla="*/ 370626 h 5095933"/>
-              <a:gd name="connsiteX37" fmla="*/ 9977683 w 12192417"/>
-              <a:gd name="connsiteY37" fmla="*/ 341551 h 5095933"/>
-              <a:gd name="connsiteX38" fmla="*/ 10255654 w 12192417"/>
-              <a:gd name="connsiteY38" fmla="*/ 309673 h 5095933"/>
-              <a:gd name="connsiteX39" fmla="*/ 10529967 w 12192417"/>
-              <a:gd name="connsiteY39" fmla="*/ 276043 h 5095933"/>
-              <a:gd name="connsiteX40" fmla="*/ 10807938 w 12192417"/>
-              <a:gd name="connsiteY40" fmla="*/ 236809 h 5095933"/>
-              <a:gd name="connsiteX41" fmla="*/ 11084689 w 12192417"/>
-              <a:gd name="connsiteY41" fmla="*/ 194772 h 5095933"/>
-              <a:gd name="connsiteX42" fmla="*/ 11362660 w 12192417"/>
-              <a:gd name="connsiteY42" fmla="*/ 153085 h 5095933"/>
-              <a:gd name="connsiteX43" fmla="*/ 11639411 w 12192417"/>
-              <a:gd name="connsiteY43" fmla="*/ 104392 h 5095933"/>
-              <a:gd name="connsiteX44" fmla="*/ 11914944 w 12192417"/>
-              <a:gd name="connsiteY44" fmla="*/ 54648 h 5095933"/>
-              <a:gd name="connsiteX45" fmla="*/ 12191695 w 12192417"/>
-              <a:gd name="connsiteY45" fmla="*/ 2452 h 5095933"/>
-              <a:gd name="connsiteX46" fmla="*/ 12191695 w 12192417"/>
-              <a:gd name="connsiteY46" fmla="*/ 2162231 h 5095933"/>
-              <a:gd name="connsiteX47" fmla="*/ 12192417 w 12192417"/>
-              <a:gd name="connsiteY47" fmla="*/ 2162231 h 5095933"/>
-              <a:gd name="connsiteX48" fmla="*/ 12192417 w 12192417"/>
-              <a:gd name="connsiteY48" fmla="*/ 5095933 h 5095933"/>
-              <a:gd name="connsiteX49" fmla="*/ 0 w 12192417"/>
-              <a:gd name="connsiteY49" fmla="*/ 5095933 h 5095933"/>
-              <a:gd name="connsiteX50" fmla="*/ 0 w 12192417"/>
-              <a:gd name="connsiteY50" fmla="*/ 2791958 h 5095933"/>
-              <a:gd name="connsiteX51" fmla="*/ 0 w 12192417"/>
-              <a:gd name="connsiteY51" fmla="*/ 2162231 h 5095933"/>
-            </a:gdLst>
-            <a:ahLst/>
-            <a:cxnLst>
-              <a:cxn ang="0">
-                <a:pos x="connsiteX0" y="connsiteY0"/>
-              </a:cxn>
-              <a:cxn ang="0">
-                <a:pos x="connsiteX1" y="connsiteY1"/>
-              </a:cxn>
-              <a:cxn ang="0">
-                <a:pos x="connsiteX2" y="connsiteY2"/>
-              </a:cxn>
-              <a:cxn ang="0">
-                <a:pos x="connsiteX3" y="connsiteY3"/>
-              </a:cxn>
-              <a:cxn ang="0">
-                <a:pos x="connsiteX4" y="connsiteY4"/>
-              </a:cxn>
-              <a:cxn ang="0">
-                <a:pos x="connsiteX5" y="connsiteY5"/>
-              </a:cxn>
-              <a:cxn ang="0">
-                <a:pos x="connsiteX6" y="connsiteY6"/>
-              </a:cxn>
-              <a:cxn ang="0">
-                <a:pos x="connsiteX7" y="connsiteY7"/>
-              </a:cxn>
-              <a:cxn ang="0">
-                <a:pos x="connsiteX8" y="connsiteY8"/>
-              </a:cxn>
-              <a:cxn ang="0">
-                <a:pos x="connsiteX9" y="connsiteY9"/>
-              </a:cxn>
-              <a:cxn ang="0">
-                <a:pos x="connsiteX10" y="connsiteY10"/>
-              </a:cxn>
-              <a:cxn ang="0">
-                <a:pos x="connsiteX11" y="connsiteY11"/>
-              </a:cxn>
-              <a:cxn ang="0">
-                <a:pos x="connsiteX12" y="connsiteY12"/>
-              </a:cxn>
-              <a:cxn ang="0">
-                <a:pos x="connsiteX13" y="connsiteY13"/>
-              </a:cxn>
-              <a:cxn ang="0">
-                <a:pos x="connsiteX14" y="connsiteY14"/>
-              </a:cxn>
-              <a:cxn ang="0">
-                <a:pos x="connsiteX15" y="connsiteY15"/>
-              </a:cxn>
-              <a:cxn ang="0">
-                <a:pos x="connsiteX16" y="connsiteY16"/>
-              </a:cxn>
-              <a:cxn ang="0">
-                <a:pos x="connsiteX17" y="connsiteY17"/>
-              </a:cxn>
-              <a:cxn ang="0">
-                <a:pos x="connsiteX18" y="connsiteY18"/>
-              </a:cxn>
-              <a:cxn ang="0">
-                <a:pos x="connsiteX19" y="connsiteY19"/>
-              </a:cxn>
-              <a:cxn ang="0">
-                <a:pos x="connsiteX20" y="connsiteY20"/>
-              </a:cxn>
-              <a:cxn ang="0">
-                <a:pos x="connsiteX21" y="connsiteY21"/>
-              </a:cxn>
-              <a:cxn ang="0">
-                <a:pos x="connsiteX22" y="connsiteY22"/>
-              </a:cxn>
-              <a:cxn ang="0">
-                <a:pos x="connsiteX23" y="connsiteY23"/>
-              </a:cxn>
-              <a:cxn ang="0">
-                <a:pos x="connsiteX24" y="connsiteY24"/>
-              </a:cxn>
-              <a:cxn ang="0">
-                <a:pos x="connsiteX25" y="connsiteY25"/>
-              </a:cxn>
-              <a:cxn ang="0">
-                <a:pos x="connsiteX26" y="connsiteY26"/>
-              </a:cxn>
-              <a:cxn ang="0">
-                <a:pos x="connsiteX27" y="connsiteY27"/>
-              </a:cxn>
-              <a:cxn ang="0">
-                <a:pos x="connsiteX28" y="connsiteY28"/>
-              </a:cxn>
-              <a:cxn ang="0">
-                <a:pos x="connsiteX29" y="connsiteY29"/>
-              </a:cxn>
-              <a:cxn ang="0">
-                <a:pos x="connsiteX30" y="connsiteY30"/>
-              </a:cxn>
-              <a:cxn ang="0">
-                <a:pos x="connsiteX31" y="connsiteY31"/>
-              </a:cxn>
-              <a:cxn ang="0">
-                <a:pos x="connsiteX32" y="connsiteY32"/>
-              </a:cxn>
-              <a:cxn ang="0">
-                <a:pos x="connsiteX33" y="connsiteY33"/>
-              </a:cxn>
-              <a:cxn ang="0">
-                <a:pos x="connsiteX34" y="connsiteY34"/>
-              </a:cxn>
-              <a:cxn ang="0">
-                <a:pos x="connsiteX35" y="connsiteY35"/>
-              </a:cxn>
-              <a:cxn ang="0">
-                <a:pos x="connsiteX36" y="connsiteY36"/>
-              </a:cxn>
-              <a:cxn ang="0">
-                <a:pos x="connsiteX37" y="connsiteY37"/>
-              </a:cxn>
-              <a:cxn ang="0">
-                <a:pos x="connsiteX38" y="connsiteY38"/>
-              </a:cxn>
-              <a:cxn ang="0">
-                <a:pos x="connsiteX39" y="connsiteY39"/>
-              </a:cxn>
-              <a:cxn ang="0">
-                <a:pos x="connsiteX40" y="connsiteY40"/>
-              </a:cxn>
-              <a:cxn ang="0">
-                <a:pos x="connsiteX41" y="connsiteY41"/>
-              </a:cxn>
-              <a:cxn ang="0">
-                <a:pos x="connsiteX42" y="connsiteY42"/>
-              </a:cxn>
-              <a:cxn ang="0">
-                <a:pos x="connsiteX43" y="connsiteY43"/>
-              </a:cxn>
-              <a:cxn ang="0">
-                <a:pos x="connsiteX44" y="connsiteY44"/>
-              </a:cxn>
-              <a:cxn ang="0">
-                <a:pos x="connsiteX45" y="connsiteY45"/>
-              </a:cxn>
-              <a:cxn ang="0">
-                <a:pos x="connsiteX46" y="connsiteY46"/>
-              </a:cxn>
-              <a:cxn ang="0">
-                <a:pos x="connsiteX47" y="connsiteY47"/>
-              </a:cxn>
-              <a:cxn ang="0">
-                <a:pos x="connsiteX48" y="connsiteY48"/>
-              </a:cxn>
-              <a:cxn ang="0">
-                <a:pos x="connsiteX49" y="connsiteY49"/>
-              </a:cxn>
-              <a:cxn ang="0">
-                <a:pos x="connsiteX50" y="connsiteY50"/>
-              </a:cxn>
-              <a:cxn ang="0">
-                <a:pos x="connsiteX51" y="connsiteY51"/>
-              </a:cxn>
-            </a:cxnLst>
-            <a:rect l="l" t="t" r="r" b="b"/>
-            <a:pathLst>
-              <a:path w="12192417" h="5095933">
-                <a:moveTo>
-                  <a:pt x="0" y="0"/>
-                </a:moveTo>
-                <a:lnTo>
-                  <a:pt x="71931" y="12261"/>
-                </a:lnTo>
-                <a:lnTo>
-                  <a:pt x="282848" y="48343"/>
-                </a:lnTo>
-                <a:lnTo>
-                  <a:pt x="436463" y="73565"/>
-                </a:lnTo>
-                <a:lnTo>
-                  <a:pt x="619338" y="100188"/>
-                </a:lnTo>
-                <a:lnTo>
-                  <a:pt x="836350" y="132066"/>
-                </a:lnTo>
-                <a:lnTo>
-                  <a:pt x="1076527" y="165696"/>
-                </a:lnTo>
-                <a:lnTo>
-                  <a:pt x="1347183" y="201077"/>
-                </a:lnTo>
-                <a:lnTo>
-                  <a:pt x="1642222" y="238560"/>
-                </a:lnTo>
-                <a:lnTo>
-                  <a:pt x="1962863" y="276043"/>
-                </a:lnTo>
-                <a:lnTo>
-                  <a:pt x="2304231" y="314227"/>
-                </a:lnTo>
-                <a:lnTo>
-                  <a:pt x="2672420" y="349608"/>
-                </a:lnTo>
-                <a:lnTo>
-                  <a:pt x="3057677" y="383588"/>
-                </a:lnTo>
-                <a:lnTo>
-                  <a:pt x="3464880" y="414415"/>
-                </a:lnTo>
-                <a:lnTo>
-                  <a:pt x="3889151" y="443841"/>
-                </a:lnTo>
-                <a:lnTo>
-                  <a:pt x="4331709" y="471515"/>
-                </a:lnTo>
-                <a:lnTo>
-                  <a:pt x="4558475" y="481324"/>
-                </a:lnTo>
-                <a:lnTo>
-                  <a:pt x="4790117" y="492183"/>
-                </a:lnTo>
-                <a:lnTo>
-                  <a:pt x="5025417" y="502342"/>
-                </a:lnTo>
-                <a:lnTo>
-                  <a:pt x="5261936" y="508998"/>
-                </a:lnTo>
-                <a:lnTo>
-                  <a:pt x="5503331" y="514953"/>
-                </a:lnTo>
-                <a:lnTo>
-                  <a:pt x="5747166" y="521259"/>
-                </a:lnTo>
-                <a:lnTo>
-                  <a:pt x="5995876" y="525463"/>
-                </a:lnTo>
-                <a:lnTo>
-                  <a:pt x="6247025" y="525463"/>
-                </a:lnTo>
-                <a:lnTo>
-                  <a:pt x="6500612" y="527565"/>
-                </a:lnTo>
-                <a:lnTo>
-                  <a:pt x="6756638" y="525463"/>
-                </a:lnTo>
-                <a:lnTo>
-                  <a:pt x="7016321" y="521259"/>
-                </a:lnTo>
-                <a:lnTo>
-                  <a:pt x="7276004" y="517406"/>
-                </a:lnTo>
-                <a:lnTo>
-                  <a:pt x="7539344" y="508998"/>
-                </a:lnTo>
-                <a:lnTo>
-                  <a:pt x="7805123" y="500241"/>
-                </a:lnTo>
-                <a:lnTo>
-                  <a:pt x="8070902" y="490082"/>
-                </a:lnTo>
-                <a:lnTo>
-                  <a:pt x="8339120" y="475719"/>
-                </a:lnTo>
-                <a:lnTo>
-                  <a:pt x="8609775" y="458554"/>
-                </a:lnTo>
-                <a:lnTo>
-                  <a:pt x="8881650" y="442089"/>
-                </a:lnTo>
-                <a:lnTo>
-                  <a:pt x="9153525" y="421071"/>
-                </a:lnTo>
-                <a:lnTo>
-                  <a:pt x="9429057" y="395849"/>
-                </a:lnTo>
-                <a:lnTo>
-                  <a:pt x="9700932" y="370626"/>
-                </a:lnTo>
-                <a:lnTo>
-                  <a:pt x="9977683" y="341551"/>
-                </a:lnTo>
-                <a:lnTo>
-                  <a:pt x="10255654" y="309673"/>
-                </a:lnTo>
-                <a:lnTo>
-                  <a:pt x="10529967" y="276043"/>
-                </a:lnTo>
-                <a:lnTo>
-                  <a:pt x="10807938" y="236809"/>
-                </a:lnTo>
-                <a:lnTo>
-                  <a:pt x="11084689" y="194772"/>
-                </a:lnTo>
-                <a:lnTo>
-                  <a:pt x="11362660" y="153085"/>
-                </a:lnTo>
-                <a:lnTo>
-                  <a:pt x="11639411" y="104392"/>
-                </a:lnTo>
-                <a:lnTo>
-                  <a:pt x="11914944" y="54648"/>
-                </a:lnTo>
-                <a:lnTo>
-                  <a:pt x="12191695" y="2452"/>
-                </a:lnTo>
-                <a:lnTo>
-                  <a:pt x="12191695" y="2162231"/>
-                </a:lnTo>
-                <a:lnTo>
-                  <a:pt x="12192417" y="2162231"/>
-                </a:lnTo>
-                <a:lnTo>
-                  <a:pt x="12192417" y="5095933"/>
-                </a:lnTo>
-                <a:lnTo>
-                  <a:pt x="0" y="5095933"/>
-                </a:lnTo>
-                <a:lnTo>
-                  <a:pt x="0" y="2791958"/>
-                </a:lnTo>
-                <a:lnTo>
-                  <a:pt x="0" y="2162231"/>
-                </a:lnTo>
-                <a:close/>
-              </a:path>
-            </a:pathLst>
-          </a:custGeom>
-          <a:ln>
-            <a:noFill/>
-          </a:ln>
-        </p:spPr>
       </p:sp>
       <p:sp>
         <p:nvSpPr>
@@ -10181,17 +10820,30 @@
         </p:nvSpPr>
         <p:spPr>
           <a:xfrm>
-            <a:off x="372885" y="2402308"/>
-            <a:ext cx="5123080" cy="3658689"/>
+            <a:off x="513763" y="2062878"/>
+            <a:ext cx="4338409" cy="4196185"/>
           </a:xfrm>
         </p:spPr>
         <p:txBody>
           <a:bodyPr>
-            <a:normAutofit/>
+            <a:normAutofit lnSpcReduction="10000"/>
           </a:bodyPr>
           <a:lstStyle/>
           <a:p>
-            <a:pPr marL="457200">
+            <a:pPr marL="0" indent="0">
+              <a:lnSpc>
+                <a:spcPct val="90000"/>
+              </a:lnSpc>
+              <a:buNone/>
+            </a:pPr>
+            <a:r>
+              <a:rPr lang="en-AU" sz="1600" b="1" dirty="0"/>
+              <a:t>Australian economy fell an unprecedented 7.0% in June'20 quarter</a:t>
+            </a:r>
+            <a:endParaRPr lang="en-AU" sz="1600" dirty="0"/>
+          </a:p>
+          <a:p>
+            <a:pPr>
               <a:lnSpc>
                 <a:spcPct val="90000"/>
               </a:lnSpc>
@@ -10202,30 +10854,331 @@
               <a:buChar char="Ø"/>
             </a:pPr>
             <a:r>
-              <a:rPr lang="en-AU" sz="1600" b="1" dirty="0"/>
-              <a:t>Australian economy fell an unprecedented 7.0% in June'20 quarter</a:t>
-            </a:r>
-          </a:p>
-          <a:p>
-            <a:pPr marL="114300" indent="0">
+              <a:rPr lang="en-AU" sz="1400" i="1" dirty="0"/>
+              <a:t>GDP fell a historic 7.0% as the COVID-19 pandemic movement restrictions continued to impact economic activity. </a:t>
+            </a:r>
+          </a:p>
+          <a:p>
+            <a:pPr>
               <a:lnSpc>
                 <a:spcPct val="90000"/>
               </a:lnSpc>
               <a:buClr>
                 <a:schemeClr val="tx1"/>
               </a:buClr>
-              <a:buNone/>
+              <a:buFont typeface="Wingdings" pitchFamily="2" charset="2"/>
+              <a:buChar char="Ø"/>
             </a:pPr>
-            <a:endParaRPr lang="en-AU" sz="1600" b="1" dirty="0"/>
+            <a:r>
+              <a:rPr lang="en-AU" sz="1400" i="1" dirty="0"/>
+              <a:t>This records the first annual estimate of GDP for 2019/20, which fell 0.2%, ending Australia's longest streak of continuous growth, 28 years.</a:t>
+            </a:r>
+          </a:p>
+          <a:p>
+            <a:pPr>
+              <a:lnSpc>
+                <a:spcPct val="90000"/>
+              </a:lnSpc>
+              <a:buClr>
+                <a:schemeClr val="tx1"/>
+              </a:buClr>
+              <a:buFont typeface="Wingdings" pitchFamily="2" charset="2"/>
+              <a:buChar char="Ø"/>
+            </a:pPr>
+            <a:endParaRPr lang="en-AU" sz="1400" i="1" dirty="0"/>
+          </a:p>
+          <a:p>
+            <a:pPr marL="0" indent="0">
+              <a:lnSpc>
+                <a:spcPct val="90000"/>
+              </a:lnSpc>
+              <a:buClr>
+                <a:schemeClr val="tx1"/>
+              </a:buClr>
+              <a:buNone/>
+            </a:pPr>
+            <a:r>
+              <a:rPr lang="en-AU" sz="1600" b="1" dirty="0"/>
+              <a:t>Australian economy rose 0.7% in June'21 quarter</a:t>
+            </a:r>
+            <a:r>
+              <a:rPr lang="en-AU" sz="1600" dirty="0"/>
+              <a:t> </a:t>
+            </a:r>
+          </a:p>
+          <a:p>
+            <a:pPr>
+              <a:lnSpc>
+                <a:spcPct val="90000"/>
+              </a:lnSpc>
+              <a:buClr>
+                <a:schemeClr val="tx1"/>
+              </a:buClr>
+              <a:buFont typeface="Wingdings" pitchFamily="2" charset="2"/>
+              <a:buChar char="Ø"/>
+            </a:pPr>
+            <a:r>
+              <a:rPr lang="en-AU" sz="1400" dirty="0"/>
+              <a:t>GDP rose 0.7% this quarter, reflecting the continued easing of COVID-19 restrictions and the recovery in the labour market.</a:t>
+            </a:r>
+          </a:p>
+          <a:p>
+            <a:pPr>
+              <a:lnSpc>
+                <a:spcPct val="90000"/>
+              </a:lnSpc>
+              <a:buClr>
+                <a:schemeClr val="tx1"/>
+              </a:buClr>
+              <a:buFont typeface="Wingdings" pitchFamily="2" charset="2"/>
+              <a:buChar char="Ø"/>
+            </a:pPr>
+            <a:r>
+              <a:rPr lang="en-AU" sz="1400" dirty="0"/>
+              <a:t>The Australian economy grew by 1.4% over 2020-21.</a:t>
+            </a:r>
+            <a:endParaRPr lang="en-AU" sz="1400" i="1" dirty="0"/>
           </a:p>
         </p:txBody>
       </p:sp>
       <p:pic>
         <p:nvPicPr>
-          <p:cNvPr id="4" name="Picture 3" descr="Chart, line chart&#10;&#10;Description automatically generated">
+          <p:cNvPr id="6" name="Picture 5" descr="Chart, line chart&#10;&#10;Description automatically generated">
             <a:extLst>
               <a:ext uri="{FF2B5EF4-FFF2-40B4-BE49-F238E27FC236}">
-                <a16:creationId xmlns:a16="http://schemas.microsoft.com/office/drawing/2014/main" id="{756942AA-80F9-7442-8938-0D1AB2429F7C}"/>
+                <a16:creationId xmlns:a16="http://schemas.microsoft.com/office/drawing/2014/main" id="{D89BD86B-DBD0-C345-A08C-C2988217DBBC}"/>
+              </a:ext>
+            </a:extLst>
+          </p:cNvPr>
+          <p:cNvPicPr>
+            <a:picLocks noChangeAspect="1"/>
+          </p:cNvPicPr>
+          <p:nvPr/>
+        </p:nvPicPr>
+        <p:blipFill>
+          <a:blip r:embed="rId3"/>
+          <a:stretch>
+            <a:fillRect/>
+          </a:stretch>
+        </p:blipFill>
+        <p:spPr>
+          <a:xfrm>
+            <a:off x="3897083" y="1588169"/>
+            <a:ext cx="8922684" cy="4826920"/>
+          </a:xfrm>
+          <a:prstGeom prst="rect">
+            <a:avLst/>
+          </a:prstGeom>
+          <a:effectLst>
+            <a:outerShdw blurRad="50800" dist="38100" dir="5400000" algn="t" rotWithShape="0">
+              <a:prstClr val="black">
+                <a:alpha val="43000"/>
+              </a:prstClr>
+            </a:outerShdw>
+          </a:effectLst>
+        </p:spPr>
+      </p:pic>
+    </p:spTree>
+    <p:extLst>
+      <p:ext uri="{BB962C8B-B14F-4D97-AF65-F5344CB8AC3E}">
+        <p14:creationId xmlns:p14="http://schemas.microsoft.com/office/powerpoint/2010/main" val="1528572351"/>
+      </p:ext>
+    </p:extLst>
+  </p:cSld>
+  <p:clrMapOvr>
+    <a:masterClrMapping/>
+  </p:clrMapOvr>
+</p:sld>
+</file>
+
+<file path=ppt/slides/slide6.xml><?xml version="1.0" encoding="utf-8"?>
+<p:sld xmlns:a="http://schemas.openxmlformats.org/drawingml/2006/main" xmlns:r="http://schemas.openxmlformats.org/officeDocument/2006/relationships" xmlns:p="http://schemas.openxmlformats.org/presentationml/2006/main">
+  <p:cSld>
+    <p:spTree>
+      <p:nvGrpSpPr>
+        <p:cNvPr id="1" name=""/>
+        <p:cNvGrpSpPr/>
+        <p:nvPr/>
+      </p:nvGrpSpPr>
+      <p:grpSpPr>
+        <a:xfrm>
+          <a:off x="0" y="0"/>
+          <a:ext cx="0" cy="0"/>
+          <a:chOff x="0" y="0"/>
+          <a:chExt cx="0" cy="0"/>
+        </a:xfrm>
+      </p:grpSpPr>
+      <p:sp>
+        <p:nvSpPr>
+          <p:cNvPr id="2" name="Title 1">
+            <a:extLst>
+              <a:ext uri="{FF2B5EF4-FFF2-40B4-BE49-F238E27FC236}">
+                <a16:creationId xmlns:a16="http://schemas.microsoft.com/office/drawing/2014/main" id="{FFC7AA74-143E-214E-9F1D-E9F327707C6A}"/>
+              </a:ext>
+            </a:extLst>
+          </p:cNvPr>
+          <p:cNvSpPr>
+            <a:spLocks noGrp="1"/>
+          </p:cNvSpPr>
+          <p:nvPr>
+            <p:ph type="title"/>
+          </p:nvPr>
+        </p:nvSpPr>
+        <p:spPr>
+          <a:xfrm>
+            <a:off x="648930" y="617235"/>
+            <a:ext cx="9252154" cy="1016654"/>
+          </a:xfrm>
+        </p:spPr>
+        <p:txBody>
+          <a:bodyPr vert="horz" lIns="91440" tIns="45720" rIns="91440" bIns="45720" rtlCol="0">
+            <a:normAutofit/>
+          </a:bodyPr>
+          <a:lstStyle/>
+          <a:p>
+            <a:pPr>
+              <a:lnSpc>
+                <a:spcPct val="90000"/>
+              </a:lnSpc>
+            </a:pPr>
+            <a:r>
+              <a:rPr lang="en-AU" sz="3300" b="1" i="1" dirty="0">
+                <a:ln>
+                  <a:solidFill>
+                    <a:schemeClr val="accent1"/>
+                  </a:solidFill>
+                </a:ln>
+                <a:solidFill>
+                  <a:srgbClr val="EBEBEB"/>
+                </a:solidFill>
+              </a:rPr>
+              <a:t>Impacts of COVID-19 on Australian </a:t>
+            </a:r>
+            <a:br>
+              <a:rPr lang="en-AU" sz="3300" b="1" i="1" dirty="0">
+                <a:ln>
+                  <a:solidFill>
+                    <a:schemeClr val="accent1"/>
+                  </a:solidFill>
+                </a:ln>
+                <a:solidFill>
+                  <a:srgbClr val="EBEBEB"/>
+                </a:solidFill>
+              </a:rPr>
+            </a:br>
+            <a:r>
+              <a:rPr lang="en-AU" sz="3300" b="1" i="1" dirty="0">
+                <a:ln>
+                  <a:solidFill>
+                    <a:schemeClr val="accent1"/>
+                  </a:solidFill>
+                </a:ln>
+                <a:solidFill>
+                  <a:srgbClr val="EBEBEB"/>
+                </a:solidFill>
+              </a:rPr>
+              <a:t>- Business and Economy</a:t>
+            </a:r>
+            <a:endParaRPr lang="en-US" sz="3300" b="1" i="1" dirty="0">
+              <a:ln>
+                <a:solidFill>
+                  <a:schemeClr val="accent1"/>
+                </a:solidFill>
+              </a:ln>
+              <a:solidFill>
+                <a:srgbClr val="EBEBEB"/>
+              </a:solidFill>
+            </a:endParaRPr>
+          </a:p>
+        </p:txBody>
+      </p:sp>
+      <p:sp>
+        <p:nvSpPr>
+          <p:cNvPr id="24" name="Content Placeholder 8">
+            <a:extLst>
+              <a:ext uri="{FF2B5EF4-FFF2-40B4-BE49-F238E27FC236}">
+                <a16:creationId xmlns:a16="http://schemas.microsoft.com/office/drawing/2014/main" id="{E30FBBD1-046A-456D-AF68-5ACD7EE31A51}"/>
+              </a:ext>
+            </a:extLst>
+          </p:cNvPr>
+          <p:cNvSpPr>
+            <a:spLocks noGrp="1"/>
+          </p:cNvSpPr>
+          <p:nvPr>
+            <p:ph idx="1"/>
+          </p:nvPr>
+        </p:nvSpPr>
+        <p:spPr>
+          <a:xfrm>
+            <a:off x="445168" y="1943100"/>
+            <a:ext cx="4326857" cy="4299967"/>
+          </a:xfrm>
+        </p:spPr>
+        <p:txBody>
+          <a:bodyPr>
+            <a:normAutofit/>
+          </a:bodyPr>
+          <a:lstStyle/>
+          <a:p>
+            <a:pPr marL="0" indent="0">
+              <a:buNone/>
+            </a:pPr>
+            <a:r>
+              <a:rPr lang="en-AU" sz="1600" b="1" dirty="0"/>
+              <a:t>Steep decline in Private demand driving the decline of overall GDP during June'20 quarter</a:t>
+            </a:r>
+            <a:r>
+              <a:rPr lang="en-AU" sz="1600" dirty="0"/>
+              <a:t> </a:t>
+            </a:r>
+          </a:p>
+          <a:p>
+            <a:pPr>
+              <a:buFont typeface="Wingdings" pitchFamily="2" charset="2"/>
+              <a:buChar char="Ø"/>
+            </a:pPr>
+            <a:r>
+              <a:rPr lang="en-AU" sz="1400" i="1" dirty="0"/>
+              <a:t>Private demand drove the fall detracting 7.9% ppt from GDP, public demand partly offsets the fall, contributing 0.6 ppt, as government increased spending in response to COVID-19.</a:t>
+            </a:r>
+          </a:p>
+          <a:p>
+            <a:pPr marL="0" indent="0">
+              <a:buNone/>
+            </a:pPr>
+            <a:endParaRPr lang="en-AU" sz="1400" i="1" dirty="0"/>
+          </a:p>
+          <a:p>
+            <a:pPr marL="0" indent="0">
+              <a:buNone/>
+            </a:pPr>
+            <a:r>
+              <a:rPr lang="en-AU" sz="1600" b="1" dirty="0"/>
+              <a:t>Domestic demand drives growth during June'21 quarter</a:t>
+            </a:r>
+            <a:r>
+              <a:rPr lang="en-AU" sz="1600" dirty="0"/>
+              <a:t> </a:t>
+            </a:r>
+          </a:p>
+          <a:p>
+            <a:pPr>
+              <a:buFont typeface="Wingdings" pitchFamily="2" charset="2"/>
+              <a:buChar char="Ø"/>
+            </a:pPr>
+            <a:r>
+              <a:rPr lang="en-AU" sz="1400" i="1" dirty="0"/>
+              <a:t>The domestic economy drove growth, contributing 1.6 percentage points to the rise in GDP last quarter in June'21. Both private and public demand increased.</a:t>
+            </a:r>
+          </a:p>
+        </p:txBody>
+      </p:sp>
+      <p:pic>
+        <p:nvPicPr>
+          <p:cNvPr id="4" name="Picture 3" descr="Chart, waterfall chart&#10;&#10;Description automatically generated">
+            <a:extLst>
+              <a:ext uri="{FF2B5EF4-FFF2-40B4-BE49-F238E27FC236}">
+                <a16:creationId xmlns:a16="http://schemas.microsoft.com/office/drawing/2014/main" id="{085E8305-461A-0542-96BE-B8701D3BEA4A}"/>
               </a:ext>
             </a:extLst>
           </p:cNvPr>
@@ -10242,8 +11195,8 @@
         </p:blipFill>
         <p:spPr>
           <a:xfrm>
-            <a:off x="2417524" y="2183913"/>
-            <a:ext cx="9561536" cy="4674087"/>
+            <a:off x="3600449" y="1351978"/>
+            <a:ext cx="9405937" cy="5000695"/>
           </a:xfrm>
           <a:prstGeom prst="rect">
             <a:avLst/>
@@ -10253,12 +11206,856 @@
     </p:spTree>
     <p:extLst>
       <p:ext uri="{BB962C8B-B14F-4D97-AF65-F5344CB8AC3E}">
-        <p14:creationId xmlns:p14="http://schemas.microsoft.com/office/powerpoint/2010/main" val="1528572351"/>
+        <p14:creationId xmlns:p14="http://schemas.microsoft.com/office/powerpoint/2010/main" val="1682603092"/>
       </p:ext>
     </p:extLst>
   </p:cSld>
   <p:clrMapOvr>
-    <a:overrideClrMapping bg1="lt1" tx1="dk1" bg2="lt2" tx2="dk2" accent1="accent1" accent2="accent2" accent3="accent3" accent4="accent4" accent5="accent5" accent6="accent6" hlink="hlink" folHlink="folHlink"/>
+    <a:masterClrMapping/>
+  </p:clrMapOvr>
+</p:sld>
+</file>
+
+<file path=ppt/slides/slide7.xml><?xml version="1.0" encoding="utf-8"?>
+<p:sld xmlns:a="http://schemas.openxmlformats.org/drawingml/2006/main" xmlns:r="http://schemas.openxmlformats.org/officeDocument/2006/relationships" xmlns:p="http://schemas.openxmlformats.org/presentationml/2006/main">
+  <p:cSld>
+    <p:spTree>
+      <p:nvGrpSpPr>
+        <p:cNvPr id="1" name=""/>
+        <p:cNvGrpSpPr/>
+        <p:nvPr/>
+      </p:nvGrpSpPr>
+      <p:grpSpPr>
+        <a:xfrm>
+          <a:off x="0" y="0"/>
+          <a:ext cx="0" cy="0"/>
+          <a:chOff x="0" y="0"/>
+          <a:chExt cx="0" cy="0"/>
+        </a:xfrm>
+      </p:grpSpPr>
+      <p:sp>
+        <p:nvSpPr>
+          <p:cNvPr id="2" name="Title 1">
+            <a:extLst>
+              <a:ext uri="{FF2B5EF4-FFF2-40B4-BE49-F238E27FC236}">
+                <a16:creationId xmlns:a16="http://schemas.microsoft.com/office/drawing/2014/main" id="{FFC7AA74-143E-214E-9F1D-E9F327707C6A}"/>
+              </a:ext>
+            </a:extLst>
+          </p:cNvPr>
+          <p:cNvSpPr>
+            <a:spLocks noGrp="1"/>
+          </p:cNvSpPr>
+          <p:nvPr>
+            <p:ph type="title"/>
+          </p:nvPr>
+        </p:nvSpPr>
+        <p:spPr>
+          <a:xfrm>
+            <a:off x="648930" y="629267"/>
+            <a:ext cx="9252154" cy="1016654"/>
+          </a:xfrm>
+        </p:spPr>
+        <p:txBody>
+          <a:bodyPr vert="horz" lIns="91440" tIns="45720" rIns="91440" bIns="45720" rtlCol="0">
+            <a:normAutofit/>
+          </a:bodyPr>
+          <a:lstStyle/>
+          <a:p>
+            <a:pPr>
+              <a:lnSpc>
+                <a:spcPct val="90000"/>
+              </a:lnSpc>
+            </a:pPr>
+            <a:r>
+              <a:rPr lang="en-AU" sz="3300" b="1" i="1">
+                <a:ln>
+                  <a:solidFill>
+                    <a:schemeClr val="accent1"/>
+                  </a:solidFill>
+                </a:ln>
+                <a:solidFill>
+                  <a:srgbClr val="EBEBEB"/>
+                </a:solidFill>
+              </a:rPr>
+              <a:t>Impacts of COVID-19 on Australian </a:t>
+            </a:r>
+            <a:br>
+              <a:rPr lang="en-AU" sz="3300" b="1" i="1">
+                <a:ln>
+                  <a:solidFill>
+                    <a:schemeClr val="accent1"/>
+                  </a:solidFill>
+                </a:ln>
+                <a:solidFill>
+                  <a:srgbClr val="EBEBEB"/>
+                </a:solidFill>
+              </a:rPr>
+            </a:br>
+            <a:r>
+              <a:rPr lang="en-AU" sz="3300" b="1" i="1">
+                <a:ln>
+                  <a:solidFill>
+                    <a:schemeClr val="accent1"/>
+                  </a:solidFill>
+                </a:ln>
+                <a:solidFill>
+                  <a:srgbClr val="EBEBEB"/>
+                </a:solidFill>
+              </a:rPr>
+              <a:t>- Business and Economy</a:t>
+            </a:r>
+            <a:endParaRPr lang="en-US" sz="3300" b="1" i="1">
+              <a:ln>
+                <a:solidFill>
+                  <a:schemeClr val="accent1"/>
+                </a:solidFill>
+              </a:ln>
+              <a:solidFill>
+                <a:srgbClr val="EBEBEB"/>
+              </a:solidFill>
+            </a:endParaRPr>
+          </a:p>
+        </p:txBody>
+      </p:sp>
+      <p:sp>
+        <p:nvSpPr>
+          <p:cNvPr id="24" name="Content Placeholder 8">
+            <a:extLst>
+              <a:ext uri="{FF2B5EF4-FFF2-40B4-BE49-F238E27FC236}">
+                <a16:creationId xmlns:a16="http://schemas.microsoft.com/office/drawing/2014/main" id="{E30FBBD1-046A-456D-AF68-5ACD7EE31A51}"/>
+              </a:ext>
+            </a:extLst>
+          </p:cNvPr>
+          <p:cNvSpPr>
+            <a:spLocks noGrp="1"/>
+          </p:cNvSpPr>
+          <p:nvPr>
+            <p:ph idx="1"/>
+          </p:nvPr>
+        </p:nvSpPr>
+        <p:spPr>
+          <a:xfrm>
+            <a:off x="445168" y="1943100"/>
+            <a:ext cx="4829839" cy="2040457"/>
+          </a:xfrm>
+        </p:spPr>
+        <p:txBody>
+          <a:bodyPr>
+            <a:normAutofit/>
+          </a:bodyPr>
+          <a:lstStyle/>
+          <a:p>
+            <a:pPr marL="0" indent="0">
+              <a:buNone/>
+            </a:pPr>
+            <a:r>
+              <a:rPr lang="en-AU" sz="1800" b="1" dirty="0"/>
+              <a:t>AUD depreciated against the US Dollar </a:t>
+            </a:r>
+            <a:r>
+              <a:rPr lang="en-AU" sz="1800" dirty="0"/>
+              <a:t>to levels not seen before the Global Financial Crisis (GFC) as the confirmed COVID-19 cases started increasing in Australia.</a:t>
+            </a:r>
+          </a:p>
+        </p:txBody>
+      </p:sp>
+      <p:pic>
+        <p:nvPicPr>
+          <p:cNvPr id="7" name="Picture 6" descr="Chart, line chart&#10;&#10;Description automatically generated">
+            <a:extLst>
+              <a:ext uri="{FF2B5EF4-FFF2-40B4-BE49-F238E27FC236}">
+                <a16:creationId xmlns:a16="http://schemas.microsoft.com/office/drawing/2014/main" id="{75583769-53E0-3C46-A1B6-F837FC05557A}"/>
+              </a:ext>
+            </a:extLst>
+          </p:cNvPr>
+          <p:cNvPicPr>
+            <a:picLocks noChangeAspect="1"/>
+          </p:cNvPicPr>
+          <p:nvPr/>
+        </p:nvPicPr>
+        <p:blipFill>
+          <a:blip r:embed="rId2"/>
+          <a:stretch>
+            <a:fillRect/>
+          </a:stretch>
+        </p:blipFill>
+        <p:spPr>
+          <a:xfrm>
+            <a:off x="4383506" y="1352218"/>
+            <a:ext cx="7834312" cy="3743780"/>
+          </a:xfrm>
+          <a:prstGeom prst="rect">
+            <a:avLst/>
+          </a:prstGeom>
+        </p:spPr>
+      </p:pic>
+      <p:pic>
+        <p:nvPicPr>
+          <p:cNvPr id="9" name="Picture 8" descr="Chart&#10;&#10;Description automatically generated">
+            <a:extLst>
+              <a:ext uri="{FF2B5EF4-FFF2-40B4-BE49-F238E27FC236}">
+                <a16:creationId xmlns:a16="http://schemas.microsoft.com/office/drawing/2014/main" id="{44A6AD68-645D-E549-B651-2E12A5715065}"/>
+              </a:ext>
+            </a:extLst>
+          </p:cNvPr>
+          <p:cNvPicPr>
+            <a:picLocks noChangeAspect="1"/>
+          </p:cNvPicPr>
+          <p:nvPr/>
+        </p:nvPicPr>
+        <p:blipFill>
+          <a:blip r:embed="rId3"/>
+          <a:stretch>
+            <a:fillRect/>
+          </a:stretch>
+        </p:blipFill>
+        <p:spPr>
+          <a:xfrm>
+            <a:off x="414337" y="3983557"/>
+            <a:ext cx="4357688" cy="3262957"/>
+          </a:xfrm>
+          <a:prstGeom prst="rect">
+            <a:avLst/>
+          </a:prstGeom>
+        </p:spPr>
+      </p:pic>
+      <p:sp>
+        <p:nvSpPr>
+          <p:cNvPr id="12" name="Content Placeholder 8">
+            <a:extLst>
+              <a:ext uri="{FF2B5EF4-FFF2-40B4-BE49-F238E27FC236}">
+                <a16:creationId xmlns:a16="http://schemas.microsoft.com/office/drawing/2014/main" id="{D8A0B6F8-FC37-ED4C-B4D5-D4EB6E968D65}"/>
+              </a:ext>
+            </a:extLst>
+          </p:cNvPr>
+          <p:cNvSpPr txBox="1">
+            <a:spLocks/>
+          </p:cNvSpPr>
+          <p:nvPr/>
+        </p:nvSpPr>
+        <p:spPr>
+          <a:xfrm>
+            <a:off x="5378115" y="5174828"/>
+            <a:ext cx="6399548" cy="1381625"/>
+          </a:xfrm>
+          <a:prstGeom prst="rect">
+            <a:avLst/>
+          </a:prstGeom>
+        </p:spPr>
+        <p:txBody>
+          <a:bodyPr vert="horz" lIns="91440" tIns="45720" rIns="91440" bIns="45720" rtlCol="0">
+            <a:normAutofit/>
+          </a:bodyPr>
+          <a:lstStyle>
+            <a:lvl1pPr marL="342900" indent="-342900" algn="l" defTabSz="457200" rtl="0" eaLnBrk="1" latinLnBrk="0" hangingPunct="1">
+              <a:spcBef>
+                <a:spcPts val="1000"/>
+              </a:spcBef>
+              <a:spcAft>
+                <a:spcPts val="0"/>
+              </a:spcAft>
+              <a:buClr>
+                <a:schemeClr val="bg2">
+                  <a:lumMod val="40000"/>
+                  <a:lumOff val="60000"/>
+                </a:schemeClr>
+              </a:buClr>
+              <a:buSzPct val="80000"/>
+              <a:buFont typeface="Wingdings 3" charset="2"/>
+              <a:buChar char=""/>
+              <a:defRPr sz="2000" b="0" i="0" kern="1200">
+                <a:solidFill>
+                  <a:schemeClr val="tx1"/>
+                </a:solidFill>
+                <a:latin typeface="+mj-lt"/>
+                <a:ea typeface="+mj-ea"/>
+                <a:cs typeface="+mj-cs"/>
+              </a:defRPr>
+            </a:lvl1pPr>
+            <a:lvl2pPr marL="742950" indent="-285750" algn="l" defTabSz="457200" rtl="0" eaLnBrk="1" latinLnBrk="0" hangingPunct="1">
+              <a:spcBef>
+                <a:spcPts val="1000"/>
+              </a:spcBef>
+              <a:spcAft>
+                <a:spcPts val="0"/>
+              </a:spcAft>
+              <a:buClr>
+                <a:schemeClr val="bg2">
+                  <a:lumMod val="40000"/>
+                  <a:lumOff val="60000"/>
+                </a:schemeClr>
+              </a:buClr>
+              <a:buSzPct val="80000"/>
+              <a:buFont typeface="Wingdings 3" charset="2"/>
+              <a:buChar char=""/>
+              <a:defRPr sz="1800" b="0" i="0" kern="1200">
+                <a:solidFill>
+                  <a:schemeClr val="tx1"/>
+                </a:solidFill>
+                <a:latin typeface="+mj-lt"/>
+                <a:ea typeface="+mj-ea"/>
+                <a:cs typeface="+mj-cs"/>
+              </a:defRPr>
+            </a:lvl2pPr>
+            <a:lvl3pPr marL="1143000" indent="-228600" algn="l" defTabSz="457200" rtl="0" eaLnBrk="1" latinLnBrk="0" hangingPunct="1">
+              <a:spcBef>
+                <a:spcPts val="1000"/>
+              </a:spcBef>
+              <a:spcAft>
+                <a:spcPts val="0"/>
+              </a:spcAft>
+              <a:buClr>
+                <a:schemeClr val="bg2">
+                  <a:lumMod val="40000"/>
+                  <a:lumOff val="60000"/>
+                </a:schemeClr>
+              </a:buClr>
+              <a:buSzPct val="80000"/>
+              <a:buFont typeface="Wingdings 3" charset="2"/>
+              <a:buChar char=""/>
+              <a:defRPr sz="1600" b="0" i="0" kern="1200">
+                <a:solidFill>
+                  <a:schemeClr val="tx1"/>
+                </a:solidFill>
+                <a:latin typeface="+mj-lt"/>
+                <a:ea typeface="+mj-ea"/>
+                <a:cs typeface="+mj-cs"/>
+              </a:defRPr>
+            </a:lvl3pPr>
+            <a:lvl4pPr marL="1600200" indent="-228600" algn="l" defTabSz="457200" rtl="0" eaLnBrk="1" latinLnBrk="0" hangingPunct="1">
+              <a:spcBef>
+                <a:spcPts val="1000"/>
+              </a:spcBef>
+              <a:spcAft>
+                <a:spcPts val="0"/>
+              </a:spcAft>
+              <a:buClr>
+                <a:schemeClr val="bg2">
+                  <a:lumMod val="40000"/>
+                  <a:lumOff val="60000"/>
+                </a:schemeClr>
+              </a:buClr>
+              <a:buSzPct val="80000"/>
+              <a:buFont typeface="Wingdings 3" charset="2"/>
+              <a:buChar char=""/>
+              <a:defRPr sz="1400" b="0" i="0" kern="1200">
+                <a:solidFill>
+                  <a:schemeClr val="tx1"/>
+                </a:solidFill>
+                <a:latin typeface="+mj-lt"/>
+                <a:ea typeface="+mj-ea"/>
+                <a:cs typeface="+mj-cs"/>
+              </a:defRPr>
+            </a:lvl4pPr>
+            <a:lvl5pPr marL="2057400" indent="-228600" algn="l" defTabSz="457200" rtl="0" eaLnBrk="1" latinLnBrk="0" hangingPunct="1">
+              <a:spcBef>
+                <a:spcPts val="1000"/>
+              </a:spcBef>
+              <a:spcAft>
+                <a:spcPts val="0"/>
+              </a:spcAft>
+              <a:buClr>
+                <a:schemeClr val="bg2">
+                  <a:lumMod val="40000"/>
+                  <a:lumOff val="60000"/>
+                </a:schemeClr>
+              </a:buClr>
+              <a:buSzPct val="80000"/>
+              <a:buFont typeface="Wingdings 3" charset="2"/>
+              <a:buChar char=""/>
+              <a:defRPr sz="1400" b="0" i="0" kern="1200">
+                <a:solidFill>
+                  <a:schemeClr val="tx1"/>
+                </a:solidFill>
+                <a:latin typeface="+mj-lt"/>
+                <a:ea typeface="+mj-ea"/>
+                <a:cs typeface="+mj-cs"/>
+              </a:defRPr>
+            </a:lvl5pPr>
+            <a:lvl6pPr marL="2506000" indent="-228600" algn="l" defTabSz="457200" rtl="0" eaLnBrk="1" latinLnBrk="0" hangingPunct="1">
+              <a:spcBef>
+                <a:spcPts val="1000"/>
+              </a:spcBef>
+              <a:spcAft>
+                <a:spcPts val="0"/>
+              </a:spcAft>
+              <a:buClr>
+                <a:schemeClr val="bg2">
+                  <a:lumMod val="40000"/>
+                  <a:lumOff val="60000"/>
+                </a:schemeClr>
+              </a:buClr>
+              <a:buSzPct val="80000"/>
+              <a:buFont typeface="Wingdings 3" charset="2"/>
+              <a:buChar char=""/>
+              <a:defRPr sz="1400" b="0" i="0" kern="1200">
+                <a:solidFill>
+                  <a:schemeClr val="tx1"/>
+                </a:solidFill>
+                <a:latin typeface="+mj-lt"/>
+                <a:ea typeface="+mj-ea"/>
+                <a:cs typeface="+mj-cs"/>
+              </a:defRPr>
+            </a:lvl6pPr>
+            <a:lvl7pPr marL="2971800" indent="-228600" algn="l" defTabSz="457200" rtl="0" eaLnBrk="1" latinLnBrk="0" hangingPunct="1">
+              <a:spcBef>
+                <a:spcPts val="1000"/>
+              </a:spcBef>
+              <a:spcAft>
+                <a:spcPts val="0"/>
+              </a:spcAft>
+              <a:buClr>
+                <a:schemeClr val="bg2">
+                  <a:lumMod val="40000"/>
+                  <a:lumOff val="60000"/>
+                </a:schemeClr>
+              </a:buClr>
+              <a:buSzPct val="80000"/>
+              <a:buFont typeface="Wingdings 3" charset="2"/>
+              <a:buChar char=""/>
+              <a:defRPr sz="1400" b="0" i="0" kern="1200">
+                <a:solidFill>
+                  <a:schemeClr val="tx1"/>
+                </a:solidFill>
+                <a:latin typeface="+mj-lt"/>
+                <a:ea typeface="+mj-ea"/>
+                <a:cs typeface="+mj-cs"/>
+              </a:defRPr>
+            </a:lvl7pPr>
+            <a:lvl8pPr marL="3429000" indent="-228600" algn="l" defTabSz="457200" rtl="0" eaLnBrk="1" latinLnBrk="0" hangingPunct="1">
+              <a:spcBef>
+                <a:spcPts val="1000"/>
+              </a:spcBef>
+              <a:spcAft>
+                <a:spcPts val="0"/>
+              </a:spcAft>
+              <a:buClr>
+                <a:schemeClr val="bg2">
+                  <a:lumMod val="40000"/>
+                  <a:lumOff val="60000"/>
+                </a:schemeClr>
+              </a:buClr>
+              <a:buSzPct val="80000"/>
+              <a:buFont typeface="Wingdings 3" charset="2"/>
+              <a:buChar char=""/>
+              <a:defRPr sz="1400" b="0" i="0" kern="1200">
+                <a:solidFill>
+                  <a:schemeClr val="tx1"/>
+                </a:solidFill>
+                <a:latin typeface="+mj-lt"/>
+                <a:ea typeface="+mj-ea"/>
+                <a:cs typeface="+mj-cs"/>
+              </a:defRPr>
+            </a:lvl8pPr>
+            <a:lvl9pPr marL="3886200" indent="-228600" algn="l" defTabSz="457200" rtl="0" eaLnBrk="1" latinLnBrk="0" hangingPunct="1">
+              <a:spcBef>
+                <a:spcPts val="1000"/>
+              </a:spcBef>
+              <a:spcAft>
+                <a:spcPts val="0"/>
+              </a:spcAft>
+              <a:buClr>
+                <a:schemeClr val="bg2">
+                  <a:lumMod val="40000"/>
+                  <a:lumOff val="60000"/>
+                </a:schemeClr>
+              </a:buClr>
+              <a:buSzPct val="80000"/>
+              <a:buFont typeface="Wingdings 3" charset="2"/>
+              <a:buChar char=""/>
+              <a:defRPr sz="1400" b="0" i="0" kern="1200">
+                <a:solidFill>
+                  <a:schemeClr val="tx1"/>
+                </a:solidFill>
+                <a:latin typeface="+mj-lt"/>
+                <a:ea typeface="+mj-ea"/>
+                <a:cs typeface="+mj-cs"/>
+              </a:defRPr>
+            </a:lvl9pPr>
+          </a:lstStyle>
+          <a:p>
+            <a:pPr marL="0" indent="0">
+              <a:buNone/>
+            </a:pPr>
+            <a:r>
+              <a:rPr lang="en-AU" sz="1800" dirty="0"/>
+              <a:t>The correlation between covid infections cases and Australian Dollar Trade-weighted Index is -0.07 and shows an overall very slight negative correlation.</a:t>
+            </a:r>
+          </a:p>
+        </p:txBody>
+      </p:sp>
+    </p:spTree>
+    <p:extLst>
+      <p:ext uri="{BB962C8B-B14F-4D97-AF65-F5344CB8AC3E}">
+        <p14:creationId xmlns:p14="http://schemas.microsoft.com/office/powerpoint/2010/main" val="3010311995"/>
+      </p:ext>
+    </p:extLst>
+  </p:cSld>
+  <p:clrMapOvr>
+    <a:masterClrMapping/>
+  </p:clrMapOvr>
+</p:sld>
+</file>
+
+<file path=ppt/slides/slide8.xml><?xml version="1.0" encoding="utf-8"?>
+<p:sld xmlns:a="http://schemas.openxmlformats.org/drawingml/2006/main" xmlns:r="http://schemas.openxmlformats.org/officeDocument/2006/relationships" xmlns:p="http://schemas.openxmlformats.org/presentationml/2006/main">
+  <p:cSld>
+    <p:spTree>
+      <p:nvGrpSpPr>
+        <p:cNvPr id="1" name=""/>
+        <p:cNvGrpSpPr/>
+        <p:nvPr/>
+      </p:nvGrpSpPr>
+      <p:grpSpPr>
+        <a:xfrm>
+          <a:off x="0" y="0"/>
+          <a:ext cx="0" cy="0"/>
+          <a:chOff x="0" y="0"/>
+          <a:chExt cx="0" cy="0"/>
+        </a:xfrm>
+      </p:grpSpPr>
+      <p:sp>
+        <p:nvSpPr>
+          <p:cNvPr id="2" name="Title 1">
+            <a:extLst>
+              <a:ext uri="{FF2B5EF4-FFF2-40B4-BE49-F238E27FC236}">
+                <a16:creationId xmlns:a16="http://schemas.microsoft.com/office/drawing/2014/main" id="{961F9FA1-7CDE-7C40-9FC2-1111BED8BA85}"/>
+              </a:ext>
+            </a:extLst>
+          </p:cNvPr>
+          <p:cNvSpPr>
+            <a:spLocks noGrp="1"/>
+          </p:cNvSpPr>
+          <p:nvPr>
+            <p:ph type="title"/>
+          </p:nvPr>
+        </p:nvSpPr>
+        <p:spPr/>
+        <p:txBody>
+          <a:bodyPr/>
+          <a:lstStyle/>
+          <a:p>
+            <a:r>
+              <a:rPr lang="en-US" dirty="0"/>
+              <a:t>Covid-19 impact on the National  Unemployment Rate</a:t>
+            </a:r>
+          </a:p>
+        </p:txBody>
+      </p:sp>
+      <p:sp>
+        <p:nvSpPr>
+          <p:cNvPr id="3" name="Text Placeholder 2">
+            <a:extLst>
+              <a:ext uri="{FF2B5EF4-FFF2-40B4-BE49-F238E27FC236}">
+                <a16:creationId xmlns:a16="http://schemas.microsoft.com/office/drawing/2014/main" id="{EA28FC6C-EC98-EC40-AF1C-5ACBA85322E3}"/>
+              </a:ext>
+            </a:extLst>
+          </p:cNvPr>
+          <p:cNvSpPr>
+            <a:spLocks noGrp="1"/>
+          </p:cNvSpPr>
+          <p:nvPr>
+            <p:ph type="body" sz="half" idx="2"/>
+          </p:nvPr>
+        </p:nvSpPr>
+        <p:spPr/>
+        <p:txBody>
+          <a:bodyPr/>
+          <a:lstStyle/>
+          <a:p>
+            <a:r>
+              <a:rPr lang="en-US" dirty="0"/>
+              <a:t>Hypothesis: </a:t>
+            </a:r>
+            <a:r>
+              <a:rPr lang="en-AU" dirty="0"/>
+              <a:t>Covid-19 and lockdowns had a marginal impact on Australian unemployment rate.</a:t>
+            </a:r>
+            <a:endParaRPr lang="en-US" dirty="0"/>
+          </a:p>
+        </p:txBody>
+      </p:sp>
+    </p:spTree>
+    <p:extLst>
+      <p:ext uri="{BB962C8B-B14F-4D97-AF65-F5344CB8AC3E}">
+        <p14:creationId xmlns:p14="http://schemas.microsoft.com/office/powerpoint/2010/main" val="1958595565"/>
+      </p:ext>
+    </p:extLst>
+  </p:cSld>
+  <p:clrMapOvr>
+    <a:masterClrMapping/>
+  </p:clrMapOvr>
+</p:sld>
+</file>
+
+<file path=ppt/slides/slide9.xml><?xml version="1.0" encoding="utf-8"?>
+<p:sld xmlns:a="http://schemas.openxmlformats.org/drawingml/2006/main" xmlns:r="http://schemas.openxmlformats.org/officeDocument/2006/relationships" xmlns:p="http://schemas.openxmlformats.org/presentationml/2006/main">
+  <p:cSld>
+    <p:spTree>
+      <p:nvGrpSpPr>
+        <p:cNvPr id="1" name=""/>
+        <p:cNvGrpSpPr/>
+        <p:nvPr/>
+      </p:nvGrpSpPr>
+      <p:grpSpPr>
+        <a:xfrm>
+          <a:off x="0" y="0"/>
+          <a:ext cx="0" cy="0"/>
+          <a:chOff x="0" y="0"/>
+          <a:chExt cx="0" cy="0"/>
+        </a:xfrm>
+      </p:grpSpPr>
+      <p:pic>
+        <p:nvPicPr>
+          <p:cNvPr id="4" name="Picture 3">
+            <a:extLst>
+              <a:ext uri="{FF2B5EF4-FFF2-40B4-BE49-F238E27FC236}">
+                <a16:creationId xmlns:a16="http://schemas.microsoft.com/office/drawing/2014/main" id="{EFC3BB1D-0526-FB4F-8E99-8440E569FFE3}"/>
+              </a:ext>
+            </a:extLst>
+          </p:cNvPr>
+          <p:cNvPicPr>
+            <a:picLocks noChangeAspect="1"/>
+          </p:cNvPicPr>
+          <p:nvPr/>
+        </p:nvPicPr>
+        <p:blipFill>
+          <a:blip r:embed="rId2"/>
+          <a:stretch>
+            <a:fillRect/>
+          </a:stretch>
+        </p:blipFill>
+        <p:spPr>
+          <a:xfrm>
+            <a:off x="821385" y="2505275"/>
+            <a:ext cx="5006921" cy="3486662"/>
+          </a:xfrm>
+          <a:prstGeom prst="rect">
+            <a:avLst/>
+          </a:prstGeom>
+        </p:spPr>
+      </p:pic>
+      <p:pic>
+        <p:nvPicPr>
+          <p:cNvPr id="6" name="Picture 5">
+            <a:extLst>
+              <a:ext uri="{FF2B5EF4-FFF2-40B4-BE49-F238E27FC236}">
+                <a16:creationId xmlns:a16="http://schemas.microsoft.com/office/drawing/2014/main" id="{F0D6AFBB-A758-FD4B-A242-8AE2B3E3DF77}"/>
+              </a:ext>
+            </a:extLst>
+          </p:cNvPr>
+          <p:cNvPicPr>
+            <a:picLocks noChangeAspect="1"/>
+          </p:cNvPicPr>
+          <p:nvPr/>
+        </p:nvPicPr>
+        <p:blipFill>
+          <a:blip r:embed="rId3"/>
+          <a:stretch>
+            <a:fillRect/>
+          </a:stretch>
+        </p:blipFill>
+        <p:spPr>
+          <a:xfrm>
+            <a:off x="5760511" y="2503695"/>
+            <a:ext cx="5636947" cy="3486661"/>
+          </a:xfrm>
+          <a:prstGeom prst="rect">
+            <a:avLst/>
+          </a:prstGeom>
+        </p:spPr>
+      </p:pic>
+      <p:sp>
+        <p:nvSpPr>
+          <p:cNvPr id="34" name="Title 1">
+            <a:extLst>
+              <a:ext uri="{FF2B5EF4-FFF2-40B4-BE49-F238E27FC236}">
+                <a16:creationId xmlns:a16="http://schemas.microsoft.com/office/drawing/2014/main" id="{3E6C01ED-66A7-E640-9196-798F7B5C1A1F}"/>
+              </a:ext>
+            </a:extLst>
+          </p:cNvPr>
+          <p:cNvSpPr>
+            <a:spLocks noGrp="1"/>
+          </p:cNvSpPr>
+          <p:nvPr>
+            <p:ph type="title"/>
+          </p:nvPr>
+        </p:nvSpPr>
+        <p:spPr>
+          <a:xfrm>
+            <a:off x="761206" y="753036"/>
+            <a:ext cx="9404723" cy="724572"/>
+          </a:xfrm>
+        </p:spPr>
+        <p:txBody>
+          <a:bodyPr/>
+          <a:lstStyle/>
+          <a:p>
+            <a:r>
+              <a:rPr lang="en-AU" sz="3200" b="1" i="1" dirty="0">
+                <a:solidFill>
+                  <a:srgbClr val="FF0000"/>
+                </a:solidFill>
+              </a:rPr>
+              <a:t>Impacts of COVID-19 on Australian </a:t>
+            </a:r>
+            <a:r>
+              <a:rPr lang="en-AU" sz="3200" i="1" dirty="0">
+                <a:solidFill>
+                  <a:schemeClr val="tx1">
+                    <a:lumMod val="75000"/>
+                  </a:schemeClr>
+                </a:solidFill>
+              </a:rPr>
+              <a:t>Unemployment</a:t>
+            </a:r>
+            <a:br>
+              <a:rPr lang="en-AU" sz="3200" i="1" dirty="0"/>
+            </a:br>
+            <a:endParaRPr lang="en-US" sz="3200" dirty="0">
+              <a:solidFill>
+                <a:srgbClr val="FF0000"/>
+              </a:solidFill>
+            </a:endParaRPr>
+          </a:p>
+        </p:txBody>
+      </p:sp>
+      <p:sp>
+        <p:nvSpPr>
+          <p:cNvPr id="36" name="Content Placeholder 2">
+            <a:extLst>
+              <a:ext uri="{FF2B5EF4-FFF2-40B4-BE49-F238E27FC236}">
+                <a16:creationId xmlns:a16="http://schemas.microsoft.com/office/drawing/2014/main" id="{2C0EE954-ABDB-424C-B7C1-2FF08A75F0E7}"/>
+              </a:ext>
+            </a:extLst>
+          </p:cNvPr>
+          <p:cNvSpPr>
+            <a:spLocks noGrp="1"/>
+          </p:cNvSpPr>
+          <p:nvPr>
+            <p:ph idx="1"/>
+          </p:nvPr>
+        </p:nvSpPr>
+        <p:spPr>
+          <a:xfrm>
+            <a:off x="818566" y="1808626"/>
+            <a:ext cx="11685069" cy="4876799"/>
+          </a:xfrm>
+        </p:spPr>
+        <p:txBody>
+          <a:bodyPr>
+            <a:normAutofit/>
+          </a:bodyPr>
+          <a:lstStyle/>
+          <a:p>
+            <a:r>
+              <a:rPr lang="en-US" dirty="0">
+                <a:solidFill>
+                  <a:schemeClr val="bg1"/>
+                </a:solidFill>
+              </a:rPr>
+              <a:t>Hypothesis: Hypothesis: Covid-19 increased unemployment rate in Australia. </a:t>
+            </a:r>
+          </a:p>
+          <a:p>
+            <a:pPr marL="0" indent="0">
+              <a:buNone/>
+            </a:pPr>
+            <a:endParaRPr lang="en-US" dirty="0">
+              <a:solidFill>
+                <a:schemeClr val="bg1"/>
+              </a:solidFill>
+            </a:endParaRPr>
+          </a:p>
+        </p:txBody>
+      </p:sp>
+      <p:cxnSp>
+        <p:nvCxnSpPr>
+          <p:cNvPr id="8" name="Straight Arrow Connector 7">
+            <a:extLst>
+              <a:ext uri="{FF2B5EF4-FFF2-40B4-BE49-F238E27FC236}">
+                <a16:creationId xmlns:a16="http://schemas.microsoft.com/office/drawing/2014/main" id="{D9CE2282-93A7-7748-8C10-1004AC234315}"/>
+              </a:ext>
+            </a:extLst>
+          </p:cNvPr>
+          <p:cNvCxnSpPr/>
+          <p:nvPr/>
+        </p:nvCxnSpPr>
+        <p:spPr>
+          <a:xfrm flipV="1">
+            <a:off x="3689405" y="3061252"/>
+            <a:ext cx="347607" cy="1542553"/>
+          </a:xfrm>
+          <a:prstGeom prst="straightConnector1">
+            <a:avLst/>
+          </a:prstGeom>
+          <a:ln>
+            <a:tailEnd type="triangle"/>
+          </a:ln>
+        </p:spPr>
+        <p:style>
+          <a:lnRef idx="1">
+            <a:schemeClr val="accent1"/>
+          </a:lnRef>
+          <a:fillRef idx="0">
+            <a:schemeClr val="accent1"/>
+          </a:fillRef>
+          <a:effectRef idx="0">
+            <a:schemeClr val="accent1"/>
+          </a:effectRef>
+          <a:fontRef idx="minor">
+            <a:schemeClr val="tx1"/>
+          </a:fontRef>
+        </p:style>
+      </p:cxnSp>
+      <p:cxnSp>
+        <p:nvCxnSpPr>
+          <p:cNvPr id="11" name="Straight Arrow Connector 10">
+            <a:extLst>
+              <a:ext uri="{FF2B5EF4-FFF2-40B4-BE49-F238E27FC236}">
+                <a16:creationId xmlns:a16="http://schemas.microsoft.com/office/drawing/2014/main" id="{45F1DED2-9D48-D14A-A15F-733F7DF5F73C}"/>
+              </a:ext>
+            </a:extLst>
+          </p:cNvPr>
+          <p:cNvCxnSpPr/>
+          <p:nvPr/>
+        </p:nvCxnSpPr>
+        <p:spPr>
+          <a:xfrm>
+            <a:off x="4651513" y="3429000"/>
+            <a:ext cx="310101" cy="1651883"/>
+          </a:xfrm>
+          <a:prstGeom prst="straightConnector1">
+            <a:avLst/>
+          </a:prstGeom>
+          <a:ln>
+            <a:tailEnd type="triangle"/>
+          </a:ln>
+        </p:spPr>
+        <p:style>
+          <a:lnRef idx="1">
+            <a:schemeClr val="accent1"/>
+          </a:lnRef>
+          <a:fillRef idx="0">
+            <a:schemeClr val="accent1"/>
+          </a:fillRef>
+          <a:effectRef idx="0">
+            <a:schemeClr val="accent1"/>
+          </a:effectRef>
+          <a:fontRef idx="minor">
+            <a:schemeClr val="tx1"/>
+          </a:fontRef>
+        </p:style>
+      </p:cxnSp>
+    </p:spTree>
+    <p:extLst>
+      <p:ext uri="{BB962C8B-B14F-4D97-AF65-F5344CB8AC3E}">
+        <p14:creationId xmlns:p14="http://schemas.microsoft.com/office/powerpoint/2010/main" val="2362484956"/>
+      </p:ext>
+    </p:extLst>
+  </p:cSld>
+  <p:clrMapOvr>
+    <a:masterClrMapping/>
   </p:clrMapOvr>
 </p:sld>
 </file>
